--- a/Using Deep Learning To Implement Domain Generation Algorithm.pptx
+++ b/Using Deep Learning To Implement Domain Generation Algorithm.pptx
@@ -5,30 +5,31 @@
     <p:sldMasterId id="2147483852" r:id="rId1"/>
   </p:sldMasterIdLst>
   <p:notesMasterIdLst>
-    <p:notesMasterId r:id="rId20"/>
+    <p:notesMasterId r:id="rId21"/>
   </p:notesMasterIdLst>
   <p:handoutMasterIdLst>
-    <p:handoutMasterId r:id="rId21"/>
+    <p:handoutMasterId r:id="rId22"/>
   </p:handoutMasterIdLst>
   <p:sldIdLst>
     <p:sldId id="256" r:id="rId2"/>
     <p:sldId id="257" r:id="rId3"/>
     <p:sldId id="262" r:id="rId4"/>
-    <p:sldId id="267" r:id="rId5"/>
-    <p:sldId id="266" r:id="rId6"/>
-    <p:sldId id="268" r:id="rId7"/>
-    <p:sldId id="263" r:id="rId8"/>
-    <p:sldId id="269" r:id="rId9"/>
-    <p:sldId id="279" r:id="rId10"/>
-    <p:sldId id="280" r:id="rId11"/>
-    <p:sldId id="276" r:id="rId12"/>
-    <p:sldId id="272" r:id="rId13"/>
-    <p:sldId id="277" r:id="rId14"/>
-    <p:sldId id="273" r:id="rId15"/>
-    <p:sldId id="278" r:id="rId16"/>
-    <p:sldId id="274" r:id="rId17"/>
-    <p:sldId id="264" r:id="rId18"/>
-    <p:sldId id="275" r:id="rId19"/>
+    <p:sldId id="266" r:id="rId5"/>
+    <p:sldId id="263" r:id="rId6"/>
+    <p:sldId id="279" r:id="rId7"/>
+    <p:sldId id="280" r:id="rId8"/>
+    <p:sldId id="281" r:id="rId9"/>
+    <p:sldId id="282" r:id="rId10"/>
+    <p:sldId id="276" r:id="rId11"/>
+    <p:sldId id="272" r:id="rId12"/>
+    <p:sldId id="277" r:id="rId13"/>
+    <p:sldId id="273" r:id="rId14"/>
+    <p:sldId id="278" r:id="rId15"/>
+    <p:sldId id="274" r:id="rId16"/>
+    <p:sldId id="264" r:id="rId17"/>
+    <p:sldId id="283" r:id="rId18"/>
+    <p:sldId id="284" r:id="rId19"/>
+    <p:sldId id="275" r:id="rId20"/>
   </p:sldIdLst>
   <p:sldSz cx="9144000" cy="6858000" type="screen4x3"/>
   <p:notesSz cx="6858000" cy="9144000"/>
@@ -143,17 +144,16 @@
         <p14:section name="Introduction" id="{4904A2F5-00E3-4B86-B228-2CA49A1AC857}">
           <p14:sldIdLst>
             <p14:sldId id="262"/>
-            <p14:sldId id="267"/>
             <p14:sldId id="266"/>
-            <p14:sldId id="268"/>
           </p14:sldIdLst>
         </p14:section>
         <p14:section name="Deep Learning" id="{DF139C1C-B690-4FC7-9567-7D1F3BE7AF0E}">
           <p14:sldIdLst>
             <p14:sldId id="263"/>
-            <p14:sldId id="269"/>
             <p14:sldId id="279"/>
             <p14:sldId id="280"/>
+            <p14:sldId id="281"/>
+            <p14:sldId id="282"/>
             <p14:sldId id="276"/>
             <p14:sldId id="272"/>
             <p14:sldId id="277"/>
@@ -162,9 +162,11 @@
             <p14:sldId id="274"/>
           </p14:sldIdLst>
         </p14:section>
-        <p14:section name="A DGA Based On GAN" id="{5A2E64A9-D14F-4AB6-9F85-43C7866B4A21}">
+        <p14:section name="Using GAN To Implement DGA" id="{5A2E64A9-D14F-4AB6-9F85-43C7866B4A21}">
           <p14:sldIdLst>
             <p14:sldId id="264"/>
+            <p14:sldId id="283"/>
+            <p14:sldId id="284"/>
             <p14:sldId id="275"/>
           </p14:sldIdLst>
         </p14:section>
@@ -4802,7 +4804,7 @@
       </p:grpSpPr>
       <p:sp>
         <p:nvSpPr>
-          <p:cNvPr id="5" name="標題 4"/>
+          <p:cNvPr id="7" name="標題 6"/>
           <p:cNvSpPr>
             <a:spLocks noGrp="1"/>
           </p:cNvSpPr>
@@ -4815,26 +4817,42 @@
           <a:bodyPr/>
           <a:lstStyle/>
           <a:p>
-            <a:endParaRPr lang="zh-TW" altLang="en-US"/>
-          </a:p>
-        </p:txBody>
-      </p:sp>
-      <p:sp>
-        <p:nvSpPr>
-          <p:cNvPr id="6" name="內容版面配置區 5"/>
+            <a:r>
+              <a:rPr lang="en-US" altLang="zh-TW" sz="6600" cap="none" dirty="0" smtClean="0"/>
+              <a:t>Generative Adversarial Networks</a:t>
+            </a:r>
+            <a:br>
+              <a:rPr lang="en-US" altLang="zh-TW" sz="6600" cap="none" dirty="0" smtClean="0"/>
+            </a:br>
+            <a:r>
+              <a:rPr lang="en-US" altLang="zh-TW" sz="6600" cap="none" dirty="0" smtClean="0"/>
+              <a:t>(GAN)</a:t>
+            </a:r>
+            <a:endParaRPr lang="en-US" altLang="zh-TW" sz="6600" cap="none" dirty="0"/>
+          </a:p>
+        </p:txBody>
+      </p:sp>
+      <p:sp>
+        <p:nvSpPr>
+          <p:cNvPr id="8" name="文字版面配置區 7"/>
           <p:cNvSpPr>
             <a:spLocks noGrp="1"/>
           </p:cNvSpPr>
           <p:nvPr>
-            <p:ph idx="1"/>
+            <p:ph type="body" idx="1"/>
           </p:nvPr>
         </p:nvSpPr>
         <p:spPr/>
         <p:txBody>
-          <a:bodyPr/>
+          <a:bodyPr>
+            <a:normAutofit/>
+          </a:bodyPr>
           <a:lstStyle/>
           <a:p>
-            <a:endParaRPr lang="zh-TW" altLang="en-US"/>
+            <a:r>
+              <a:rPr lang="en-US" altLang="zh-TW" sz="3200" dirty="0" smtClean="0"/>
+              <a:t>Deep Learning</a:t>
+            </a:r>
           </a:p>
         </p:txBody>
       </p:sp>
@@ -4855,7 +4873,6 @@
           <a:p>
             <a:fld id="{4FAB73BC-B049-4115-A692-8D63A059BFB8}" type="slidenum">
               <a:rPr lang="en-US" smtClean="0"/>
-              <a:pPr/>
               <a:t>10</a:t>
             </a:fld>
             <a:endParaRPr lang="en-US" dirty="0"/>
@@ -4865,7 +4882,7 @@
     </p:spTree>
     <p:extLst>
       <p:ext uri="{BB962C8B-B14F-4D97-AF65-F5344CB8AC3E}">
-        <p14:creationId xmlns:p14="http://schemas.microsoft.com/office/powerpoint/2010/main" val="3534578781"/>
+        <p14:creationId xmlns:p14="http://schemas.microsoft.com/office/powerpoint/2010/main" val="151502483"/>
       </p:ext>
     </p:extLst>
   </p:cSld>
@@ -4894,7 +4911,7 @@
       </p:grpSpPr>
       <p:sp>
         <p:nvSpPr>
-          <p:cNvPr id="7" name="標題 6"/>
+          <p:cNvPr id="5" name="標題 4"/>
           <p:cNvSpPr>
             <a:spLocks noGrp="1"/>
           </p:cNvSpPr>
@@ -4908,41 +4925,29 @@
           <a:lstStyle/>
           <a:p>
             <a:r>
-              <a:rPr lang="en-US" altLang="zh-TW" sz="6600" cap="none" dirty="0" smtClean="0"/>
-              <a:t>Generative Adversarial Networks</a:t>
-            </a:r>
-            <a:br>
-              <a:rPr lang="en-US" altLang="zh-TW" sz="6600" cap="none" dirty="0" smtClean="0"/>
-            </a:br>
-            <a:r>
-              <a:rPr lang="en-US" altLang="zh-TW" sz="6600" cap="none" dirty="0" smtClean="0"/>
-              <a:t>(GAN)</a:t>
-            </a:r>
-            <a:endParaRPr lang="en-US" altLang="zh-TW" sz="6600" cap="none" dirty="0"/>
-          </a:p>
-        </p:txBody>
-      </p:sp>
-      <p:sp>
-        <p:nvSpPr>
-          <p:cNvPr id="8" name="文字版面配置區 7"/>
+              <a:rPr lang="en-US" altLang="zh-TW" dirty="0"/>
+              <a:t>Algorithm</a:t>
+            </a:r>
+            <a:endParaRPr lang="zh-TW" altLang="en-US" dirty="0"/>
+          </a:p>
+        </p:txBody>
+      </p:sp>
+      <p:sp>
+        <p:nvSpPr>
+          <p:cNvPr id="6" name="內容版面配置區 5"/>
           <p:cNvSpPr>
             <a:spLocks noGrp="1"/>
           </p:cNvSpPr>
           <p:nvPr>
-            <p:ph type="body" idx="1"/>
+            <p:ph idx="1"/>
           </p:nvPr>
         </p:nvSpPr>
         <p:spPr/>
         <p:txBody>
-          <a:bodyPr>
-            <a:normAutofit/>
-          </a:bodyPr>
+          <a:bodyPr/>
           <a:lstStyle/>
           <a:p>
-            <a:r>
-              <a:rPr lang="en-US" altLang="zh-TW" sz="3200" dirty="0" smtClean="0"/>
-              <a:t>Deep Learning</a:t>
-            </a:r>
+            <a:endParaRPr lang="zh-TW" altLang="en-US"/>
           </a:p>
         </p:txBody>
       </p:sp>
@@ -4963,16 +4968,89 @@
           <a:p>
             <a:fld id="{4FAB73BC-B049-4115-A692-8D63A059BFB8}" type="slidenum">
               <a:rPr lang="en-US" smtClean="0"/>
+              <a:pPr/>
               <a:t>11</a:t>
             </a:fld>
             <a:endParaRPr lang="en-US" dirty="0"/>
           </a:p>
         </p:txBody>
       </p:sp>
+      <p:pic>
+        <p:nvPicPr>
+          <p:cNvPr id="2" name="圖片 1"/>
+          <p:cNvPicPr>
+            <a:picLocks noChangeAspect="1"/>
+          </p:cNvPicPr>
+          <p:nvPr/>
+        </p:nvPicPr>
+        <p:blipFill>
+          <a:blip r:embed="rId2"/>
+          <a:stretch>
+            <a:fillRect/>
+          </a:stretch>
+        </p:blipFill>
+        <p:spPr>
+          <a:xfrm>
+            <a:off x="1125651" y="2093975"/>
+            <a:ext cx="6892698" cy="4078225"/>
+          </a:xfrm>
+          <a:prstGeom prst="rect">
+            <a:avLst/>
+          </a:prstGeom>
+        </p:spPr>
+      </p:pic>
+      <p:sp>
+        <p:nvSpPr>
+          <p:cNvPr id="3" name="文字方塊 2"/>
+          <p:cNvSpPr txBox="1"/>
+          <p:nvPr/>
+        </p:nvSpPr>
+        <p:spPr>
+          <a:xfrm>
+            <a:off x="685800" y="6182981"/>
+            <a:ext cx="7772400" cy="584775"/>
+          </a:xfrm>
+          <a:prstGeom prst="rect">
+            <a:avLst/>
+          </a:prstGeom>
+          <a:noFill/>
+        </p:spPr>
+        <p:txBody>
+          <a:bodyPr wrap="square" rtlCol="0">
+            <a:spAutoFit/>
+          </a:bodyPr>
+          <a:lstStyle/>
+          <a:p>
+            <a:r>
+              <a:rPr lang="en-US" altLang="zh-TW" sz="1600" dirty="0"/>
+              <a:t>From </a:t>
+            </a:r>
+            <a:r>
+              <a:rPr lang="en-US" altLang="zh-TW" sz="1600" dirty="0" smtClean="0"/>
+              <a:t>“Generative </a:t>
+            </a:r>
+            <a:r>
+              <a:rPr lang="en-US" altLang="zh-TW" sz="1600" dirty="0"/>
+              <a:t>Adversarial </a:t>
+            </a:r>
+            <a:r>
+              <a:rPr lang="en-US" altLang="zh-TW" sz="1600" dirty="0" smtClean="0"/>
+              <a:t>Networks”</a:t>
+            </a:r>
+          </a:p>
+          <a:p>
+            <a:r>
+              <a:rPr lang="en-US" altLang="zh-TW" sz="1600" dirty="0"/>
+              <a:t>https://arxiv.org/abs/1406.2661</a:t>
+            </a:r>
+            <a:endParaRPr lang="zh-TW" altLang="en-US" sz="1600" dirty="0"/>
+          </a:p>
+        </p:txBody>
+      </p:sp>
     </p:spTree>
     <p:extLst>
       <p:ext uri="{BB962C8B-B14F-4D97-AF65-F5344CB8AC3E}">
-        <p14:creationId xmlns:p14="http://schemas.microsoft.com/office/powerpoint/2010/main" val="151502483"/>
+        <p14:creationId xmlns:p14="http://schemas.microsoft.com/office/powerpoint/2010/main" val="2739611917"/>
       </p:ext>
     </p:extLst>
   </p:cSld>
@@ -5001,7 +5079,7 @@
       </p:grpSpPr>
       <p:sp>
         <p:nvSpPr>
-          <p:cNvPr id="5" name="標題 4"/>
+          <p:cNvPr id="7" name="標題 6"/>
           <p:cNvSpPr>
             <a:spLocks noGrp="1"/>
           </p:cNvSpPr>
@@ -5015,29 +5093,41 @@
           <a:lstStyle/>
           <a:p>
             <a:r>
-              <a:rPr lang="en-US" altLang="zh-TW" dirty="0"/>
-              <a:t>Algorithm</a:t>
-            </a:r>
-            <a:endParaRPr lang="zh-TW" altLang="en-US" dirty="0"/>
-          </a:p>
-        </p:txBody>
-      </p:sp>
-      <p:sp>
-        <p:nvSpPr>
-          <p:cNvPr id="6" name="內容版面配置區 5"/>
+              <a:rPr lang="en-US" altLang="zh-TW" sz="6600" cap="none" dirty="0" smtClean="0"/>
+              <a:t>Wasserstein GAN </a:t>
+            </a:r>
+            <a:br>
+              <a:rPr lang="en-US" altLang="zh-TW" sz="6600" cap="none" dirty="0" smtClean="0"/>
+            </a:br>
+            <a:r>
+              <a:rPr lang="en-US" altLang="zh-TW" sz="6600" cap="none" dirty="0" smtClean="0"/>
+              <a:t>(WGAN)</a:t>
+            </a:r>
+            <a:endParaRPr lang="en-US" altLang="zh-TW" sz="6600" cap="none" dirty="0"/>
+          </a:p>
+        </p:txBody>
+      </p:sp>
+      <p:sp>
+        <p:nvSpPr>
+          <p:cNvPr id="8" name="文字版面配置區 7"/>
           <p:cNvSpPr>
             <a:spLocks noGrp="1"/>
           </p:cNvSpPr>
           <p:nvPr>
-            <p:ph idx="1"/>
+            <p:ph type="body" idx="1"/>
           </p:nvPr>
         </p:nvSpPr>
         <p:spPr/>
         <p:txBody>
-          <a:bodyPr/>
+          <a:bodyPr>
+            <a:normAutofit/>
+          </a:bodyPr>
           <a:lstStyle/>
           <a:p>
-            <a:endParaRPr lang="zh-TW" altLang="en-US"/>
+            <a:r>
+              <a:rPr lang="en-US" altLang="zh-TW" sz="3200" dirty="0" smtClean="0"/>
+              <a:t>Deep Learning</a:t>
+            </a:r>
           </a:p>
         </p:txBody>
       </p:sp>
@@ -5058,89 +5148,16 @@
           <a:p>
             <a:fld id="{4FAB73BC-B049-4115-A692-8D63A059BFB8}" type="slidenum">
               <a:rPr lang="en-US" smtClean="0"/>
-              <a:pPr/>
               <a:t>12</a:t>
             </a:fld>
             <a:endParaRPr lang="en-US" dirty="0"/>
           </a:p>
         </p:txBody>
       </p:sp>
-      <p:pic>
-        <p:nvPicPr>
-          <p:cNvPr id="2" name="圖片 1"/>
-          <p:cNvPicPr>
-            <a:picLocks noChangeAspect="1"/>
-          </p:cNvPicPr>
-          <p:nvPr/>
-        </p:nvPicPr>
-        <p:blipFill>
-          <a:blip r:embed="rId2"/>
-          <a:stretch>
-            <a:fillRect/>
-          </a:stretch>
-        </p:blipFill>
-        <p:spPr>
-          <a:xfrm>
-            <a:off x="1125651" y="1773652"/>
-            <a:ext cx="6892698" cy="4499133"/>
-          </a:xfrm>
-          <a:prstGeom prst="rect">
-            <a:avLst/>
-          </a:prstGeom>
-        </p:spPr>
-      </p:pic>
-      <p:sp>
-        <p:nvSpPr>
-          <p:cNvPr id="3" name="文字方塊 2"/>
-          <p:cNvSpPr txBox="1"/>
-          <p:nvPr/>
-        </p:nvSpPr>
-        <p:spPr>
-          <a:xfrm>
-            <a:off x="685800" y="6240129"/>
-            <a:ext cx="7772400" cy="646331"/>
-          </a:xfrm>
-          <a:prstGeom prst="rect">
-            <a:avLst/>
-          </a:prstGeom>
-          <a:noFill/>
-        </p:spPr>
-        <p:txBody>
-          <a:bodyPr wrap="square" rtlCol="0">
-            <a:spAutoFit/>
-          </a:bodyPr>
-          <a:lstStyle/>
-          <a:p>
-            <a:r>
-              <a:rPr lang="en-US" altLang="zh-TW" dirty="0"/>
-              <a:t>From </a:t>
-            </a:r>
-            <a:r>
-              <a:rPr lang="en-US" altLang="zh-TW" dirty="0" smtClean="0"/>
-              <a:t>“Generative </a:t>
-            </a:r>
-            <a:r>
-              <a:rPr lang="en-US" altLang="zh-TW" dirty="0"/>
-              <a:t>Adversarial </a:t>
-            </a:r>
-            <a:r>
-              <a:rPr lang="en-US" altLang="zh-TW" dirty="0" smtClean="0"/>
-              <a:t>Networks”</a:t>
-            </a:r>
-          </a:p>
-          <a:p>
-            <a:r>
-              <a:rPr lang="en-US" altLang="zh-TW" dirty="0"/>
-              <a:t>https://arxiv.org/abs/1406.2661</a:t>
-            </a:r>
-            <a:endParaRPr lang="zh-TW" altLang="en-US" dirty="0"/>
-          </a:p>
-        </p:txBody>
-      </p:sp>
     </p:spTree>
     <p:extLst>
       <p:ext uri="{BB962C8B-B14F-4D97-AF65-F5344CB8AC3E}">
-        <p14:creationId xmlns:p14="http://schemas.microsoft.com/office/powerpoint/2010/main" val="2739611917"/>
+        <p14:creationId xmlns:p14="http://schemas.microsoft.com/office/powerpoint/2010/main" val="381973649"/>
       </p:ext>
     </p:extLst>
   </p:cSld>
@@ -5169,7 +5186,7 @@
       </p:grpSpPr>
       <p:sp>
         <p:nvSpPr>
-          <p:cNvPr id="7" name="標題 6"/>
+          <p:cNvPr id="5" name="標題 4"/>
           <p:cNvSpPr>
             <a:spLocks noGrp="1"/>
           </p:cNvSpPr>
@@ -5183,41 +5200,29 @@
           <a:lstStyle/>
           <a:p>
             <a:r>
-              <a:rPr lang="en-US" altLang="zh-TW" sz="6600" cap="none" dirty="0" smtClean="0"/>
-              <a:t>Wasserstein GAN </a:t>
-            </a:r>
-            <a:br>
-              <a:rPr lang="en-US" altLang="zh-TW" sz="6600" cap="none" dirty="0" smtClean="0"/>
-            </a:br>
-            <a:r>
-              <a:rPr lang="en-US" altLang="zh-TW" sz="6600" cap="none" dirty="0" smtClean="0"/>
-              <a:t>(WGAN)</a:t>
-            </a:r>
-            <a:endParaRPr lang="en-US" altLang="zh-TW" sz="6600" cap="none" dirty="0"/>
-          </a:p>
-        </p:txBody>
-      </p:sp>
-      <p:sp>
-        <p:nvSpPr>
-          <p:cNvPr id="8" name="文字版面配置區 7"/>
+              <a:rPr lang="en-US" altLang="zh-TW" dirty="0"/>
+              <a:t>Algorithm</a:t>
+            </a:r>
+            <a:endParaRPr lang="zh-TW" altLang="en-US" dirty="0"/>
+          </a:p>
+        </p:txBody>
+      </p:sp>
+      <p:sp>
+        <p:nvSpPr>
+          <p:cNvPr id="6" name="內容版面配置區 5"/>
           <p:cNvSpPr>
             <a:spLocks noGrp="1"/>
           </p:cNvSpPr>
           <p:nvPr>
-            <p:ph type="body" idx="1"/>
+            <p:ph idx="1"/>
           </p:nvPr>
         </p:nvSpPr>
         <p:spPr/>
         <p:txBody>
-          <a:bodyPr>
-            <a:normAutofit/>
-          </a:bodyPr>
+          <a:bodyPr/>
           <a:lstStyle/>
           <a:p>
-            <a:r>
-              <a:rPr lang="en-US" altLang="zh-TW" sz="3200" dirty="0" smtClean="0"/>
-              <a:t>Deep Learning</a:t>
-            </a:r>
+            <a:endParaRPr lang="zh-TW" altLang="en-US"/>
           </a:p>
         </p:txBody>
       </p:sp>
@@ -5238,16 +5243,77 @@
           <a:p>
             <a:fld id="{4FAB73BC-B049-4115-A692-8D63A059BFB8}" type="slidenum">
               <a:rPr lang="en-US" smtClean="0"/>
+              <a:pPr/>
               <a:t>13</a:t>
             </a:fld>
             <a:endParaRPr lang="en-US" dirty="0"/>
           </a:p>
         </p:txBody>
       </p:sp>
+      <p:sp>
+        <p:nvSpPr>
+          <p:cNvPr id="9" name="文字方塊 8"/>
+          <p:cNvSpPr txBox="1"/>
+          <p:nvPr/>
+        </p:nvSpPr>
+        <p:spPr>
+          <a:xfrm>
+            <a:off x="685800" y="6182981"/>
+            <a:ext cx="7772400" cy="584775"/>
+          </a:xfrm>
+          <a:prstGeom prst="rect">
+            <a:avLst/>
+          </a:prstGeom>
+          <a:noFill/>
+        </p:spPr>
+        <p:txBody>
+          <a:bodyPr wrap="square" rtlCol="0">
+            <a:spAutoFit/>
+          </a:bodyPr>
+          <a:lstStyle/>
+          <a:p>
+            <a:r>
+              <a:rPr lang="en-US" altLang="zh-TW" sz="1600" dirty="0"/>
+              <a:t>From “Wasserstein GAN”</a:t>
+            </a:r>
+          </a:p>
+          <a:p>
+            <a:r>
+              <a:rPr lang="en-US" altLang="zh-TW" sz="1600" dirty="0"/>
+              <a:t>https://arxiv.org/abs/1701.07875</a:t>
+            </a:r>
+            <a:endParaRPr lang="zh-TW" altLang="en-US" sz="1600" dirty="0"/>
+          </a:p>
+        </p:txBody>
+      </p:sp>
+      <p:pic>
+        <p:nvPicPr>
+          <p:cNvPr id="2" name="圖片 1"/>
+          <p:cNvPicPr>
+            <a:picLocks noChangeAspect="1"/>
+          </p:cNvPicPr>
+          <p:nvPr/>
+        </p:nvPicPr>
+        <p:blipFill>
+          <a:blip r:embed="rId2"/>
+          <a:stretch>
+            <a:fillRect/>
+          </a:stretch>
+        </p:blipFill>
+        <p:spPr>
+          <a:xfrm>
+            <a:off x="685800" y="2121407"/>
+            <a:ext cx="7767637" cy="4050793"/>
+          </a:xfrm>
+          <a:prstGeom prst="rect">
+            <a:avLst/>
+          </a:prstGeom>
+        </p:spPr>
+      </p:pic>
     </p:spTree>
     <p:extLst>
       <p:ext uri="{BB962C8B-B14F-4D97-AF65-F5344CB8AC3E}">
-        <p14:creationId xmlns:p14="http://schemas.microsoft.com/office/powerpoint/2010/main" val="381973649"/>
+        <p14:creationId xmlns:p14="http://schemas.microsoft.com/office/powerpoint/2010/main" val="3757028252"/>
       </p:ext>
     </p:extLst>
   </p:cSld>
@@ -5276,7 +5342,7 @@
       </p:grpSpPr>
       <p:sp>
         <p:nvSpPr>
-          <p:cNvPr id="5" name="標題 4"/>
+          <p:cNvPr id="7" name="標題 6"/>
           <p:cNvSpPr>
             <a:spLocks noGrp="1"/>
           </p:cNvSpPr>
@@ -5290,29 +5356,41 @@
           <a:lstStyle/>
           <a:p>
             <a:r>
-              <a:rPr lang="en-US" altLang="zh-TW" dirty="0"/>
-              <a:t>Algorithm</a:t>
-            </a:r>
-            <a:endParaRPr lang="zh-TW" altLang="en-US" dirty="0"/>
-          </a:p>
-        </p:txBody>
-      </p:sp>
-      <p:sp>
-        <p:nvSpPr>
-          <p:cNvPr id="6" name="內容版面配置區 5"/>
+              <a:rPr lang="en-US" altLang="zh-TW" sz="6600" cap="none" dirty="0" smtClean="0"/>
+              <a:t>Improved Wasserstein GAN</a:t>
+            </a:r>
+            <a:br>
+              <a:rPr lang="en-US" altLang="zh-TW" sz="6600" cap="none" dirty="0" smtClean="0"/>
+            </a:br>
+            <a:r>
+              <a:rPr lang="en-US" altLang="zh-TW" sz="6600" cap="none" dirty="0" smtClean="0"/>
+              <a:t>(WGAN-GP)</a:t>
+            </a:r>
+            <a:endParaRPr lang="en-US" altLang="zh-TW" sz="6600" cap="none" dirty="0"/>
+          </a:p>
+        </p:txBody>
+      </p:sp>
+      <p:sp>
+        <p:nvSpPr>
+          <p:cNvPr id="8" name="文字版面配置區 7"/>
           <p:cNvSpPr>
             <a:spLocks noGrp="1"/>
           </p:cNvSpPr>
           <p:nvPr>
-            <p:ph idx="1"/>
+            <p:ph type="body" idx="1"/>
           </p:nvPr>
         </p:nvSpPr>
         <p:spPr/>
         <p:txBody>
-          <a:bodyPr/>
+          <a:bodyPr>
+            <a:normAutofit/>
+          </a:bodyPr>
           <a:lstStyle/>
           <a:p>
-            <a:endParaRPr lang="zh-TW" altLang="en-US"/>
+            <a:r>
+              <a:rPr lang="en-US" altLang="zh-TW" sz="3200" dirty="0" smtClean="0"/>
+              <a:t>Deep Learning</a:t>
+            </a:r>
           </a:p>
         </p:txBody>
       </p:sp>
@@ -5333,77 +5411,16 @@
           <a:p>
             <a:fld id="{4FAB73BC-B049-4115-A692-8D63A059BFB8}" type="slidenum">
               <a:rPr lang="en-US" smtClean="0"/>
-              <a:pPr/>
               <a:t>14</a:t>
             </a:fld>
             <a:endParaRPr lang="en-US" dirty="0"/>
           </a:p>
         </p:txBody>
       </p:sp>
-      <p:sp>
-        <p:nvSpPr>
-          <p:cNvPr id="9" name="文字方塊 8"/>
-          <p:cNvSpPr txBox="1"/>
-          <p:nvPr/>
-        </p:nvSpPr>
-        <p:spPr>
-          <a:xfrm>
-            <a:off x="685800" y="6240129"/>
-            <a:ext cx="7772400" cy="646331"/>
-          </a:xfrm>
-          <a:prstGeom prst="rect">
-            <a:avLst/>
-          </a:prstGeom>
-          <a:noFill/>
-        </p:spPr>
-        <p:txBody>
-          <a:bodyPr wrap="square" rtlCol="0">
-            <a:spAutoFit/>
-          </a:bodyPr>
-          <a:lstStyle/>
-          <a:p>
-            <a:r>
-              <a:rPr lang="en-US" altLang="zh-TW" dirty="0"/>
-              <a:t>From “Wasserstein GAN”</a:t>
-            </a:r>
-          </a:p>
-          <a:p>
-            <a:r>
-              <a:rPr lang="en-US" altLang="zh-TW" dirty="0"/>
-              <a:t>https://arxiv.org/abs/1701.07875</a:t>
-            </a:r>
-            <a:endParaRPr lang="zh-TW" altLang="en-US" dirty="0"/>
-          </a:p>
-        </p:txBody>
-      </p:sp>
-      <p:pic>
-        <p:nvPicPr>
-          <p:cNvPr id="2" name="圖片 1"/>
-          <p:cNvPicPr>
-            <a:picLocks noChangeAspect="1"/>
-          </p:cNvPicPr>
-          <p:nvPr/>
-        </p:nvPicPr>
-        <p:blipFill>
-          <a:blip r:embed="rId2"/>
-          <a:stretch>
-            <a:fillRect/>
-          </a:stretch>
-        </p:blipFill>
-        <p:spPr>
-          <a:xfrm>
-            <a:off x="685800" y="1768995"/>
-            <a:ext cx="7767637" cy="4503790"/>
-          </a:xfrm>
-          <a:prstGeom prst="rect">
-            <a:avLst/>
-          </a:prstGeom>
-        </p:spPr>
-      </p:pic>
     </p:spTree>
     <p:extLst>
       <p:ext uri="{BB962C8B-B14F-4D97-AF65-F5344CB8AC3E}">
-        <p14:creationId xmlns:p14="http://schemas.microsoft.com/office/powerpoint/2010/main" val="3757028252"/>
+        <p14:creationId xmlns:p14="http://schemas.microsoft.com/office/powerpoint/2010/main" val="2646120703"/>
       </p:ext>
     </p:extLst>
   </p:cSld>
@@ -5432,7 +5449,7 @@
       </p:grpSpPr>
       <p:sp>
         <p:nvSpPr>
-          <p:cNvPr id="7" name="標題 6"/>
+          <p:cNvPr id="5" name="標題 4"/>
           <p:cNvSpPr>
             <a:spLocks noGrp="1"/>
           </p:cNvSpPr>
@@ -5446,41 +5463,29 @@
           <a:lstStyle/>
           <a:p>
             <a:r>
-              <a:rPr lang="en-US" altLang="zh-TW" sz="6600" cap="none" dirty="0" smtClean="0"/>
-              <a:t>Improved Wasserstein GAN</a:t>
-            </a:r>
-            <a:br>
-              <a:rPr lang="en-US" altLang="zh-TW" sz="6600" cap="none" dirty="0" smtClean="0"/>
-            </a:br>
-            <a:r>
-              <a:rPr lang="en-US" altLang="zh-TW" sz="6600" cap="none" dirty="0" smtClean="0"/>
-              <a:t>(WGAN-GP)</a:t>
-            </a:r>
-            <a:endParaRPr lang="en-US" altLang="zh-TW" sz="6600" cap="none" dirty="0"/>
-          </a:p>
-        </p:txBody>
-      </p:sp>
-      <p:sp>
-        <p:nvSpPr>
-          <p:cNvPr id="8" name="文字版面配置區 7"/>
+              <a:rPr lang="en-US" altLang="zh-TW" dirty="0"/>
+              <a:t>Algorithm</a:t>
+            </a:r>
+            <a:endParaRPr lang="zh-TW" altLang="en-US" dirty="0"/>
+          </a:p>
+        </p:txBody>
+      </p:sp>
+      <p:sp>
+        <p:nvSpPr>
+          <p:cNvPr id="6" name="內容版面配置區 5"/>
           <p:cNvSpPr>
             <a:spLocks noGrp="1"/>
           </p:cNvSpPr>
           <p:nvPr>
-            <p:ph type="body" idx="1"/>
+            <p:ph idx="1"/>
           </p:nvPr>
         </p:nvSpPr>
         <p:spPr/>
         <p:txBody>
-          <a:bodyPr>
-            <a:normAutofit/>
-          </a:bodyPr>
+          <a:bodyPr/>
           <a:lstStyle/>
           <a:p>
-            <a:r>
-              <a:rPr lang="en-US" altLang="zh-TW" sz="3200" dirty="0" smtClean="0"/>
-              <a:t>Deep Learning</a:t>
-            </a:r>
+            <a:endParaRPr lang="zh-TW" altLang="en-US"/>
           </a:p>
         </p:txBody>
       </p:sp>
@@ -5501,16 +5506,77 @@
           <a:p>
             <a:fld id="{4FAB73BC-B049-4115-A692-8D63A059BFB8}" type="slidenum">
               <a:rPr lang="en-US" smtClean="0"/>
+              <a:pPr/>
               <a:t>15</a:t>
             </a:fld>
             <a:endParaRPr lang="en-US" dirty="0"/>
           </a:p>
         </p:txBody>
       </p:sp>
+      <p:sp>
+        <p:nvSpPr>
+          <p:cNvPr id="7" name="文字方塊 6"/>
+          <p:cNvSpPr txBox="1"/>
+          <p:nvPr/>
+        </p:nvSpPr>
+        <p:spPr>
+          <a:xfrm>
+            <a:off x="685800" y="6182981"/>
+            <a:ext cx="7772400" cy="584775"/>
+          </a:xfrm>
+          <a:prstGeom prst="rect">
+            <a:avLst/>
+          </a:prstGeom>
+          <a:noFill/>
+        </p:spPr>
+        <p:txBody>
+          <a:bodyPr wrap="square" rtlCol="0">
+            <a:spAutoFit/>
+          </a:bodyPr>
+          <a:lstStyle/>
+          <a:p>
+            <a:r>
+              <a:rPr lang="en-US" altLang="zh-TW" sz="1600" dirty="0"/>
+              <a:t>From “Improved Training of Wasserstein GANs”</a:t>
+            </a:r>
+          </a:p>
+          <a:p>
+            <a:r>
+              <a:rPr lang="en-US" altLang="zh-TW" sz="1600" dirty="0"/>
+              <a:t>https://arxiv.org/abs/1704.00028</a:t>
+            </a:r>
+            <a:endParaRPr lang="zh-TW" altLang="en-US" sz="1600" dirty="0"/>
+          </a:p>
+        </p:txBody>
+      </p:sp>
+      <p:pic>
+        <p:nvPicPr>
+          <p:cNvPr id="3" name="圖片 2"/>
+          <p:cNvPicPr>
+            <a:picLocks noChangeAspect="1"/>
+          </p:cNvPicPr>
+          <p:nvPr/>
+        </p:nvPicPr>
+        <p:blipFill>
+          <a:blip r:embed="rId2"/>
+          <a:stretch>
+            <a:fillRect/>
+          </a:stretch>
+        </p:blipFill>
+        <p:spPr>
+          <a:xfrm>
+            <a:off x="689273" y="2121408"/>
+            <a:ext cx="7768927" cy="4044505"/>
+          </a:xfrm>
+          <a:prstGeom prst="rect">
+            <a:avLst/>
+          </a:prstGeom>
+        </p:spPr>
+      </p:pic>
     </p:spTree>
     <p:extLst>
       <p:ext uri="{BB962C8B-B14F-4D97-AF65-F5344CB8AC3E}">
-        <p14:creationId xmlns:p14="http://schemas.microsoft.com/office/powerpoint/2010/main" val="2646120703"/>
+        <p14:creationId xmlns:p14="http://schemas.microsoft.com/office/powerpoint/2010/main" val="2113510665"/>
       </p:ext>
     </p:extLst>
   </p:cSld>
@@ -5539,7 +5605,7 @@
       </p:grpSpPr>
       <p:sp>
         <p:nvSpPr>
-          <p:cNvPr id="5" name="標題 4"/>
+          <p:cNvPr id="7" name="標題 6"/>
           <p:cNvSpPr>
             <a:spLocks noGrp="1"/>
           </p:cNvSpPr>
@@ -5553,29 +5619,46 @@
           <a:lstStyle/>
           <a:p>
             <a:r>
-              <a:rPr lang="en-US" altLang="zh-TW" dirty="0"/>
-              <a:t>Algorithm</a:t>
-            </a:r>
-            <a:endParaRPr lang="zh-TW" altLang="en-US" dirty="0"/>
-          </a:p>
-        </p:txBody>
-      </p:sp>
-      <p:sp>
-        <p:nvSpPr>
-          <p:cNvPr id="6" name="內容版面配置區 5"/>
+              <a:rPr lang="en-US" altLang="zh-TW" sz="6600" cap="none" dirty="0"/>
+              <a:t>Requirement</a:t>
+            </a:r>
+          </a:p>
+        </p:txBody>
+      </p:sp>
+      <p:sp>
+        <p:nvSpPr>
+          <p:cNvPr id="8" name="文字版面配置區 7"/>
           <p:cNvSpPr>
             <a:spLocks noGrp="1"/>
           </p:cNvSpPr>
           <p:nvPr>
-            <p:ph idx="1"/>
+            <p:ph type="body" idx="1"/>
           </p:nvPr>
         </p:nvSpPr>
         <p:spPr/>
         <p:txBody>
-          <a:bodyPr/>
+          <a:bodyPr>
+            <a:normAutofit/>
+          </a:bodyPr>
           <a:lstStyle/>
           <a:p>
-            <a:endParaRPr lang="zh-TW" altLang="en-US"/>
+            <a:r>
+              <a:rPr lang="en-US" altLang="zh-TW" sz="3200" dirty="0"/>
+              <a:t>Using GAN </a:t>
+            </a:r>
+            <a:r>
+              <a:rPr lang="en-US" altLang="zh-TW" sz="3200" dirty="0" smtClean="0"/>
+              <a:t>To </a:t>
+            </a:r>
+            <a:r>
+              <a:rPr lang="en-US" altLang="zh-TW" sz="3200" dirty="0"/>
+              <a:t>Implement </a:t>
+            </a:r>
+            <a:r>
+              <a:rPr lang="en-US" altLang="zh-TW" sz="3200" dirty="0" smtClean="0"/>
+              <a:t>DGA</a:t>
+            </a:r>
+            <a:endParaRPr lang="zh-TW" altLang="en-US" sz="3200" dirty="0"/>
           </a:p>
         </p:txBody>
       </p:sp>
@@ -5596,77 +5679,16 @@
           <a:p>
             <a:fld id="{4FAB73BC-B049-4115-A692-8D63A059BFB8}" type="slidenum">
               <a:rPr lang="en-US" smtClean="0"/>
-              <a:pPr/>
               <a:t>16</a:t>
             </a:fld>
             <a:endParaRPr lang="en-US" dirty="0"/>
           </a:p>
         </p:txBody>
       </p:sp>
-      <p:sp>
-        <p:nvSpPr>
-          <p:cNvPr id="7" name="文字方塊 6"/>
-          <p:cNvSpPr txBox="1"/>
-          <p:nvPr/>
-        </p:nvSpPr>
-        <p:spPr>
-          <a:xfrm>
-            <a:off x="685800" y="6240129"/>
-            <a:ext cx="7772400" cy="646331"/>
-          </a:xfrm>
-          <a:prstGeom prst="rect">
-            <a:avLst/>
-          </a:prstGeom>
-          <a:noFill/>
-        </p:spPr>
-        <p:txBody>
-          <a:bodyPr wrap="square" rtlCol="0">
-            <a:spAutoFit/>
-          </a:bodyPr>
-          <a:lstStyle/>
-          <a:p>
-            <a:r>
-              <a:rPr lang="en-US" altLang="zh-TW" dirty="0"/>
-              <a:t>From “Improved Training of Wasserstein GANs”</a:t>
-            </a:r>
-          </a:p>
-          <a:p>
-            <a:r>
-              <a:rPr lang="en-US" altLang="zh-TW" dirty="0"/>
-              <a:t>https://arxiv.org/abs/1704.00028</a:t>
-            </a:r>
-            <a:endParaRPr lang="zh-TW" altLang="en-US" dirty="0"/>
-          </a:p>
-        </p:txBody>
-      </p:sp>
-      <p:pic>
-        <p:nvPicPr>
-          <p:cNvPr id="3" name="圖片 2"/>
-          <p:cNvPicPr>
-            <a:picLocks noChangeAspect="1"/>
-          </p:cNvPicPr>
-          <p:nvPr/>
-        </p:nvPicPr>
-        <p:blipFill>
-          <a:blip r:embed="rId2"/>
-          <a:stretch>
-            <a:fillRect/>
-          </a:stretch>
-        </p:blipFill>
-        <p:spPr>
-          <a:xfrm>
-            <a:off x="689273" y="2093976"/>
-            <a:ext cx="7768927" cy="4071937"/>
-          </a:xfrm>
-          <a:prstGeom prst="rect">
-            <a:avLst/>
-          </a:prstGeom>
-        </p:spPr>
-      </p:pic>
     </p:spTree>
     <p:extLst>
       <p:ext uri="{BB962C8B-B14F-4D97-AF65-F5344CB8AC3E}">
-        <p14:creationId xmlns:p14="http://schemas.microsoft.com/office/powerpoint/2010/main" val="2113510665"/>
+        <p14:creationId xmlns:p14="http://schemas.microsoft.com/office/powerpoint/2010/main" val="3883168467"/>
       </p:ext>
     </p:extLst>
   </p:cSld>
@@ -5695,7 +5717,7 @@
       </p:grpSpPr>
       <p:sp>
         <p:nvSpPr>
-          <p:cNvPr id="7" name="標題 6"/>
+          <p:cNvPr id="2" name="標題 1"/>
           <p:cNvSpPr>
             <a:spLocks noGrp="1"/>
           </p:cNvSpPr>
@@ -5709,45 +5731,41 @@
           <a:lstStyle/>
           <a:p>
             <a:r>
-              <a:rPr lang="en-US" altLang="zh-TW" sz="6600" cap="none" dirty="0" smtClean="0"/>
-              <a:t>Using GAN </a:t>
-            </a:r>
-            <a:br>
-              <a:rPr lang="en-US" altLang="zh-TW" sz="6600" cap="none" dirty="0" smtClean="0"/>
-            </a:br>
-            <a:r>
-              <a:rPr lang="en-US" altLang="zh-TW" sz="6600" cap="none" dirty="0" smtClean="0"/>
-              <a:t>To Implement </a:t>
-            </a:r>
-            <a:br>
-              <a:rPr lang="en-US" altLang="zh-TW" sz="6600" cap="none" dirty="0" smtClean="0"/>
-            </a:br>
-            <a:r>
-              <a:rPr lang="en-US" altLang="zh-TW" sz="6600" cap="none" dirty="0" smtClean="0"/>
-              <a:t>DGA</a:t>
-            </a:r>
-            <a:endParaRPr lang="zh-TW" altLang="en-US" cap="none" dirty="0"/>
-          </a:p>
-        </p:txBody>
-      </p:sp>
-      <p:sp>
-        <p:nvSpPr>
-          <p:cNvPr id="8" name="文字版面配置區 7"/>
+              <a:rPr lang="en-US" altLang="zh-TW" dirty="0"/>
+              <a:t>Requirement</a:t>
+            </a:r>
+            <a:endParaRPr lang="zh-TW" altLang="en-US" dirty="0"/>
+          </a:p>
+        </p:txBody>
+      </p:sp>
+      <p:sp>
+        <p:nvSpPr>
+          <p:cNvPr id="3" name="內容版面配置區 2"/>
           <p:cNvSpPr>
             <a:spLocks noGrp="1"/>
           </p:cNvSpPr>
           <p:nvPr>
-            <p:ph type="body" idx="1"/>
+            <p:ph idx="1"/>
           </p:nvPr>
         </p:nvSpPr>
         <p:spPr/>
         <p:txBody>
-          <a:bodyPr>
-            <a:normAutofit/>
-          </a:bodyPr>
+          <a:bodyPr/>
           <a:lstStyle/>
           <a:p>
-            <a:endParaRPr lang="zh-TW" altLang="en-US" sz="3200" dirty="0"/>
+            <a:r>
+              <a:rPr lang="en-US" altLang="zh-TW" dirty="0" smtClean="0"/>
+              <a:t>Q: Where is my training data?</a:t>
+            </a:r>
+          </a:p>
+          <a:p>
+            <a:endParaRPr lang="en-US" altLang="zh-TW" dirty="0"/>
+          </a:p>
+          <a:p>
+            <a:r>
+              <a:rPr lang="en-US" altLang="zh-TW" dirty="0" smtClean="0"/>
+              <a:t>A: From Alexa Top 1-million sites.</a:t>
+            </a:r>
           </a:p>
         </p:txBody>
       </p:sp>
@@ -5768,16 +5786,41 @@
           <a:p>
             <a:fld id="{4FAB73BC-B049-4115-A692-8D63A059BFB8}" type="slidenum">
               <a:rPr lang="en-US" smtClean="0"/>
+              <a:pPr/>
               <a:t>17</a:t>
             </a:fld>
             <a:endParaRPr lang="en-US" dirty="0"/>
           </a:p>
         </p:txBody>
       </p:sp>
+      <p:pic>
+        <p:nvPicPr>
+          <p:cNvPr id="6" name="圖片 5"/>
+          <p:cNvPicPr>
+            <a:picLocks noChangeAspect="1"/>
+          </p:cNvPicPr>
+          <p:nvPr/>
+        </p:nvPicPr>
+        <p:blipFill>
+          <a:blip r:embed="rId2"/>
+          <a:stretch>
+            <a:fillRect/>
+          </a:stretch>
+        </p:blipFill>
+        <p:spPr>
+          <a:xfrm>
+            <a:off x="6408964" y="171450"/>
+            <a:ext cx="2049236" cy="6572250"/>
+          </a:xfrm>
+          <a:prstGeom prst="rect">
+            <a:avLst/>
+          </a:prstGeom>
+        </p:spPr>
+      </p:pic>
     </p:spTree>
     <p:extLst>
       <p:ext uri="{BB962C8B-B14F-4D97-AF65-F5344CB8AC3E}">
-        <p14:creationId xmlns:p14="http://schemas.microsoft.com/office/powerpoint/2010/main" val="3883168467"/>
+        <p14:creationId xmlns:p14="http://schemas.microsoft.com/office/powerpoint/2010/main" val="1810861617"/>
       </p:ext>
     </p:extLst>
   </p:cSld>
@@ -5806,7 +5849,7 @@
       </p:grpSpPr>
       <p:sp>
         <p:nvSpPr>
-          <p:cNvPr id="5" name="標題 4"/>
+          <p:cNvPr id="2" name="標題 1"/>
           <p:cNvSpPr>
             <a:spLocks noGrp="1"/>
           </p:cNvSpPr>
@@ -5820,8 +5863,8 @@
           <a:lstStyle/>
           <a:p>
             <a:r>
-              <a:rPr lang="en-US" altLang="zh-TW" dirty="0" smtClean="0"/>
-              <a:t>Algorithm</a:t>
+              <a:rPr lang="en-US" altLang="zh-TW" dirty="0"/>
+              <a:t>Requirement</a:t>
             </a:r>
             <a:endParaRPr lang="zh-TW" altLang="en-US" dirty="0"/>
           </a:p>
@@ -5829,7 +5872,7 @@
       </p:sp>
       <p:sp>
         <p:nvSpPr>
-          <p:cNvPr id="6" name="內容版面配置區 5"/>
+          <p:cNvPr id="3" name="內容版面配置區 2"/>
           <p:cNvSpPr>
             <a:spLocks noGrp="1"/>
           </p:cNvSpPr>
@@ -5842,7 +5885,41 @@
           <a:bodyPr/>
           <a:lstStyle/>
           <a:p>
-            <a:endParaRPr lang="zh-TW" altLang="en-US"/>
+            <a:r>
+              <a:rPr lang="en-US" altLang="zh-TW" dirty="0" smtClean="0"/>
+              <a:t>Q: How to use this data?</a:t>
+            </a:r>
+            <a:endParaRPr lang="en-US" altLang="zh-TW" dirty="0"/>
+          </a:p>
+          <a:p>
+            <a:r>
+              <a:rPr lang="en-US" altLang="zh-TW" dirty="0" smtClean="0"/>
+              <a:t>A</a:t>
+            </a:r>
+            <a:r>
+              <a:rPr lang="en-US" altLang="zh-TW" dirty="0"/>
+              <a:t>: </a:t>
+            </a:r>
+            <a:r>
+              <a:rPr lang="en-US" altLang="zh-TW" dirty="0" smtClean="0"/>
+              <a:t>I </a:t>
+            </a:r>
+            <a:r>
+              <a:rPr lang="en-US" altLang="zh-TW" dirty="0"/>
+              <a:t>deal </a:t>
+            </a:r>
+            <a:r>
+              <a:rPr lang="en-US" altLang="zh-TW" dirty="0" smtClean="0"/>
+              <a:t>these </a:t>
+            </a:r>
+            <a:r>
+              <a:rPr lang="en-US" altLang="zh-TW" dirty="0"/>
+              <a:t>domain names </a:t>
+            </a:r>
+            <a:r>
+              <a:rPr lang="en-US" altLang="zh-TW" dirty="0" smtClean="0"/>
+              <a:t>as 38x80 pictures.</a:t>
+            </a:r>
           </a:p>
         </p:txBody>
       </p:sp>
@@ -5867,6 +5944,1151 @@
               <a:t>18</a:t>
             </a:fld>
             <a:endParaRPr lang="en-US" dirty="0"/>
+          </a:p>
+        </p:txBody>
+      </p:sp>
+      <p:pic>
+        <p:nvPicPr>
+          <p:cNvPr id="5" name="圖片 4"/>
+          <p:cNvPicPr>
+            <a:picLocks noChangeAspect="1"/>
+          </p:cNvPicPr>
+          <p:nvPr/>
+        </p:nvPicPr>
+        <p:blipFill>
+          <a:blip r:embed="rId2"/>
+          <a:stretch>
+            <a:fillRect/>
+          </a:stretch>
+        </p:blipFill>
+        <p:spPr>
+          <a:xfrm>
+            <a:off x="927497" y="2927144"/>
+            <a:ext cx="7289005" cy="3710766"/>
+          </a:xfrm>
+          <a:prstGeom prst="rect">
+            <a:avLst/>
+          </a:prstGeom>
+        </p:spPr>
+      </p:pic>
+    </p:spTree>
+    <p:extLst>
+      <p:ext uri="{BB962C8B-B14F-4D97-AF65-F5344CB8AC3E}">
+        <p14:creationId xmlns:p14="http://schemas.microsoft.com/office/powerpoint/2010/main" val="4116307131"/>
+      </p:ext>
+    </p:extLst>
+  </p:cSld>
+  <p:clrMapOvr>
+    <a:masterClrMapping/>
+  </p:clrMapOvr>
+</p:sld>
+</file>
+
+<file path=ppt/slides/slide19.xml><?xml version="1.0" encoding="utf-8"?>
+<p:sld xmlns:a="http://schemas.openxmlformats.org/drawingml/2006/main" xmlns:r="http://schemas.openxmlformats.org/officeDocument/2006/relationships" xmlns:p="http://schemas.openxmlformats.org/presentationml/2006/main">
+  <p:cSld>
+    <p:spTree>
+      <p:nvGrpSpPr>
+        <p:cNvPr id="1" name=""/>
+        <p:cNvGrpSpPr/>
+        <p:nvPr/>
+      </p:nvGrpSpPr>
+      <p:grpSpPr>
+        <a:xfrm>
+          <a:off x="0" y="0"/>
+          <a:ext cx="0" cy="0"/>
+          <a:chOff x="0" y="0"/>
+          <a:chExt cx="0" cy="0"/>
+        </a:xfrm>
+      </p:grpSpPr>
+      <p:sp>
+        <p:nvSpPr>
+          <p:cNvPr id="2" name="標題 1"/>
+          <p:cNvSpPr>
+            <a:spLocks noGrp="1"/>
+          </p:cNvSpPr>
+          <p:nvPr>
+            <p:ph type="title"/>
+          </p:nvPr>
+        </p:nvSpPr>
+        <p:spPr/>
+        <p:txBody>
+          <a:bodyPr/>
+          <a:lstStyle/>
+          <a:p>
+            <a:r>
+              <a:rPr lang="en-US" altLang="zh-TW" dirty="0"/>
+              <a:t>Requirement</a:t>
+            </a:r>
+            <a:endParaRPr lang="zh-TW" altLang="en-US" dirty="0"/>
+          </a:p>
+        </p:txBody>
+      </p:sp>
+      <p:sp>
+        <p:nvSpPr>
+          <p:cNvPr id="3" name="內容版面配置區 2"/>
+          <p:cNvSpPr>
+            <a:spLocks noGrp="1"/>
+          </p:cNvSpPr>
+          <p:nvPr>
+            <p:ph idx="1"/>
+          </p:nvPr>
+        </p:nvSpPr>
+        <p:spPr/>
+        <p:txBody>
+          <a:bodyPr/>
+          <a:lstStyle/>
+          <a:p>
+            <a:r>
+              <a:rPr lang="en-US" altLang="zh-TW" dirty="0" smtClean="0"/>
+              <a:t>Because we don’t have the “code”.</a:t>
+            </a:r>
+            <a:r>
+              <a:rPr lang="zh-TW" altLang="en-US" dirty="0" smtClean="0"/>
+              <a:t> </a:t>
+            </a:r>
+            <a:r>
+              <a:rPr lang="en-US" altLang="zh-TW" dirty="0" smtClean="0"/>
+              <a:t>We have to train an Auto-encoder model.</a:t>
+            </a:r>
+          </a:p>
+        </p:txBody>
+      </p:sp>
+      <p:sp>
+        <p:nvSpPr>
+          <p:cNvPr id="4" name="投影片編號版面配置區 3"/>
+          <p:cNvSpPr>
+            <a:spLocks noGrp="1"/>
+          </p:cNvSpPr>
+          <p:nvPr>
+            <p:ph type="sldNum" sz="quarter" idx="12"/>
+          </p:nvPr>
+        </p:nvSpPr>
+        <p:spPr/>
+        <p:txBody>
+          <a:bodyPr/>
+          <a:lstStyle/>
+          <a:p>
+            <a:fld id="{4FAB73BC-B049-4115-A692-8D63A059BFB8}" type="slidenum">
+              <a:rPr lang="en-US" smtClean="0"/>
+              <a:pPr/>
+              <a:t>19</a:t>
+            </a:fld>
+            <a:endParaRPr lang="en-US" dirty="0"/>
+          </a:p>
+        </p:txBody>
+      </p:sp>
+      <p:pic>
+        <p:nvPicPr>
+          <p:cNvPr id="7" name="圖片 6"/>
+          <p:cNvPicPr>
+            <a:picLocks noChangeAspect="1"/>
+          </p:cNvPicPr>
+          <p:nvPr/>
+        </p:nvPicPr>
+        <p:blipFill>
+          <a:blip r:embed="rId2"/>
+          <a:stretch>
+            <a:fillRect/>
+          </a:stretch>
+        </p:blipFill>
+        <p:spPr>
+          <a:xfrm>
+            <a:off x="685800" y="3834023"/>
+            <a:ext cx="1181100" cy="1162050"/>
+          </a:xfrm>
+          <a:prstGeom prst="rect">
+            <a:avLst/>
+          </a:prstGeom>
+        </p:spPr>
+      </p:pic>
+      <p:pic>
+        <p:nvPicPr>
+          <p:cNvPr id="8" name="圖片 7"/>
+          <p:cNvPicPr>
+            <a:picLocks noChangeAspect="1"/>
+          </p:cNvPicPr>
+          <p:nvPr/>
+        </p:nvPicPr>
+        <p:blipFill>
+          <a:blip r:embed="rId3">
+            <a:extLst>
+              <a:ext uri="{BEBA8EAE-BF5A-486C-A8C5-ECC9F3942E4B}">
+                <a14:imgProps xmlns:a14="http://schemas.microsoft.com/office/drawing/2010/main">
+                  <a14:imgLayer r:embed="rId4">
+                    <a14:imgEffect>
+                      <a14:artisticLineDrawing/>
+                    </a14:imgEffect>
+                  </a14:imgLayer>
+                </a14:imgProps>
+              </a:ext>
+            </a:extLst>
+          </a:blip>
+          <a:stretch>
+            <a:fillRect/>
+          </a:stretch>
+        </p:blipFill>
+        <p:spPr>
+          <a:xfrm>
+            <a:off x="6998381" y="3843949"/>
+            <a:ext cx="1181100" cy="1162050"/>
+          </a:xfrm>
+          <a:prstGeom prst="rect">
+            <a:avLst/>
+          </a:prstGeom>
+        </p:spPr>
+      </p:pic>
+      <p:cxnSp>
+        <p:nvCxnSpPr>
+          <p:cNvPr id="9" name="直線接點 8"/>
+          <p:cNvCxnSpPr/>
+          <p:nvPr/>
+        </p:nvCxnSpPr>
+        <p:spPr>
+          <a:xfrm rot="5400000">
+            <a:off x="7341775" y="3659116"/>
+            <a:ext cx="509588" cy="0"/>
+          </a:xfrm>
+          <a:prstGeom prst="line">
+            <a:avLst/>
+          </a:prstGeom>
+          <a:noFill/>
+          <a:ln w="38100" cap="flat" cmpd="sng" algn="ctr">
+            <a:solidFill>
+              <a:sysClr val="windowText" lastClr="000000"/>
+            </a:solidFill>
+            <a:prstDash val="solid"/>
+            <a:miter lim="800000"/>
+            <a:headEnd type="none" w="med" len="med"/>
+            <a:tailEnd type="triangle" w="med" len="med"/>
+          </a:ln>
+          <a:effectLst/>
+        </p:spPr>
+      </p:cxnSp>
+      <p:sp>
+        <p:nvSpPr>
+          <p:cNvPr id="10" name="矩形 9"/>
+          <p:cNvSpPr/>
+          <p:nvPr/>
+        </p:nvSpPr>
+        <p:spPr>
+          <a:xfrm rot="5400000">
+            <a:off x="3820977" y="4167377"/>
+            <a:ext cx="1209244" cy="468000"/>
+          </a:xfrm>
+          <a:prstGeom prst="rect">
+            <a:avLst/>
+          </a:prstGeom>
+          <a:gradFill rotWithShape="1">
+            <a:gsLst>
+              <a:gs pos="0">
+                <a:srgbClr val="ED7D31">
+                  <a:lumMod val="110000"/>
+                  <a:satMod val="105000"/>
+                  <a:tint val="67000"/>
+                </a:srgbClr>
+              </a:gs>
+              <a:gs pos="50000">
+                <a:srgbClr val="ED7D31">
+                  <a:lumMod val="105000"/>
+                  <a:satMod val="103000"/>
+                  <a:tint val="73000"/>
+                </a:srgbClr>
+              </a:gs>
+              <a:gs pos="100000">
+                <a:srgbClr val="ED7D31">
+                  <a:lumMod val="105000"/>
+                  <a:satMod val="109000"/>
+                  <a:tint val="81000"/>
+                </a:srgbClr>
+              </a:gs>
+            </a:gsLst>
+            <a:lin ang="5400000" scaled="0"/>
+          </a:gradFill>
+          <a:ln w="6350" cap="flat" cmpd="sng" algn="ctr">
+            <a:solidFill>
+              <a:srgbClr val="ED7D31"/>
+            </a:solidFill>
+            <a:prstDash val="solid"/>
+            <a:miter lim="800000"/>
+          </a:ln>
+          <a:effectLst/>
+        </p:spPr>
+        <p:txBody>
+          <a:bodyPr rtlCol="0" anchor="ctr"/>
+          <a:lstStyle/>
+          <a:p>
+            <a:pPr marL="0" marR="0" lvl="0" indent="0" algn="ctr" defTabSz="914400" eaLnBrk="1" fontAlgn="auto" latinLnBrk="0" hangingPunct="1">
+              <a:lnSpc>
+                <a:spcPct val="100000"/>
+              </a:lnSpc>
+              <a:spcBef>
+                <a:spcPts val="0"/>
+              </a:spcBef>
+              <a:spcAft>
+                <a:spcPts val="0"/>
+              </a:spcAft>
+              <a:buClrTx/>
+              <a:buSzTx/>
+              <a:buFontTx/>
+              <a:buNone/>
+              <a:tabLst/>
+              <a:defRPr/>
+            </a:pPr>
+            <a:endParaRPr kumimoji="0" lang="zh-TW" altLang="en-US" sz="2400" b="0" i="0" u="none" strike="noStrike" kern="0" cap="none" spc="0" normalizeH="0" baseline="0" noProof="0" dirty="0" smtClean="0">
+              <a:ln>
+                <a:noFill/>
+              </a:ln>
+              <a:solidFill>
+                <a:prstClr val="black"/>
+              </a:solidFill>
+              <a:effectLst/>
+              <a:uLnTx/>
+              <a:uFillTx/>
+              <a:latin typeface="Calibri" panose="020F0502020204030204"/>
+              <a:ea typeface="新細明體" panose="02020500000000000000" pitchFamily="18" charset="-120"/>
+              <a:cs typeface="+mn-cs"/>
+            </a:endParaRPr>
+          </a:p>
+        </p:txBody>
+      </p:sp>
+      <p:sp>
+        <p:nvSpPr>
+          <p:cNvPr id="11" name="向右箭號 9"/>
+          <p:cNvSpPr/>
+          <p:nvPr/>
+        </p:nvSpPr>
+        <p:spPr>
+          <a:xfrm>
+            <a:off x="1930968" y="4112431"/>
+            <a:ext cx="321427" cy="605235"/>
+          </a:xfrm>
+          <a:prstGeom prst="rightArrow">
+            <a:avLst/>
+          </a:prstGeom>
+          <a:solidFill>
+            <a:sysClr val="windowText" lastClr="000000"/>
+          </a:solidFill>
+          <a:ln w="12700" cap="flat" cmpd="sng" algn="ctr">
+            <a:solidFill>
+              <a:sysClr val="windowText" lastClr="000000">
+                <a:shade val="50000"/>
+              </a:sysClr>
+            </a:solidFill>
+            <a:prstDash val="solid"/>
+            <a:miter lim="800000"/>
+          </a:ln>
+          <a:effectLst/>
+        </p:spPr>
+        <p:txBody>
+          <a:bodyPr rtlCol="0" anchor="ctr"/>
+          <a:lstStyle/>
+          <a:p>
+            <a:pPr marL="0" marR="0" lvl="0" indent="0" algn="ctr" defTabSz="914400" eaLnBrk="1" fontAlgn="auto" latinLnBrk="0" hangingPunct="1">
+              <a:lnSpc>
+                <a:spcPct val="100000"/>
+              </a:lnSpc>
+              <a:spcBef>
+                <a:spcPts val="0"/>
+              </a:spcBef>
+              <a:spcAft>
+                <a:spcPts val="0"/>
+              </a:spcAft>
+              <a:buClrTx/>
+              <a:buSzTx/>
+              <a:buFontTx/>
+              <a:buNone/>
+              <a:tabLst/>
+              <a:defRPr/>
+            </a:pPr>
+            <a:endParaRPr kumimoji="0" lang="zh-TW" altLang="en-US" sz="1800" b="0" i="0" u="none" strike="noStrike" kern="0" cap="none" spc="0" normalizeH="0" baseline="0" noProof="0" dirty="0" smtClean="0">
+              <a:ln>
+                <a:noFill/>
+              </a:ln>
+              <a:solidFill>
+                <a:prstClr val="white"/>
+              </a:solidFill>
+              <a:effectLst/>
+              <a:uLnTx/>
+              <a:uFillTx/>
+              <a:latin typeface="Calibri" panose="020F0502020204030204"/>
+              <a:ea typeface="新細明體" panose="02020500000000000000" pitchFamily="18" charset="-120"/>
+              <a:cs typeface="+mn-cs"/>
+            </a:endParaRPr>
+          </a:p>
+        </p:txBody>
+      </p:sp>
+      <p:cxnSp>
+        <p:nvCxnSpPr>
+          <p:cNvPr id="12" name="直線接點 11"/>
+          <p:cNvCxnSpPr/>
+          <p:nvPr/>
+        </p:nvCxnSpPr>
+        <p:spPr>
+          <a:xfrm flipH="1">
+            <a:off x="1251717" y="3387092"/>
+            <a:ext cx="6343401" cy="0"/>
+          </a:xfrm>
+          <a:prstGeom prst="line">
+            <a:avLst/>
+          </a:prstGeom>
+          <a:noFill/>
+          <a:ln w="38100" cap="flat" cmpd="sng" algn="ctr">
+            <a:solidFill>
+              <a:sysClr val="windowText" lastClr="000000"/>
+            </a:solidFill>
+            <a:prstDash val="solid"/>
+            <a:miter lim="800000"/>
+          </a:ln>
+          <a:effectLst/>
+        </p:spPr>
+      </p:cxnSp>
+      <p:cxnSp>
+        <p:nvCxnSpPr>
+          <p:cNvPr id="13" name="直線接點 12"/>
+          <p:cNvCxnSpPr/>
+          <p:nvPr/>
+        </p:nvCxnSpPr>
+        <p:spPr>
+          <a:xfrm rot="5400000">
+            <a:off x="1007109" y="3616486"/>
+            <a:ext cx="509588" cy="0"/>
+          </a:xfrm>
+          <a:prstGeom prst="line">
+            <a:avLst/>
+          </a:prstGeom>
+          <a:noFill/>
+          <a:ln w="38100" cap="flat" cmpd="sng" algn="ctr">
+            <a:solidFill>
+              <a:sysClr val="windowText" lastClr="000000"/>
+            </a:solidFill>
+            <a:prstDash val="solid"/>
+            <a:miter lim="800000"/>
+            <a:headEnd type="none" w="med" len="med"/>
+            <a:tailEnd type="triangle" w="med" len="med"/>
+          </a:ln>
+          <a:effectLst/>
+        </p:spPr>
+      </p:cxnSp>
+      <p:sp>
+        <p:nvSpPr>
+          <p:cNvPr id="14" name="文字方塊 49"/>
+          <p:cNvSpPr txBox="1">
+            <a:spLocks noChangeArrowheads="1"/>
+          </p:cNvSpPr>
+          <p:nvPr/>
+        </p:nvSpPr>
+        <p:spPr bwMode="auto">
+          <a:xfrm>
+            <a:off x="2967651" y="2909488"/>
+            <a:ext cx="2952750" cy="460375"/>
+          </a:xfrm>
+          <a:prstGeom prst="rect">
+            <a:avLst/>
+          </a:prstGeom>
+          <a:noFill/>
+          <a:ln>
+            <a:noFill/>
+          </a:ln>
+          <a:extLst>
+            <a:ext uri="{909E8E84-426E-40DD-AFC4-6F175D3DCCD1}">
+              <a14:hiddenFill xmlns:a14="http://schemas.microsoft.com/office/drawing/2010/main">
+                <a:solidFill>
+                  <a:srgbClr val="FFFFFF"/>
+                </a:solidFill>
+              </a14:hiddenFill>
+            </a:ext>
+            <a:ext uri="{91240B29-F687-4F45-9708-019B960494DF}">
+              <a14:hiddenLine xmlns:a14="http://schemas.microsoft.com/office/drawing/2010/main" w="9525">
+                <a:solidFill>
+                  <a:srgbClr val="000000"/>
+                </a:solidFill>
+                <a:miter lim="800000"/>
+                <a:headEnd/>
+                <a:tailEnd/>
+              </a14:hiddenLine>
+            </a:ext>
+          </a:extLst>
+        </p:spPr>
+        <p:txBody>
+          <a:bodyPr>
+            <a:spAutoFit/>
+          </a:bodyPr>
+          <a:lstStyle>
+            <a:lvl1pPr>
+              <a:defRPr>
+                <a:solidFill>
+                  <a:schemeClr val="tx1"/>
+                </a:solidFill>
+                <a:latin typeface="Calibri" panose="020F0502020204030204" pitchFamily="34" charset="0"/>
+                <a:ea typeface="新細明體" panose="02020500000000000000" pitchFamily="18" charset="-120"/>
+              </a:defRPr>
+            </a:lvl1pPr>
+            <a:lvl2pPr marL="742950" indent="-285750">
+              <a:defRPr>
+                <a:solidFill>
+                  <a:schemeClr val="tx1"/>
+                </a:solidFill>
+                <a:latin typeface="Calibri" panose="020F0502020204030204" pitchFamily="34" charset="0"/>
+                <a:ea typeface="新細明體" panose="02020500000000000000" pitchFamily="18" charset="-120"/>
+              </a:defRPr>
+            </a:lvl2pPr>
+            <a:lvl3pPr marL="1143000" indent="-228600">
+              <a:defRPr>
+                <a:solidFill>
+                  <a:schemeClr val="tx1"/>
+                </a:solidFill>
+                <a:latin typeface="Calibri" panose="020F0502020204030204" pitchFamily="34" charset="0"/>
+                <a:ea typeface="新細明體" panose="02020500000000000000" pitchFamily="18" charset="-120"/>
+              </a:defRPr>
+            </a:lvl3pPr>
+            <a:lvl4pPr marL="1600200" indent="-228600">
+              <a:defRPr>
+                <a:solidFill>
+                  <a:schemeClr val="tx1"/>
+                </a:solidFill>
+                <a:latin typeface="Calibri" panose="020F0502020204030204" pitchFamily="34" charset="0"/>
+                <a:ea typeface="新細明體" panose="02020500000000000000" pitchFamily="18" charset="-120"/>
+              </a:defRPr>
+            </a:lvl4pPr>
+            <a:lvl5pPr marL="2057400" indent="-228600">
+              <a:defRPr>
+                <a:solidFill>
+                  <a:schemeClr val="tx1"/>
+                </a:solidFill>
+                <a:latin typeface="Calibri" panose="020F0502020204030204" pitchFamily="34" charset="0"/>
+                <a:ea typeface="新細明體" panose="02020500000000000000" pitchFamily="18" charset="-120"/>
+              </a:defRPr>
+            </a:lvl5pPr>
+            <a:lvl6pPr marL="2514600" indent="-228600" fontAlgn="base">
+              <a:spcBef>
+                <a:spcPct val="0"/>
+              </a:spcBef>
+              <a:spcAft>
+                <a:spcPct val="0"/>
+              </a:spcAft>
+              <a:defRPr>
+                <a:solidFill>
+                  <a:schemeClr val="tx1"/>
+                </a:solidFill>
+                <a:latin typeface="Calibri" panose="020F0502020204030204" pitchFamily="34" charset="0"/>
+                <a:ea typeface="新細明體" panose="02020500000000000000" pitchFamily="18" charset="-120"/>
+              </a:defRPr>
+            </a:lvl6pPr>
+            <a:lvl7pPr marL="2971800" indent="-228600" fontAlgn="base">
+              <a:spcBef>
+                <a:spcPct val="0"/>
+              </a:spcBef>
+              <a:spcAft>
+                <a:spcPct val="0"/>
+              </a:spcAft>
+              <a:defRPr>
+                <a:solidFill>
+                  <a:schemeClr val="tx1"/>
+                </a:solidFill>
+                <a:latin typeface="Calibri" panose="020F0502020204030204" pitchFamily="34" charset="0"/>
+                <a:ea typeface="新細明體" panose="02020500000000000000" pitchFamily="18" charset="-120"/>
+              </a:defRPr>
+            </a:lvl7pPr>
+            <a:lvl8pPr marL="3429000" indent="-228600" fontAlgn="base">
+              <a:spcBef>
+                <a:spcPct val="0"/>
+              </a:spcBef>
+              <a:spcAft>
+                <a:spcPct val="0"/>
+              </a:spcAft>
+              <a:defRPr>
+                <a:solidFill>
+                  <a:schemeClr val="tx1"/>
+                </a:solidFill>
+                <a:latin typeface="Calibri" panose="020F0502020204030204" pitchFamily="34" charset="0"/>
+                <a:ea typeface="新細明體" panose="02020500000000000000" pitchFamily="18" charset="-120"/>
+              </a:defRPr>
+            </a:lvl8pPr>
+            <a:lvl9pPr marL="3886200" indent="-228600" fontAlgn="base">
+              <a:spcBef>
+                <a:spcPct val="0"/>
+              </a:spcBef>
+              <a:spcAft>
+                <a:spcPct val="0"/>
+              </a:spcAft>
+              <a:defRPr>
+                <a:solidFill>
+                  <a:schemeClr val="tx1"/>
+                </a:solidFill>
+                <a:latin typeface="Calibri" panose="020F0502020204030204" pitchFamily="34" charset="0"/>
+                <a:ea typeface="新細明體" panose="02020500000000000000" pitchFamily="18" charset="-120"/>
+              </a:defRPr>
+            </a:lvl9pPr>
+          </a:lstStyle>
+          <a:p>
+            <a:pPr marL="0" marR="0" lvl="0" indent="0" algn="ctr" defTabSz="914400" eaLnBrk="1" fontAlgn="auto" latinLnBrk="0" hangingPunct="1">
+              <a:lnSpc>
+                <a:spcPct val="100000"/>
+              </a:lnSpc>
+              <a:spcBef>
+                <a:spcPts val="0"/>
+              </a:spcBef>
+              <a:spcAft>
+                <a:spcPts val="0"/>
+              </a:spcAft>
+              <a:buClrTx/>
+              <a:buSzTx/>
+              <a:buFontTx/>
+              <a:buNone/>
+              <a:tabLst/>
+              <a:defRPr/>
+            </a:pPr>
+            <a:r>
+              <a:rPr kumimoji="0" lang="en-US" altLang="zh-TW" sz="2400" b="0" i="0" u="none" strike="noStrike" kern="0" cap="none" spc="0" normalizeH="0" baseline="0" noProof="0" dirty="0">
+                <a:ln>
+                  <a:noFill/>
+                </a:ln>
+                <a:solidFill>
+                  <a:prstClr val="black"/>
+                </a:solidFill>
+                <a:effectLst/>
+                <a:uLnTx/>
+                <a:uFillTx/>
+                <a:latin typeface="Calibri" panose="020F0502020204030204" pitchFamily="34" charset="0"/>
+                <a:ea typeface="新細明體" panose="02020500000000000000" pitchFamily="18" charset="-120"/>
+              </a:rPr>
+              <a:t>As close as possible</a:t>
+            </a:r>
+            <a:endParaRPr kumimoji="0" lang="zh-TW" altLang="en-US" sz="2400" b="0" i="0" u="none" strike="noStrike" kern="0" cap="none" spc="0" normalizeH="0" baseline="0" noProof="0" dirty="0">
+              <a:ln>
+                <a:noFill/>
+              </a:ln>
+              <a:solidFill>
+                <a:prstClr val="black"/>
+              </a:solidFill>
+              <a:effectLst/>
+              <a:uLnTx/>
+              <a:uFillTx/>
+              <a:latin typeface="Calibri" panose="020F0502020204030204" pitchFamily="34" charset="0"/>
+              <a:ea typeface="新細明體" panose="02020500000000000000" pitchFamily="18" charset="-120"/>
+            </a:endParaRPr>
+          </a:p>
+        </p:txBody>
+      </p:sp>
+      <p:sp>
+        <p:nvSpPr>
+          <p:cNvPr id="15" name="矩形 14"/>
+          <p:cNvSpPr/>
+          <p:nvPr/>
+        </p:nvSpPr>
+        <p:spPr>
+          <a:xfrm>
+            <a:off x="2318061" y="3913910"/>
+            <a:ext cx="1308100" cy="1002279"/>
+          </a:xfrm>
+          <a:prstGeom prst="rect">
+            <a:avLst/>
+          </a:prstGeom>
+          <a:gradFill rotWithShape="1">
+            <a:gsLst>
+              <a:gs pos="0">
+                <a:srgbClr val="4472C4">
+                  <a:lumMod val="110000"/>
+                  <a:satMod val="105000"/>
+                  <a:tint val="67000"/>
+                </a:srgbClr>
+              </a:gs>
+              <a:gs pos="50000">
+                <a:srgbClr val="4472C4">
+                  <a:lumMod val="105000"/>
+                  <a:satMod val="103000"/>
+                  <a:tint val="73000"/>
+                </a:srgbClr>
+              </a:gs>
+              <a:gs pos="100000">
+                <a:srgbClr val="4472C4">
+                  <a:lumMod val="105000"/>
+                  <a:satMod val="109000"/>
+                  <a:tint val="81000"/>
+                </a:srgbClr>
+              </a:gs>
+            </a:gsLst>
+            <a:lin ang="5400000" scaled="0"/>
+          </a:gradFill>
+          <a:ln w="6350" cap="flat" cmpd="sng" algn="ctr">
+            <a:solidFill>
+              <a:srgbClr val="4472C4"/>
+            </a:solidFill>
+            <a:prstDash val="solid"/>
+            <a:miter lim="800000"/>
+          </a:ln>
+          <a:effectLst/>
+        </p:spPr>
+        <p:txBody>
+          <a:bodyPr rtlCol="0" anchor="ctr"/>
+          <a:lstStyle/>
+          <a:p>
+            <a:pPr marL="0" marR="0" lvl="0" indent="0" algn="ctr" defTabSz="914400" eaLnBrk="1" fontAlgn="auto" latinLnBrk="0" hangingPunct="1">
+              <a:lnSpc>
+                <a:spcPct val="100000"/>
+              </a:lnSpc>
+              <a:spcBef>
+                <a:spcPts val="0"/>
+              </a:spcBef>
+              <a:spcAft>
+                <a:spcPts val="0"/>
+              </a:spcAft>
+              <a:buClrTx/>
+              <a:buSzTx/>
+              <a:buFontTx/>
+              <a:buNone/>
+              <a:tabLst/>
+              <a:defRPr/>
+            </a:pPr>
+            <a:r>
+              <a:rPr kumimoji="0" lang="en-US" altLang="zh-TW" sz="2400" b="0" i="0" u="none" strike="noStrike" kern="0" cap="none" spc="0" normalizeH="0" baseline="0" noProof="0" dirty="0" smtClean="0">
+                <a:ln>
+                  <a:noFill/>
+                </a:ln>
+                <a:solidFill>
+                  <a:prstClr val="black"/>
+                </a:solidFill>
+                <a:effectLst/>
+                <a:uLnTx/>
+                <a:uFillTx/>
+                <a:latin typeface="Calibri" panose="020F0502020204030204"/>
+                <a:ea typeface="新細明體" panose="02020500000000000000" pitchFamily="18" charset="-120"/>
+                <a:cs typeface="+mn-cs"/>
+              </a:rPr>
+              <a:t>NN</a:t>
+            </a:r>
+          </a:p>
+          <a:p>
+            <a:pPr marL="0" marR="0" lvl="0" indent="0" algn="ctr" defTabSz="914400" eaLnBrk="1" fontAlgn="auto" latinLnBrk="0" hangingPunct="1">
+              <a:lnSpc>
+                <a:spcPct val="100000"/>
+              </a:lnSpc>
+              <a:spcBef>
+                <a:spcPts val="0"/>
+              </a:spcBef>
+              <a:spcAft>
+                <a:spcPts val="0"/>
+              </a:spcAft>
+              <a:buClrTx/>
+              <a:buSzTx/>
+              <a:buFontTx/>
+              <a:buNone/>
+              <a:tabLst/>
+              <a:defRPr/>
+            </a:pPr>
+            <a:r>
+              <a:rPr kumimoji="0" lang="en-US" altLang="zh-TW" sz="2400" b="0" i="0" u="none" strike="noStrike" kern="0" cap="none" spc="0" normalizeH="0" baseline="0" noProof="0" dirty="0" smtClean="0">
+                <a:ln>
+                  <a:noFill/>
+                </a:ln>
+                <a:solidFill>
+                  <a:prstClr val="black"/>
+                </a:solidFill>
+                <a:effectLst/>
+                <a:uLnTx/>
+                <a:uFillTx/>
+                <a:latin typeface="Calibri" panose="020F0502020204030204"/>
+                <a:ea typeface="新細明體" panose="02020500000000000000" pitchFamily="18" charset="-120"/>
+                <a:cs typeface="+mn-cs"/>
+              </a:rPr>
+              <a:t>Encoder</a:t>
+            </a:r>
+            <a:endParaRPr kumimoji="0" lang="zh-TW" altLang="en-US" sz="2400" b="0" i="0" u="none" strike="noStrike" kern="0" cap="none" spc="0" normalizeH="0" baseline="0" noProof="0" dirty="0" smtClean="0">
+              <a:ln>
+                <a:noFill/>
+              </a:ln>
+              <a:solidFill>
+                <a:prstClr val="black"/>
+              </a:solidFill>
+              <a:effectLst/>
+              <a:uLnTx/>
+              <a:uFillTx/>
+              <a:latin typeface="Calibri" panose="020F0502020204030204"/>
+              <a:ea typeface="新細明體" panose="02020500000000000000" pitchFamily="18" charset="-120"/>
+              <a:cs typeface="+mn-cs"/>
+            </a:endParaRPr>
+          </a:p>
+        </p:txBody>
+      </p:sp>
+      <p:sp>
+        <p:nvSpPr>
+          <p:cNvPr id="16" name="矩形 15"/>
+          <p:cNvSpPr/>
+          <p:nvPr/>
+        </p:nvSpPr>
+        <p:spPr>
+          <a:xfrm>
+            <a:off x="5166765" y="3949279"/>
+            <a:ext cx="1308100" cy="981335"/>
+          </a:xfrm>
+          <a:prstGeom prst="rect">
+            <a:avLst/>
+          </a:prstGeom>
+          <a:gradFill rotWithShape="1">
+            <a:gsLst>
+              <a:gs pos="0">
+                <a:srgbClr val="70AD47">
+                  <a:lumMod val="110000"/>
+                  <a:satMod val="105000"/>
+                  <a:tint val="67000"/>
+                </a:srgbClr>
+              </a:gs>
+              <a:gs pos="50000">
+                <a:srgbClr val="70AD47">
+                  <a:lumMod val="105000"/>
+                  <a:satMod val="103000"/>
+                  <a:tint val="73000"/>
+                </a:srgbClr>
+              </a:gs>
+              <a:gs pos="100000">
+                <a:srgbClr val="70AD47">
+                  <a:lumMod val="105000"/>
+                  <a:satMod val="109000"/>
+                  <a:tint val="81000"/>
+                </a:srgbClr>
+              </a:gs>
+            </a:gsLst>
+            <a:lin ang="5400000" scaled="0"/>
+          </a:gradFill>
+          <a:ln w="6350" cap="flat" cmpd="sng" algn="ctr">
+            <a:solidFill>
+              <a:srgbClr val="70AD47"/>
+            </a:solidFill>
+            <a:prstDash val="solid"/>
+            <a:miter lim="800000"/>
+          </a:ln>
+          <a:effectLst/>
+        </p:spPr>
+        <p:txBody>
+          <a:bodyPr rtlCol="0" anchor="ctr"/>
+          <a:lstStyle/>
+          <a:p>
+            <a:pPr marL="0" marR="0" lvl="0" indent="0" algn="ctr" defTabSz="914400" eaLnBrk="1" fontAlgn="auto" latinLnBrk="0" hangingPunct="1">
+              <a:lnSpc>
+                <a:spcPct val="100000"/>
+              </a:lnSpc>
+              <a:spcBef>
+                <a:spcPts val="0"/>
+              </a:spcBef>
+              <a:spcAft>
+                <a:spcPts val="0"/>
+              </a:spcAft>
+              <a:buClrTx/>
+              <a:buSzTx/>
+              <a:buFontTx/>
+              <a:buNone/>
+              <a:tabLst/>
+              <a:defRPr/>
+            </a:pPr>
+            <a:r>
+              <a:rPr kumimoji="0" lang="en-US" altLang="zh-TW" sz="2400" b="0" i="0" u="none" strike="noStrike" kern="0" cap="none" spc="0" normalizeH="0" baseline="0" noProof="0" dirty="0" smtClean="0">
+                <a:ln>
+                  <a:noFill/>
+                </a:ln>
+                <a:solidFill>
+                  <a:prstClr val="black"/>
+                </a:solidFill>
+                <a:effectLst/>
+                <a:uLnTx/>
+                <a:uFillTx/>
+                <a:latin typeface="Calibri" panose="020F0502020204030204"/>
+                <a:ea typeface="新細明體" panose="02020500000000000000" pitchFamily="18" charset="-120"/>
+                <a:cs typeface="+mn-cs"/>
+              </a:rPr>
+              <a:t>NN</a:t>
+            </a:r>
+          </a:p>
+          <a:p>
+            <a:pPr marL="0" marR="0" lvl="0" indent="0" algn="ctr" defTabSz="914400" eaLnBrk="1" fontAlgn="auto" latinLnBrk="0" hangingPunct="1">
+              <a:lnSpc>
+                <a:spcPct val="100000"/>
+              </a:lnSpc>
+              <a:spcBef>
+                <a:spcPts val="0"/>
+              </a:spcBef>
+              <a:spcAft>
+                <a:spcPts val="0"/>
+              </a:spcAft>
+              <a:buClrTx/>
+              <a:buSzTx/>
+              <a:buFontTx/>
+              <a:buNone/>
+              <a:tabLst/>
+              <a:defRPr/>
+            </a:pPr>
+            <a:r>
+              <a:rPr kumimoji="0" lang="en-US" altLang="zh-TW" sz="2400" b="0" i="0" u="none" strike="noStrike" kern="0" cap="none" spc="0" normalizeH="0" baseline="0" noProof="0" dirty="0" smtClean="0">
+                <a:ln>
+                  <a:noFill/>
+                </a:ln>
+                <a:solidFill>
+                  <a:prstClr val="black"/>
+                </a:solidFill>
+                <a:effectLst/>
+                <a:uLnTx/>
+                <a:uFillTx/>
+                <a:latin typeface="Calibri" panose="020F0502020204030204"/>
+                <a:ea typeface="新細明體" panose="02020500000000000000" pitchFamily="18" charset="-120"/>
+                <a:cs typeface="+mn-cs"/>
+              </a:rPr>
+              <a:t>Decoder</a:t>
+            </a:r>
+            <a:endParaRPr kumimoji="0" lang="zh-TW" altLang="en-US" sz="2400" b="0" i="0" u="none" strike="noStrike" kern="0" cap="none" spc="0" normalizeH="0" baseline="0" noProof="0" dirty="0" smtClean="0">
+              <a:ln>
+                <a:noFill/>
+              </a:ln>
+              <a:solidFill>
+                <a:prstClr val="black"/>
+              </a:solidFill>
+              <a:effectLst/>
+              <a:uLnTx/>
+              <a:uFillTx/>
+              <a:latin typeface="Calibri" panose="020F0502020204030204"/>
+              <a:ea typeface="新細明體" panose="02020500000000000000" pitchFamily="18" charset="-120"/>
+              <a:cs typeface="+mn-cs"/>
+            </a:endParaRPr>
+          </a:p>
+        </p:txBody>
+      </p:sp>
+      <p:sp>
+        <p:nvSpPr>
+          <p:cNvPr id="17" name="向右箭號 9"/>
+          <p:cNvSpPr/>
+          <p:nvPr/>
+        </p:nvSpPr>
+        <p:spPr>
+          <a:xfrm>
+            <a:off x="3747259" y="4112431"/>
+            <a:ext cx="321427" cy="605235"/>
+          </a:xfrm>
+          <a:prstGeom prst="rightArrow">
+            <a:avLst/>
+          </a:prstGeom>
+          <a:solidFill>
+            <a:sysClr val="windowText" lastClr="000000"/>
+          </a:solidFill>
+          <a:ln w="12700" cap="flat" cmpd="sng" algn="ctr">
+            <a:solidFill>
+              <a:sysClr val="windowText" lastClr="000000">
+                <a:shade val="50000"/>
+              </a:sysClr>
+            </a:solidFill>
+            <a:prstDash val="solid"/>
+            <a:miter lim="800000"/>
+          </a:ln>
+          <a:effectLst/>
+        </p:spPr>
+        <p:txBody>
+          <a:bodyPr rtlCol="0" anchor="ctr"/>
+          <a:lstStyle/>
+          <a:p>
+            <a:pPr marL="0" marR="0" lvl="0" indent="0" algn="ctr" defTabSz="914400" eaLnBrk="1" fontAlgn="auto" latinLnBrk="0" hangingPunct="1">
+              <a:lnSpc>
+                <a:spcPct val="100000"/>
+              </a:lnSpc>
+              <a:spcBef>
+                <a:spcPts val="0"/>
+              </a:spcBef>
+              <a:spcAft>
+                <a:spcPts val="0"/>
+              </a:spcAft>
+              <a:buClrTx/>
+              <a:buSzTx/>
+              <a:buFontTx/>
+              <a:buNone/>
+              <a:tabLst/>
+              <a:defRPr/>
+            </a:pPr>
+            <a:endParaRPr kumimoji="0" lang="zh-TW" altLang="en-US" sz="1800" b="0" i="0" u="none" strike="noStrike" kern="0" cap="none" spc="0" normalizeH="0" baseline="0" noProof="0" dirty="0" smtClean="0">
+              <a:ln>
+                <a:noFill/>
+              </a:ln>
+              <a:solidFill>
+                <a:prstClr val="white"/>
+              </a:solidFill>
+              <a:effectLst/>
+              <a:uLnTx/>
+              <a:uFillTx/>
+              <a:latin typeface="Calibri" panose="020F0502020204030204"/>
+              <a:ea typeface="新細明體" panose="02020500000000000000" pitchFamily="18" charset="-120"/>
+              <a:cs typeface="+mn-cs"/>
+            </a:endParaRPr>
+          </a:p>
+        </p:txBody>
+      </p:sp>
+      <p:sp>
+        <p:nvSpPr>
+          <p:cNvPr id="18" name="向右箭號 9"/>
+          <p:cNvSpPr/>
+          <p:nvPr/>
+        </p:nvSpPr>
+        <p:spPr>
+          <a:xfrm>
+            <a:off x="4749923" y="4129451"/>
+            <a:ext cx="321427" cy="605235"/>
+          </a:xfrm>
+          <a:prstGeom prst="rightArrow">
+            <a:avLst/>
+          </a:prstGeom>
+          <a:solidFill>
+            <a:sysClr val="windowText" lastClr="000000"/>
+          </a:solidFill>
+          <a:ln w="12700" cap="flat" cmpd="sng" algn="ctr">
+            <a:solidFill>
+              <a:sysClr val="windowText" lastClr="000000">
+                <a:shade val="50000"/>
+              </a:sysClr>
+            </a:solidFill>
+            <a:prstDash val="solid"/>
+            <a:miter lim="800000"/>
+          </a:ln>
+          <a:effectLst/>
+        </p:spPr>
+        <p:txBody>
+          <a:bodyPr rtlCol="0" anchor="ctr"/>
+          <a:lstStyle/>
+          <a:p>
+            <a:pPr marL="0" marR="0" lvl="0" indent="0" algn="ctr" defTabSz="914400" eaLnBrk="1" fontAlgn="auto" latinLnBrk="0" hangingPunct="1">
+              <a:lnSpc>
+                <a:spcPct val="100000"/>
+              </a:lnSpc>
+              <a:spcBef>
+                <a:spcPts val="0"/>
+              </a:spcBef>
+              <a:spcAft>
+                <a:spcPts val="0"/>
+              </a:spcAft>
+              <a:buClrTx/>
+              <a:buSzTx/>
+              <a:buFontTx/>
+              <a:buNone/>
+              <a:tabLst/>
+              <a:defRPr/>
+            </a:pPr>
+            <a:endParaRPr kumimoji="0" lang="zh-TW" altLang="en-US" sz="1800" b="0" i="0" u="none" strike="noStrike" kern="0" cap="none" spc="0" normalizeH="0" baseline="0" noProof="0" dirty="0" smtClean="0">
+              <a:ln>
+                <a:noFill/>
+              </a:ln>
+              <a:solidFill>
+                <a:prstClr val="white"/>
+              </a:solidFill>
+              <a:effectLst/>
+              <a:uLnTx/>
+              <a:uFillTx/>
+              <a:latin typeface="Calibri" panose="020F0502020204030204"/>
+              <a:ea typeface="新細明體" panose="02020500000000000000" pitchFamily="18" charset="-120"/>
+              <a:cs typeface="+mn-cs"/>
+            </a:endParaRPr>
+          </a:p>
+        </p:txBody>
+      </p:sp>
+      <p:sp>
+        <p:nvSpPr>
+          <p:cNvPr id="19" name="向右箭號 9"/>
+          <p:cNvSpPr/>
+          <p:nvPr/>
+        </p:nvSpPr>
+        <p:spPr>
+          <a:xfrm>
+            <a:off x="6603001" y="4129451"/>
+            <a:ext cx="321427" cy="605235"/>
+          </a:xfrm>
+          <a:prstGeom prst="rightArrow">
+            <a:avLst/>
+          </a:prstGeom>
+          <a:solidFill>
+            <a:sysClr val="windowText" lastClr="000000"/>
+          </a:solidFill>
+          <a:ln w="12700" cap="flat" cmpd="sng" algn="ctr">
+            <a:solidFill>
+              <a:sysClr val="windowText" lastClr="000000">
+                <a:shade val="50000"/>
+              </a:sysClr>
+            </a:solidFill>
+            <a:prstDash val="solid"/>
+            <a:miter lim="800000"/>
+          </a:ln>
+          <a:effectLst/>
+        </p:spPr>
+        <p:txBody>
+          <a:bodyPr rtlCol="0" anchor="ctr"/>
+          <a:lstStyle/>
+          <a:p>
+            <a:pPr marL="0" marR="0" lvl="0" indent="0" algn="ctr" defTabSz="914400" eaLnBrk="1" fontAlgn="auto" latinLnBrk="0" hangingPunct="1">
+              <a:lnSpc>
+                <a:spcPct val="100000"/>
+              </a:lnSpc>
+              <a:spcBef>
+                <a:spcPts val="0"/>
+              </a:spcBef>
+              <a:spcAft>
+                <a:spcPts val="0"/>
+              </a:spcAft>
+              <a:buClrTx/>
+              <a:buSzTx/>
+              <a:buFontTx/>
+              <a:buNone/>
+              <a:tabLst/>
+              <a:defRPr/>
+            </a:pPr>
+            <a:endParaRPr kumimoji="0" lang="zh-TW" altLang="en-US" sz="1800" b="0" i="0" u="none" strike="noStrike" kern="0" cap="none" spc="0" normalizeH="0" baseline="0" noProof="0" dirty="0" smtClean="0">
+              <a:ln>
+                <a:noFill/>
+              </a:ln>
+              <a:solidFill>
+                <a:prstClr val="white"/>
+              </a:solidFill>
+              <a:effectLst/>
+              <a:uLnTx/>
+              <a:uFillTx/>
+              <a:latin typeface="Calibri" panose="020F0502020204030204"/>
+              <a:ea typeface="新細明體" panose="02020500000000000000" pitchFamily="18" charset="-120"/>
+              <a:cs typeface="+mn-cs"/>
+            </a:endParaRPr>
+          </a:p>
+        </p:txBody>
+      </p:sp>
+      <p:sp>
+        <p:nvSpPr>
+          <p:cNvPr id="20" name="文字方塊 19"/>
+          <p:cNvSpPr txBox="1"/>
+          <p:nvPr/>
+        </p:nvSpPr>
+        <p:spPr>
+          <a:xfrm rot="5400000">
+            <a:off x="3899710" y="4170544"/>
+            <a:ext cx="1103613" cy="461665"/>
+          </a:xfrm>
+          <a:prstGeom prst="rect">
+            <a:avLst/>
+          </a:prstGeom>
+          <a:noFill/>
+        </p:spPr>
+        <p:txBody>
+          <a:bodyPr wrap="square" rtlCol="0">
+            <a:spAutoFit/>
+          </a:bodyPr>
+          <a:lstStyle/>
+          <a:p>
+            <a:pPr algn="ctr"/>
+            <a:r>
+              <a:rPr lang="en-US" altLang="zh-TW" sz="2400" dirty="0">
+                <a:solidFill>
+                  <a:prstClr val="black"/>
+                </a:solidFill>
+                <a:latin typeface="Calibri" panose="020F0502020204030204"/>
+                <a:ea typeface="新細明體" panose="02020500000000000000" pitchFamily="18" charset="-120"/>
+              </a:rPr>
+              <a:t>code</a:t>
+            </a:r>
+            <a:endParaRPr lang="zh-TW" altLang="en-US" sz="2400" dirty="0">
+              <a:solidFill>
+                <a:prstClr val="black"/>
+              </a:solidFill>
+              <a:latin typeface="Calibri" panose="020F0502020204030204"/>
+              <a:ea typeface="新細明體" panose="02020500000000000000" pitchFamily="18" charset="-120"/>
+            </a:endParaRPr>
           </a:p>
         </p:txBody>
       </p:sp>
@@ -5916,9 +7138,10 @@
           <a:lstStyle/>
           <a:p>
             <a:r>
-              <a:rPr lang="zh-TW" altLang="en-US" dirty="0"/>
-              <a:t>目錄</a:t>
-            </a:r>
+              <a:rPr lang="en-US" altLang="zh-TW" dirty="0"/>
+              <a:t>Contents</a:t>
+            </a:r>
+            <a:endParaRPr lang="zh-TW" altLang="en-US" dirty="0"/>
           </a:p>
         </p:txBody>
       </p:sp>
@@ -5977,22 +7200,14 @@
             <a:pPr lvl="1"/>
             <a:r>
               <a:rPr lang="en-US" altLang="zh-TW" dirty="0" smtClean="0"/>
-              <a:t>1. </a:t>
-            </a:r>
+              <a:t>1. Neural Network</a:t>
+            </a:r>
+          </a:p>
+          <a:p>
+            <a:pPr lvl="1"/>
             <a:r>
               <a:rPr lang="en-US" altLang="zh-TW" dirty="0" smtClean="0"/>
-              <a:t>Neural Network</a:t>
-            </a:r>
-          </a:p>
-          <a:p>
-            <a:pPr lvl="1"/>
-            <a:r>
-              <a:rPr lang="en-US" altLang="zh-TW" dirty="0" smtClean="0"/>
-              <a:t>2</a:t>
-            </a:r>
-            <a:r>
-              <a:rPr lang="en-US" altLang="zh-TW" dirty="0" smtClean="0"/>
-              <a:t>. Auto-Encoder</a:t>
+              <a:t>2. Auto-Encoder</a:t>
             </a:r>
           </a:p>
           <a:p>
@@ -6051,16 +7266,11 @@
               <a:rPr lang="en-US" altLang="zh-TW" dirty="0" smtClean="0"/>
               <a:t>Wasserstein GAN</a:t>
             </a:r>
-            <a:endParaRPr lang="en-US" altLang="zh-TW" dirty="0" smtClean="0"/>
           </a:p>
           <a:p>
             <a:r>
               <a:rPr lang="en-US" altLang="zh-TW" dirty="0" smtClean="0"/>
-              <a:t>C</a:t>
-            </a:r>
-            <a:r>
-              <a:rPr lang="en-US" altLang="zh-TW" dirty="0" smtClean="0"/>
-              <a:t>.</a:t>
+              <a:t>C.</a:t>
             </a:r>
             <a:r>
               <a:rPr lang="zh-TW" altLang="en-US" dirty="0" smtClean="0"/>
@@ -6074,7 +7284,13 @@
               <a:rPr lang="en-US" altLang="zh-TW" dirty="0" smtClean="0"/>
               <a:t>GAN To Implement DGA</a:t>
             </a:r>
-            <a:endParaRPr lang="en-US" altLang="zh-TW" dirty="0" smtClean="0"/>
+          </a:p>
+          <a:p>
+            <a:pPr lvl="1"/>
+            <a:r>
+              <a:rPr lang="en-US" altLang="zh-TW" dirty="0" smtClean="0"/>
+              <a:t>1. Requirement</a:t>
+            </a:r>
           </a:p>
         </p:txBody>
       </p:sp>
@@ -6234,7 +7450,7 @@
       </p:grpSpPr>
       <p:sp>
         <p:nvSpPr>
-          <p:cNvPr id="5" name="標題 4"/>
+          <p:cNvPr id="7" name="標題 6"/>
           <p:cNvSpPr>
             <a:spLocks noGrp="1"/>
           </p:cNvSpPr>
@@ -6247,26 +7463,36 @@
           <a:bodyPr/>
           <a:lstStyle/>
           <a:p>
-            <a:endParaRPr lang="zh-TW" altLang="en-US"/>
-          </a:p>
-        </p:txBody>
-      </p:sp>
-      <p:sp>
-        <p:nvSpPr>
-          <p:cNvPr id="6" name="內容版面配置區 5"/>
+            <a:r>
+              <a:rPr lang="en-US" altLang="zh-TW" cap="none" dirty="0" smtClean="0"/>
+              <a:t>Domain Generation Algorithm</a:t>
+            </a:r>
+            <a:endParaRPr lang="en-US" altLang="zh-TW" cap="none" dirty="0"/>
+          </a:p>
+        </p:txBody>
+      </p:sp>
+      <p:sp>
+        <p:nvSpPr>
+          <p:cNvPr id="8" name="文字版面配置區 7"/>
           <p:cNvSpPr>
             <a:spLocks noGrp="1"/>
           </p:cNvSpPr>
           <p:nvPr>
-            <p:ph idx="1"/>
+            <p:ph type="body" idx="1"/>
           </p:nvPr>
         </p:nvSpPr>
         <p:spPr/>
         <p:txBody>
-          <a:bodyPr/>
+          <a:bodyPr>
+            <a:normAutofit/>
+          </a:bodyPr>
           <a:lstStyle/>
           <a:p>
-            <a:endParaRPr lang="zh-TW" altLang="en-US"/>
+            <a:r>
+              <a:rPr lang="en-US" altLang="zh-TW" sz="3200" dirty="0"/>
+              <a:t>Introduction</a:t>
+            </a:r>
+            <a:endParaRPr lang="zh-TW" altLang="en-US" sz="3200" dirty="0"/>
           </a:p>
         </p:txBody>
       </p:sp>
@@ -6287,7 +7513,6 @@
           <a:p>
             <a:fld id="{4FAB73BC-B049-4115-A692-8D63A059BFB8}" type="slidenum">
               <a:rPr lang="en-US" smtClean="0"/>
-              <a:pPr/>
               <a:t>4</a:t>
             </a:fld>
             <a:endParaRPr lang="en-US" dirty="0"/>
@@ -6297,7 +7522,7 @@
     </p:spTree>
     <p:extLst>
       <p:ext uri="{BB962C8B-B14F-4D97-AF65-F5344CB8AC3E}">
-        <p14:creationId xmlns:p14="http://schemas.microsoft.com/office/powerpoint/2010/main" val="4072731489"/>
+        <p14:creationId xmlns:p14="http://schemas.microsoft.com/office/powerpoint/2010/main" val="725279577"/>
       </p:ext>
     </p:extLst>
   </p:cSld>
@@ -6340,10 +7565,10 @@
           <a:lstStyle/>
           <a:p>
             <a:r>
-              <a:rPr lang="en-US" altLang="zh-TW" cap="none" dirty="0" smtClean="0"/>
-              <a:t>Domain Generation Algorithm</a:t>
-            </a:r>
-            <a:endParaRPr lang="en-US" altLang="zh-TW" cap="none" dirty="0"/>
+              <a:rPr lang="en-US" altLang="zh-TW" sz="6600" cap="none" dirty="0" smtClean="0"/>
+              <a:t>Neural Network</a:t>
+            </a:r>
+            <a:endParaRPr lang="zh-TW" altLang="en-US" cap="none" dirty="0"/>
           </a:p>
         </p:txBody>
       </p:sp>
@@ -6365,10 +7590,9 @@
           <a:lstStyle/>
           <a:p>
             <a:r>
-              <a:rPr lang="en-US" altLang="zh-TW" sz="3200" dirty="0"/>
-              <a:t>Introduction</a:t>
-            </a:r>
-            <a:endParaRPr lang="zh-TW" altLang="en-US" sz="3200" dirty="0"/>
+              <a:rPr lang="en-US" altLang="zh-TW" sz="3200" dirty="0" smtClean="0"/>
+              <a:t>Deep Learning</a:t>
+            </a:r>
           </a:p>
         </p:txBody>
       </p:sp>
@@ -6398,7 +7622,7 @@
     </p:spTree>
     <p:extLst>
       <p:ext uri="{BB962C8B-B14F-4D97-AF65-F5344CB8AC3E}">
-        <p14:creationId xmlns:p14="http://schemas.microsoft.com/office/powerpoint/2010/main" val="725279577"/>
+        <p14:creationId xmlns:p14="http://schemas.microsoft.com/office/powerpoint/2010/main" val="1037424160"/>
       </p:ext>
     </p:extLst>
   </p:cSld>
@@ -6427,7 +7651,7 @@
       </p:grpSpPr>
       <p:sp>
         <p:nvSpPr>
-          <p:cNvPr id="5" name="標題 4"/>
+          <p:cNvPr id="7" name="標題 6"/>
           <p:cNvSpPr>
             <a:spLocks noGrp="1"/>
           </p:cNvSpPr>
@@ -6440,26 +7664,34 @@
           <a:bodyPr/>
           <a:lstStyle/>
           <a:p>
-            <a:endParaRPr lang="zh-TW" altLang="en-US"/>
-          </a:p>
-        </p:txBody>
-      </p:sp>
-      <p:sp>
-        <p:nvSpPr>
-          <p:cNvPr id="6" name="內容版面配置區 5"/>
+            <a:r>
+              <a:rPr lang="en-US" altLang="zh-TW" sz="6600" cap="none" dirty="0"/>
+              <a:t>Auto-Encoder</a:t>
+            </a:r>
+          </a:p>
+        </p:txBody>
+      </p:sp>
+      <p:sp>
+        <p:nvSpPr>
+          <p:cNvPr id="8" name="文字版面配置區 7"/>
           <p:cNvSpPr>
             <a:spLocks noGrp="1"/>
           </p:cNvSpPr>
           <p:nvPr>
-            <p:ph idx="1"/>
+            <p:ph type="body" idx="1"/>
           </p:nvPr>
         </p:nvSpPr>
         <p:spPr/>
         <p:txBody>
-          <a:bodyPr/>
+          <a:bodyPr>
+            <a:normAutofit/>
+          </a:bodyPr>
           <a:lstStyle/>
           <a:p>
-            <a:endParaRPr lang="zh-TW" altLang="en-US"/>
+            <a:r>
+              <a:rPr lang="en-US" altLang="zh-TW" sz="3200" dirty="0" smtClean="0"/>
+              <a:t>Deep Learning</a:t>
+            </a:r>
           </a:p>
         </p:txBody>
       </p:sp>
@@ -6480,7 +7712,6 @@
           <a:p>
             <a:fld id="{4FAB73BC-B049-4115-A692-8D63A059BFB8}" type="slidenum">
               <a:rPr lang="en-US" smtClean="0"/>
-              <a:pPr/>
               <a:t>6</a:t>
             </a:fld>
             <a:endParaRPr lang="en-US" dirty="0"/>
@@ -6490,7 +7721,7 @@
     </p:spTree>
     <p:extLst>
       <p:ext uri="{BB962C8B-B14F-4D97-AF65-F5344CB8AC3E}">
-        <p14:creationId xmlns:p14="http://schemas.microsoft.com/office/powerpoint/2010/main" val="602580083"/>
+        <p14:creationId xmlns:p14="http://schemas.microsoft.com/office/powerpoint/2010/main" val="3277746343"/>
       </p:ext>
     </p:extLst>
   </p:cSld>
@@ -6519,7 +7750,7 @@
       </p:grpSpPr>
       <p:sp>
         <p:nvSpPr>
-          <p:cNvPr id="7" name="標題 6"/>
+          <p:cNvPr id="5" name="標題 4"/>
           <p:cNvSpPr>
             <a:spLocks noGrp="1"/>
           </p:cNvSpPr>
@@ -6533,34 +7764,29 @@
           <a:lstStyle/>
           <a:p>
             <a:r>
-              <a:rPr lang="en-US" altLang="zh-TW" sz="6600" cap="none" dirty="0" smtClean="0"/>
-              <a:t>Neural Network</a:t>
-            </a:r>
-            <a:endParaRPr lang="zh-TW" altLang="en-US" cap="none" dirty="0"/>
-          </a:p>
-        </p:txBody>
-      </p:sp>
-      <p:sp>
-        <p:nvSpPr>
-          <p:cNvPr id="8" name="文字版面配置區 7"/>
+              <a:rPr lang="en-US" altLang="zh-TW" dirty="0"/>
+              <a:t>Auto-Encoder</a:t>
+            </a:r>
+            <a:endParaRPr lang="zh-TW" altLang="en-US" dirty="0"/>
+          </a:p>
+        </p:txBody>
+      </p:sp>
+      <p:sp>
+        <p:nvSpPr>
+          <p:cNvPr id="6" name="內容版面配置區 5"/>
           <p:cNvSpPr>
             <a:spLocks noGrp="1"/>
           </p:cNvSpPr>
           <p:nvPr>
-            <p:ph type="body" idx="1"/>
+            <p:ph idx="1"/>
           </p:nvPr>
         </p:nvSpPr>
         <p:spPr/>
         <p:txBody>
-          <a:bodyPr>
-            <a:normAutofit/>
-          </a:bodyPr>
+          <a:bodyPr/>
           <a:lstStyle/>
           <a:p>
-            <a:r>
-              <a:rPr lang="en-US" altLang="zh-TW" sz="3200" dirty="0" smtClean="0"/>
-              <a:t>Deep Learning</a:t>
-            </a:r>
+            <a:endParaRPr lang="zh-TW" altLang="en-US"/>
           </a:p>
         </p:txBody>
       </p:sp>
@@ -6581,22 +7807,1795 @@
           <a:p>
             <a:fld id="{4FAB73BC-B049-4115-A692-8D63A059BFB8}" type="slidenum">
               <a:rPr lang="en-US" smtClean="0"/>
+              <a:pPr/>
               <a:t>7</a:t>
             </a:fld>
             <a:endParaRPr lang="en-US" dirty="0"/>
           </a:p>
         </p:txBody>
       </p:sp>
+      <p:pic>
+        <p:nvPicPr>
+          <p:cNvPr id="47" name="圖片 46"/>
+          <p:cNvPicPr>
+            <a:picLocks noChangeAspect="1"/>
+          </p:cNvPicPr>
+          <p:nvPr/>
+        </p:nvPicPr>
+        <p:blipFill>
+          <a:blip r:embed="rId2"/>
+          <a:stretch>
+            <a:fillRect/>
+          </a:stretch>
+        </p:blipFill>
+        <p:spPr>
+          <a:xfrm>
+            <a:off x="872384" y="2852948"/>
+            <a:ext cx="1181100" cy="1162050"/>
+          </a:xfrm>
+          <a:prstGeom prst="rect">
+            <a:avLst/>
+          </a:prstGeom>
+        </p:spPr>
+      </p:pic>
+      <p:pic>
+        <p:nvPicPr>
+          <p:cNvPr id="48" name="圖片 47"/>
+          <p:cNvPicPr>
+            <a:picLocks noChangeAspect="1"/>
+          </p:cNvPicPr>
+          <p:nvPr/>
+        </p:nvPicPr>
+        <p:blipFill>
+          <a:blip r:embed="rId3">
+            <a:extLst>
+              <a:ext uri="{BEBA8EAE-BF5A-486C-A8C5-ECC9F3942E4B}">
+                <a14:imgProps xmlns:a14="http://schemas.microsoft.com/office/drawing/2010/main">
+                  <a14:imgLayer r:embed="rId4">
+                    <a14:imgEffect>
+                      <a14:artisticLineDrawing/>
+                    </a14:imgEffect>
+                  </a14:imgLayer>
+                </a14:imgProps>
+              </a:ext>
+            </a:extLst>
+          </a:blip>
+          <a:stretch>
+            <a:fillRect/>
+          </a:stretch>
+        </p:blipFill>
+        <p:spPr>
+          <a:xfrm>
+            <a:off x="7184965" y="2862874"/>
+            <a:ext cx="1181100" cy="1162050"/>
+          </a:xfrm>
+          <a:prstGeom prst="rect">
+            <a:avLst/>
+          </a:prstGeom>
+        </p:spPr>
+      </p:pic>
+      <p:cxnSp>
+        <p:nvCxnSpPr>
+          <p:cNvPr id="49" name="直線接點 48"/>
+          <p:cNvCxnSpPr/>
+          <p:nvPr/>
+        </p:nvCxnSpPr>
+        <p:spPr>
+          <a:xfrm rot="5400000">
+            <a:off x="7528359" y="2678041"/>
+            <a:ext cx="509588" cy="0"/>
+          </a:xfrm>
+          <a:prstGeom prst="line">
+            <a:avLst/>
+          </a:prstGeom>
+          <a:noFill/>
+          <a:ln w="38100" cap="flat" cmpd="sng" algn="ctr">
+            <a:solidFill>
+              <a:sysClr val="windowText" lastClr="000000"/>
+            </a:solidFill>
+            <a:prstDash val="solid"/>
+            <a:miter lim="800000"/>
+            <a:headEnd type="none" w="med" len="med"/>
+            <a:tailEnd type="triangle" w="med" len="med"/>
+          </a:ln>
+          <a:effectLst/>
+        </p:spPr>
+      </p:cxnSp>
+      <p:sp>
+        <p:nvSpPr>
+          <p:cNvPr id="50" name="矩形 49"/>
+          <p:cNvSpPr/>
+          <p:nvPr/>
+        </p:nvSpPr>
+        <p:spPr>
+          <a:xfrm rot="5400000">
+            <a:off x="4007561" y="3186302"/>
+            <a:ext cx="1209244" cy="468000"/>
+          </a:xfrm>
+          <a:prstGeom prst="rect">
+            <a:avLst/>
+          </a:prstGeom>
+          <a:gradFill rotWithShape="1">
+            <a:gsLst>
+              <a:gs pos="0">
+                <a:srgbClr val="ED7D31">
+                  <a:lumMod val="110000"/>
+                  <a:satMod val="105000"/>
+                  <a:tint val="67000"/>
+                </a:srgbClr>
+              </a:gs>
+              <a:gs pos="50000">
+                <a:srgbClr val="ED7D31">
+                  <a:lumMod val="105000"/>
+                  <a:satMod val="103000"/>
+                  <a:tint val="73000"/>
+                </a:srgbClr>
+              </a:gs>
+              <a:gs pos="100000">
+                <a:srgbClr val="ED7D31">
+                  <a:lumMod val="105000"/>
+                  <a:satMod val="109000"/>
+                  <a:tint val="81000"/>
+                </a:srgbClr>
+              </a:gs>
+            </a:gsLst>
+            <a:lin ang="5400000" scaled="0"/>
+          </a:gradFill>
+          <a:ln w="6350" cap="flat" cmpd="sng" algn="ctr">
+            <a:solidFill>
+              <a:srgbClr val="ED7D31"/>
+            </a:solidFill>
+            <a:prstDash val="solid"/>
+            <a:miter lim="800000"/>
+          </a:ln>
+          <a:effectLst/>
+        </p:spPr>
+        <p:txBody>
+          <a:bodyPr rtlCol="0" anchor="ctr"/>
+          <a:lstStyle/>
+          <a:p>
+            <a:pPr marL="0" marR="0" lvl="0" indent="0" algn="ctr" defTabSz="914400" eaLnBrk="1" fontAlgn="auto" latinLnBrk="0" hangingPunct="1">
+              <a:lnSpc>
+                <a:spcPct val="100000"/>
+              </a:lnSpc>
+              <a:spcBef>
+                <a:spcPts val="0"/>
+              </a:spcBef>
+              <a:spcAft>
+                <a:spcPts val="0"/>
+              </a:spcAft>
+              <a:buClrTx/>
+              <a:buSzTx/>
+              <a:buFontTx/>
+              <a:buNone/>
+              <a:tabLst/>
+              <a:defRPr/>
+            </a:pPr>
+            <a:endParaRPr kumimoji="0" lang="zh-TW" altLang="en-US" sz="2400" b="0" i="0" u="none" strike="noStrike" kern="0" cap="none" spc="0" normalizeH="0" baseline="0" noProof="0" dirty="0" smtClean="0">
+              <a:ln>
+                <a:noFill/>
+              </a:ln>
+              <a:solidFill>
+                <a:prstClr val="black"/>
+              </a:solidFill>
+              <a:effectLst/>
+              <a:uLnTx/>
+              <a:uFillTx/>
+              <a:latin typeface="Calibri" panose="020F0502020204030204"/>
+              <a:ea typeface="新細明體" panose="02020500000000000000" pitchFamily="18" charset="-120"/>
+              <a:cs typeface="+mn-cs"/>
+            </a:endParaRPr>
+          </a:p>
+        </p:txBody>
+      </p:sp>
+      <p:sp>
+        <p:nvSpPr>
+          <p:cNvPr id="51" name="向右箭號 9"/>
+          <p:cNvSpPr/>
+          <p:nvPr/>
+        </p:nvSpPr>
+        <p:spPr>
+          <a:xfrm>
+            <a:off x="2117552" y="3131356"/>
+            <a:ext cx="321427" cy="605235"/>
+          </a:xfrm>
+          <a:prstGeom prst="rightArrow">
+            <a:avLst/>
+          </a:prstGeom>
+          <a:solidFill>
+            <a:sysClr val="windowText" lastClr="000000"/>
+          </a:solidFill>
+          <a:ln w="12700" cap="flat" cmpd="sng" algn="ctr">
+            <a:solidFill>
+              <a:sysClr val="windowText" lastClr="000000">
+                <a:shade val="50000"/>
+              </a:sysClr>
+            </a:solidFill>
+            <a:prstDash val="solid"/>
+            <a:miter lim="800000"/>
+          </a:ln>
+          <a:effectLst/>
+        </p:spPr>
+        <p:txBody>
+          <a:bodyPr rtlCol="0" anchor="ctr"/>
+          <a:lstStyle/>
+          <a:p>
+            <a:pPr marL="0" marR="0" lvl="0" indent="0" algn="ctr" defTabSz="914400" eaLnBrk="1" fontAlgn="auto" latinLnBrk="0" hangingPunct="1">
+              <a:lnSpc>
+                <a:spcPct val="100000"/>
+              </a:lnSpc>
+              <a:spcBef>
+                <a:spcPts val="0"/>
+              </a:spcBef>
+              <a:spcAft>
+                <a:spcPts val="0"/>
+              </a:spcAft>
+              <a:buClrTx/>
+              <a:buSzTx/>
+              <a:buFontTx/>
+              <a:buNone/>
+              <a:tabLst/>
+              <a:defRPr/>
+            </a:pPr>
+            <a:endParaRPr kumimoji="0" lang="zh-TW" altLang="en-US" sz="1800" b="0" i="0" u="none" strike="noStrike" kern="0" cap="none" spc="0" normalizeH="0" baseline="0" noProof="0" dirty="0" smtClean="0">
+              <a:ln>
+                <a:noFill/>
+              </a:ln>
+              <a:solidFill>
+                <a:prstClr val="white"/>
+              </a:solidFill>
+              <a:effectLst/>
+              <a:uLnTx/>
+              <a:uFillTx/>
+              <a:latin typeface="Calibri" panose="020F0502020204030204"/>
+              <a:ea typeface="新細明體" panose="02020500000000000000" pitchFamily="18" charset="-120"/>
+              <a:cs typeface="+mn-cs"/>
+            </a:endParaRPr>
+          </a:p>
+        </p:txBody>
+      </p:sp>
+      <p:cxnSp>
+        <p:nvCxnSpPr>
+          <p:cNvPr id="52" name="直線接點 51"/>
+          <p:cNvCxnSpPr/>
+          <p:nvPr/>
+        </p:nvCxnSpPr>
+        <p:spPr>
+          <a:xfrm flipH="1">
+            <a:off x="1438301" y="2406017"/>
+            <a:ext cx="6343401" cy="0"/>
+          </a:xfrm>
+          <a:prstGeom prst="line">
+            <a:avLst/>
+          </a:prstGeom>
+          <a:noFill/>
+          <a:ln w="38100" cap="flat" cmpd="sng" algn="ctr">
+            <a:solidFill>
+              <a:sysClr val="windowText" lastClr="000000"/>
+            </a:solidFill>
+            <a:prstDash val="solid"/>
+            <a:miter lim="800000"/>
+          </a:ln>
+          <a:effectLst/>
+        </p:spPr>
+      </p:cxnSp>
+      <p:cxnSp>
+        <p:nvCxnSpPr>
+          <p:cNvPr id="53" name="直線接點 52"/>
+          <p:cNvCxnSpPr/>
+          <p:nvPr/>
+        </p:nvCxnSpPr>
+        <p:spPr>
+          <a:xfrm rot="5400000">
+            <a:off x="1193693" y="2635411"/>
+            <a:ext cx="509588" cy="0"/>
+          </a:xfrm>
+          <a:prstGeom prst="line">
+            <a:avLst/>
+          </a:prstGeom>
+          <a:noFill/>
+          <a:ln w="38100" cap="flat" cmpd="sng" algn="ctr">
+            <a:solidFill>
+              <a:sysClr val="windowText" lastClr="000000"/>
+            </a:solidFill>
+            <a:prstDash val="solid"/>
+            <a:miter lim="800000"/>
+            <a:headEnd type="none" w="med" len="med"/>
+            <a:tailEnd type="triangle" w="med" len="med"/>
+          </a:ln>
+          <a:effectLst/>
+        </p:spPr>
+      </p:cxnSp>
+      <p:sp>
+        <p:nvSpPr>
+          <p:cNvPr id="54" name="文字方塊 49"/>
+          <p:cNvSpPr txBox="1">
+            <a:spLocks noChangeArrowheads="1"/>
+          </p:cNvSpPr>
+          <p:nvPr/>
+        </p:nvSpPr>
+        <p:spPr bwMode="auto">
+          <a:xfrm>
+            <a:off x="3154235" y="1928413"/>
+            <a:ext cx="2952750" cy="460375"/>
+          </a:xfrm>
+          <a:prstGeom prst="rect">
+            <a:avLst/>
+          </a:prstGeom>
+          <a:noFill/>
+          <a:ln>
+            <a:noFill/>
+          </a:ln>
+          <a:extLst>
+            <a:ext uri="{909E8E84-426E-40DD-AFC4-6F175D3DCCD1}">
+              <a14:hiddenFill xmlns:a14="http://schemas.microsoft.com/office/drawing/2010/main">
+                <a:solidFill>
+                  <a:srgbClr val="FFFFFF"/>
+                </a:solidFill>
+              </a14:hiddenFill>
+            </a:ext>
+            <a:ext uri="{91240B29-F687-4F45-9708-019B960494DF}">
+              <a14:hiddenLine xmlns:a14="http://schemas.microsoft.com/office/drawing/2010/main" w="9525">
+                <a:solidFill>
+                  <a:srgbClr val="000000"/>
+                </a:solidFill>
+                <a:miter lim="800000"/>
+                <a:headEnd/>
+                <a:tailEnd/>
+              </a14:hiddenLine>
+            </a:ext>
+          </a:extLst>
+        </p:spPr>
+        <p:txBody>
+          <a:bodyPr>
+            <a:spAutoFit/>
+          </a:bodyPr>
+          <a:lstStyle>
+            <a:lvl1pPr>
+              <a:defRPr>
+                <a:solidFill>
+                  <a:schemeClr val="tx1"/>
+                </a:solidFill>
+                <a:latin typeface="Calibri" panose="020F0502020204030204" pitchFamily="34" charset="0"/>
+                <a:ea typeface="新細明體" panose="02020500000000000000" pitchFamily="18" charset="-120"/>
+              </a:defRPr>
+            </a:lvl1pPr>
+            <a:lvl2pPr marL="742950" indent="-285750">
+              <a:defRPr>
+                <a:solidFill>
+                  <a:schemeClr val="tx1"/>
+                </a:solidFill>
+                <a:latin typeface="Calibri" panose="020F0502020204030204" pitchFamily="34" charset="0"/>
+                <a:ea typeface="新細明體" panose="02020500000000000000" pitchFamily="18" charset="-120"/>
+              </a:defRPr>
+            </a:lvl2pPr>
+            <a:lvl3pPr marL="1143000" indent="-228600">
+              <a:defRPr>
+                <a:solidFill>
+                  <a:schemeClr val="tx1"/>
+                </a:solidFill>
+                <a:latin typeface="Calibri" panose="020F0502020204030204" pitchFamily="34" charset="0"/>
+                <a:ea typeface="新細明體" panose="02020500000000000000" pitchFamily="18" charset="-120"/>
+              </a:defRPr>
+            </a:lvl3pPr>
+            <a:lvl4pPr marL="1600200" indent="-228600">
+              <a:defRPr>
+                <a:solidFill>
+                  <a:schemeClr val="tx1"/>
+                </a:solidFill>
+                <a:latin typeface="Calibri" panose="020F0502020204030204" pitchFamily="34" charset="0"/>
+                <a:ea typeface="新細明體" panose="02020500000000000000" pitchFamily="18" charset="-120"/>
+              </a:defRPr>
+            </a:lvl4pPr>
+            <a:lvl5pPr marL="2057400" indent="-228600">
+              <a:defRPr>
+                <a:solidFill>
+                  <a:schemeClr val="tx1"/>
+                </a:solidFill>
+                <a:latin typeface="Calibri" panose="020F0502020204030204" pitchFamily="34" charset="0"/>
+                <a:ea typeface="新細明體" panose="02020500000000000000" pitchFamily="18" charset="-120"/>
+              </a:defRPr>
+            </a:lvl5pPr>
+            <a:lvl6pPr marL="2514600" indent="-228600" fontAlgn="base">
+              <a:spcBef>
+                <a:spcPct val="0"/>
+              </a:spcBef>
+              <a:spcAft>
+                <a:spcPct val="0"/>
+              </a:spcAft>
+              <a:defRPr>
+                <a:solidFill>
+                  <a:schemeClr val="tx1"/>
+                </a:solidFill>
+                <a:latin typeface="Calibri" panose="020F0502020204030204" pitchFamily="34" charset="0"/>
+                <a:ea typeface="新細明體" panose="02020500000000000000" pitchFamily="18" charset="-120"/>
+              </a:defRPr>
+            </a:lvl6pPr>
+            <a:lvl7pPr marL="2971800" indent="-228600" fontAlgn="base">
+              <a:spcBef>
+                <a:spcPct val="0"/>
+              </a:spcBef>
+              <a:spcAft>
+                <a:spcPct val="0"/>
+              </a:spcAft>
+              <a:defRPr>
+                <a:solidFill>
+                  <a:schemeClr val="tx1"/>
+                </a:solidFill>
+                <a:latin typeface="Calibri" panose="020F0502020204030204" pitchFamily="34" charset="0"/>
+                <a:ea typeface="新細明體" panose="02020500000000000000" pitchFamily="18" charset="-120"/>
+              </a:defRPr>
+            </a:lvl7pPr>
+            <a:lvl8pPr marL="3429000" indent="-228600" fontAlgn="base">
+              <a:spcBef>
+                <a:spcPct val="0"/>
+              </a:spcBef>
+              <a:spcAft>
+                <a:spcPct val="0"/>
+              </a:spcAft>
+              <a:defRPr>
+                <a:solidFill>
+                  <a:schemeClr val="tx1"/>
+                </a:solidFill>
+                <a:latin typeface="Calibri" panose="020F0502020204030204" pitchFamily="34" charset="0"/>
+                <a:ea typeface="新細明體" panose="02020500000000000000" pitchFamily="18" charset="-120"/>
+              </a:defRPr>
+            </a:lvl8pPr>
+            <a:lvl9pPr marL="3886200" indent="-228600" fontAlgn="base">
+              <a:spcBef>
+                <a:spcPct val="0"/>
+              </a:spcBef>
+              <a:spcAft>
+                <a:spcPct val="0"/>
+              </a:spcAft>
+              <a:defRPr>
+                <a:solidFill>
+                  <a:schemeClr val="tx1"/>
+                </a:solidFill>
+                <a:latin typeface="Calibri" panose="020F0502020204030204" pitchFamily="34" charset="0"/>
+                <a:ea typeface="新細明體" panose="02020500000000000000" pitchFamily="18" charset="-120"/>
+              </a:defRPr>
+            </a:lvl9pPr>
+          </a:lstStyle>
+          <a:p>
+            <a:pPr marL="0" marR="0" lvl="0" indent="0" algn="ctr" defTabSz="914400" eaLnBrk="1" fontAlgn="auto" latinLnBrk="0" hangingPunct="1">
+              <a:lnSpc>
+                <a:spcPct val="100000"/>
+              </a:lnSpc>
+              <a:spcBef>
+                <a:spcPts val="0"/>
+              </a:spcBef>
+              <a:spcAft>
+                <a:spcPts val="0"/>
+              </a:spcAft>
+              <a:buClrTx/>
+              <a:buSzTx/>
+              <a:buFontTx/>
+              <a:buNone/>
+              <a:tabLst/>
+              <a:defRPr/>
+            </a:pPr>
+            <a:r>
+              <a:rPr kumimoji="0" lang="en-US" altLang="zh-TW" sz="2400" b="0" i="0" u="none" strike="noStrike" kern="0" cap="none" spc="0" normalizeH="0" baseline="0" noProof="0" dirty="0">
+                <a:ln>
+                  <a:noFill/>
+                </a:ln>
+                <a:solidFill>
+                  <a:prstClr val="black"/>
+                </a:solidFill>
+                <a:effectLst/>
+                <a:uLnTx/>
+                <a:uFillTx/>
+                <a:latin typeface="Calibri" panose="020F0502020204030204" pitchFamily="34" charset="0"/>
+                <a:ea typeface="新細明體" panose="02020500000000000000" pitchFamily="18" charset="-120"/>
+              </a:rPr>
+              <a:t>As close as possible</a:t>
+            </a:r>
+            <a:endParaRPr kumimoji="0" lang="zh-TW" altLang="en-US" sz="2400" b="0" i="0" u="none" strike="noStrike" kern="0" cap="none" spc="0" normalizeH="0" baseline="0" noProof="0" dirty="0">
+              <a:ln>
+                <a:noFill/>
+              </a:ln>
+              <a:solidFill>
+                <a:prstClr val="black"/>
+              </a:solidFill>
+              <a:effectLst/>
+              <a:uLnTx/>
+              <a:uFillTx/>
+              <a:latin typeface="Calibri" panose="020F0502020204030204" pitchFamily="34" charset="0"/>
+              <a:ea typeface="新細明體" panose="02020500000000000000" pitchFamily="18" charset="-120"/>
+            </a:endParaRPr>
+          </a:p>
+        </p:txBody>
+      </p:sp>
+      <p:sp>
+        <p:nvSpPr>
+          <p:cNvPr id="55" name="矩形 54"/>
+          <p:cNvSpPr/>
+          <p:nvPr/>
+        </p:nvSpPr>
+        <p:spPr>
+          <a:xfrm>
+            <a:off x="2504645" y="2932835"/>
+            <a:ext cx="1308100" cy="1002279"/>
+          </a:xfrm>
+          <a:prstGeom prst="rect">
+            <a:avLst/>
+          </a:prstGeom>
+          <a:gradFill rotWithShape="1">
+            <a:gsLst>
+              <a:gs pos="0">
+                <a:srgbClr val="4472C4">
+                  <a:lumMod val="110000"/>
+                  <a:satMod val="105000"/>
+                  <a:tint val="67000"/>
+                </a:srgbClr>
+              </a:gs>
+              <a:gs pos="50000">
+                <a:srgbClr val="4472C4">
+                  <a:lumMod val="105000"/>
+                  <a:satMod val="103000"/>
+                  <a:tint val="73000"/>
+                </a:srgbClr>
+              </a:gs>
+              <a:gs pos="100000">
+                <a:srgbClr val="4472C4">
+                  <a:lumMod val="105000"/>
+                  <a:satMod val="109000"/>
+                  <a:tint val="81000"/>
+                </a:srgbClr>
+              </a:gs>
+            </a:gsLst>
+            <a:lin ang="5400000" scaled="0"/>
+          </a:gradFill>
+          <a:ln w="6350" cap="flat" cmpd="sng" algn="ctr">
+            <a:solidFill>
+              <a:srgbClr val="4472C4"/>
+            </a:solidFill>
+            <a:prstDash val="solid"/>
+            <a:miter lim="800000"/>
+          </a:ln>
+          <a:effectLst/>
+        </p:spPr>
+        <p:txBody>
+          <a:bodyPr rtlCol="0" anchor="ctr"/>
+          <a:lstStyle/>
+          <a:p>
+            <a:pPr marL="0" marR="0" lvl="0" indent="0" algn="ctr" defTabSz="914400" eaLnBrk="1" fontAlgn="auto" latinLnBrk="0" hangingPunct="1">
+              <a:lnSpc>
+                <a:spcPct val="100000"/>
+              </a:lnSpc>
+              <a:spcBef>
+                <a:spcPts val="0"/>
+              </a:spcBef>
+              <a:spcAft>
+                <a:spcPts val="0"/>
+              </a:spcAft>
+              <a:buClrTx/>
+              <a:buSzTx/>
+              <a:buFontTx/>
+              <a:buNone/>
+              <a:tabLst/>
+              <a:defRPr/>
+            </a:pPr>
+            <a:r>
+              <a:rPr kumimoji="0" lang="en-US" altLang="zh-TW" sz="2400" b="0" i="0" u="none" strike="noStrike" kern="0" cap="none" spc="0" normalizeH="0" baseline="0" noProof="0" dirty="0" smtClean="0">
+                <a:ln>
+                  <a:noFill/>
+                </a:ln>
+                <a:solidFill>
+                  <a:prstClr val="black"/>
+                </a:solidFill>
+                <a:effectLst/>
+                <a:uLnTx/>
+                <a:uFillTx/>
+                <a:latin typeface="Calibri" panose="020F0502020204030204"/>
+                <a:ea typeface="新細明體" panose="02020500000000000000" pitchFamily="18" charset="-120"/>
+                <a:cs typeface="+mn-cs"/>
+              </a:rPr>
+              <a:t>NN</a:t>
+            </a:r>
+          </a:p>
+          <a:p>
+            <a:pPr marL="0" marR="0" lvl="0" indent="0" algn="ctr" defTabSz="914400" eaLnBrk="1" fontAlgn="auto" latinLnBrk="0" hangingPunct="1">
+              <a:lnSpc>
+                <a:spcPct val="100000"/>
+              </a:lnSpc>
+              <a:spcBef>
+                <a:spcPts val="0"/>
+              </a:spcBef>
+              <a:spcAft>
+                <a:spcPts val="0"/>
+              </a:spcAft>
+              <a:buClrTx/>
+              <a:buSzTx/>
+              <a:buFontTx/>
+              <a:buNone/>
+              <a:tabLst/>
+              <a:defRPr/>
+            </a:pPr>
+            <a:r>
+              <a:rPr kumimoji="0" lang="en-US" altLang="zh-TW" sz="2400" b="0" i="0" u="none" strike="noStrike" kern="0" cap="none" spc="0" normalizeH="0" baseline="0" noProof="0" dirty="0" smtClean="0">
+                <a:ln>
+                  <a:noFill/>
+                </a:ln>
+                <a:solidFill>
+                  <a:prstClr val="black"/>
+                </a:solidFill>
+                <a:effectLst/>
+                <a:uLnTx/>
+                <a:uFillTx/>
+                <a:latin typeface="Calibri" panose="020F0502020204030204"/>
+                <a:ea typeface="新細明體" panose="02020500000000000000" pitchFamily="18" charset="-120"/>
+                <a:cs typeface="+mn-cs"/>
+              </a:rPr>
+              <a:t>Encoder</a:t>
+            </a:r>
+            <a:endParaRPr kumimoji="0" lang="zh-TW" altLang="en-US" sz="2400" b="0" i="0" u="none" strike="noStrike" kern="0" cap="none" spc="0" normalizeH="0" baseline="0" noProof="0" dirty="0" smtClean="0">
+              <a:ln>
+                <a:noFill/>
+              </a:ln>
+              <a:solidFill>
+                <a:prstClr val="black"/>
+              </a:solidFill>
+              <a:effectLst/>
+              <a:uLnTx/>
+              <a:uFillTx/>
+              <a:latin typeface="Calibri" panose="020F0502020204030204"/>
+              <a:ea typeface="新細明體" panose="02020500000000000000" pitchFamily="18" charset="-120"/>
+              <a:cs typeface="+mn-cs"/>
+            </a:endParaRPr>
+          </a:p>
+        </p:txBody>
+      </p:sp>
+      <p:sp>
+        <p:nvSpPr>
+          <p:cNvPr id="56" name="矩形 55"/>
+          <p:cNvSpPr/>
+          <p:nvPr/>
+        </p:nvSpPr>
+        <p:spPr>
+          <a:xfrm>
+            <a:off x="5353349" y="2968204"/>
+            <a:ext cx="1308100" cy="981335"/>
+          </a:xfrm>
+          <a:prstGeom prst="rect">
+            <a:avLst/>
+          </a:prstGeom>
+          <a:gradFill rotWithShape="1">
+            <a:gsLst>
+              <a:gs pos="0">
+                <a:srgbClr val="70AD47">
+                  <a:lumMod val="110000"/>
+                  <a:satMod val="105000"/>
+                  <a:tint val="67000"/>
+                </a:srgbClr>
+              </a:gs>
+              <a:gs pos="50000">
+                <a:srgbClr val="70AD47">
+                  <a:lumMod val="105000"/>
+                  <a:satMod val="103000"/>
+                  <a:tint val="73000"/>
+                </a:srgbClr>
+              </a:gs>
+              <a:gs pos="100000">
+                <a:srgbClr val="70AD47">
+                  <a:lumMod val="105000"/>
+                  <a:satMod val="109000"/>
+                  <a:tint val="81000"/>
+                </a:srgbClr>
+              </a:gs>
+            </a:gsLst>
+            <a:lin ang="5400000" scaled="0"/>
+          </a:gradFill>
+          <a:ln w="6350" cap="flat" cmpd="sng" algn="ctr">
+            <a:solidFill>
+              <a:srgbClr val="70AD47"/>
+            </a:solidFill>
+            <a:prstDash val="solid"/>
+            <a:miter lim="800000"/>
+          </a:ln>
+          <a:effectLst/>
+        </p:spPr>
+        <p:txBody>
+          <a:bodyPr rtlCol="0" anchor="ctr"/>
+          <a:lstStyle/>
+          <a:p>
+            <a:pPr marL="0" marR="0" lvl="0" indent="0" algn="ctr" defTabSz="914400" eaLnBrk="1" fontAlgn="auto" latinLnBrk="0" hangingPunct="1">
+              <a:lnSpc>
+                <a:spcPct val="100000"/>
+              </a:lnSpc>
+              <a:spcBef>
+                <a:spcPts val="0"/>
+              </a:spcBef>
+              <a:spcAft>
+                <a:spcPts val="0"/>
+              </a:spcAft>
+              <a:buClrTx/>
+              <a:buSzTx/>
+              <a:buFontTx/>
+              <a:buNone/>
+              <a:tabLst/>
+              <a:defRPr/>
+            </a:pPr>
+            <a:r>
+              <a:rPr kumimoji="0" lang="en-US" altLang="zh-TW" sz="2400" b="0" i="0" u="none" strike="noStrike" kern="0" cap="none" spc="0" normalizeH="0" baseline="0" noProof="0" dirty="0" smtClean="0">
+                <a:ln>
+                  <a:noFill/>
+                </a:ln>
+                <a:solidFill>
+                  <a:prstClr val="black"/>
+                </a:solidFill>
+                <a:effectLst/>
+                <a:uLnTx/>
+                <a:uFillTx/>
+                <a:latin typeface="Calibri" panose="020F0502020204030204"/>
+                <a:ea typeface="新細明體" panose="02020500000000000000" pitchFamily="18" charset="-120"/>
+                <a:cs typeface="+mn-cs"/>
+              </a:rPr>
+              <a:t>NN</a:t>
+            </a:r>
+          </a:p>
+          <a:p>
+            <a:pPr marL="0" marR="0" lvl="0" indent="0" algn="ctr" defTabSz="914400" eaLnBrk="1" fontAlgn="auto" latinLnBrk="0" hangingPunct="1">
+              <a:lnSpc>
+                <a:spcPct val="100000"/>
+              </a:lnSpc>
+              <a:spcBef>
+                <a:spcPts val="0"/>
+              </a:spcBef>
+              <a:spcAft>
+                <a:spcPts val="0"/>
+              </a:spcAft>
+              <a:buClrTx/>
+              <a:buSzTx/>
+              <a:buFontTx/>
+              <a:buNone/>
+              <a:tabLst/>
+              <a:defRPr/>
+            </a:pPr>
+            <a:r>
+              <a:rPr kumimoji="0" lang="en-US" altLang="zh-TW" sz="2400" b="0" i="0" u="none" strike="noStrike" kern="0" cap="none" spc="0" normalizeH="0" baseline="0" noProof="0" dirty="0" smtClean="0">
+                <a:ln>
+                  <a:noFill/>
+                </a:ln>
+                <a:solidFill>
+                  <a:prstClr val="black"/>
+                </a:solidFill>
+                <a:effectLst/>
+                <a:uLnTx/>
+                <a:uFillTx/>
+                <a:latin typeface="Calibri" panose="020F0502020204030204"/>
+                <a:ea typeface="新細明體" panose="02020500000000000000" pitchFamily="18" charset="-120"/>
+                <a:cs typeface="+mn-cs"/>
+              </a:rPr>
+              <a:t>Decoder</a:t>
+            </a:r>
+            <a:endParaRPr kumimoji="0" lang="zh-TW" altLang="en-US" sz="2400" b="0" i="0" u="none" strike="noStrike" kern="0" cap="none" spc="0" normalizeH="0" baseline="0" noProof="0" dirty="0" smtClean="0">
+              <a:ln>
+                <a:noFill/>
+              </a:ln>
+              <a:solidFill>
+                <a:prstClr val="black"/>
+              </a:solidFill>
+              <a:effectLst/>
+              <a:uLnTx/>
+              <a:uFillTx/>
+              <a:latin typeface="Calibri" panose="020F0502020204030204"/>
+              <a:ea typeface="新細明體" panose="02020500000000000000" pitchFamily="18" charset="-120"/>
+              <a:cs typeface="+mn-cs"/>
+            </a:endParaRPr>
+          </a:p>
+        </p:txBody>
+      </p:sp>
+      <p:sp>
+        <p:nvSpPr>
+          <p:cNvPr id="57" name="向右箭號 9"/>
+          <p:cNvSpPr/>
+          <p:nvPr/>
+        </p:nvSpPr>
+        <p:spPr>
+          <a:xfrm>
+            <a:off x="3933843" y="3131356"/>
+            <a:ext cx="321427" cy="605235"/>
+          </a:xfrm>
+          <a:prstGeom prst="rightArrow">
+            <a:avLst/>
+          </a:prstGeom>
+          <a:solidFill>
+            <a:sysClr val="windowText" lastClr="000000"/>
+          </a:solidFill>
+          <a:ln w="12700" cap="flat" cmpd="sng" algn="ctr">
+            <a:solidFill>
+              <a:sysClr val="windowText" lastClr="000000">
+                <a:shade val="50000"/>
+              </a:sysClr>
+            </a:solidFill>
+            <a:prstDash val="solid"/>
+            <a:miter lim="800000"/>
+          </a:ln>
+          <a:effectLst/>
+        </p:spPr>
+        <p:txBody>
+          <a:bodyPr rtlCol="0" anchor="ctr"/>
+          <a:lstStyle/>
+          <a:p>
+            <a:pPr marL="0" marR="0" lvl="0" indent="0" algn="ctr" defTabSz="914400" eaLnBrk="1" fontAlgn="auto" latinLnBrk="0" hangingPunct="1">
+              <a:lnSpc>
+                <a:spcPct val="100000"/>
+              </a:lnSpc>
+              <a:spcBef>
+                <a:spcPts val="0"/>
+              </a:spcBef>
+              <a:spcAft>
+                <a:spcPts val="0"/>
+              </a:spcAft>
+              <a:buClrTx/>
+              <a:buSzTx/>
+              <a:buFontTx/>
+              <a:buNone/>
+              <a:tabLst/>
+              <a:defRPr/>
+            </a:pPr>
+            <a:endParaRPr kumimoji="0" lang="zh-TW" altLang="en-US" sz="1800" b="0" i="0" u="none" strike="noStrike" kern="0" cap="none" spc="0" normalizeH="0" baseline="0" noProof="0" dirty="0" smtClean="0">
+              <a:ln>
+                <a:noFill/>
+              </a:ln>
+              <a:solidFill>
+                <a:prstClr val="white"/>
+              </a:solidFill>
+              <a:effectLst/>
+              <a:uLnTx/>
+              <a:uFillTx/>
+              <a:latin typeface="Calibri" panose="020F0502020204030204"/>
+              <a:ea typeface="新細明體" panose="02020500000000000000" pitchFamily="18" charset="-120"/>
+              <a:cs typeface="+mn-cs"/>
+            </a:endParaRPr>
+          </a:p>
+        </p:txBody>
+      </p:sp>
+      <p:sp>
+        <p:nvSpPr>
+          <p:cNvPr id="58" name="向右箭號 9"/>
+          <p:cNvSpPr/>
+          <p:nvPr/>
+        </p:nvSpPr>
+        <p:spPr>
+          <a:xfrm>
+            <a:off x="4936507" y="3148376"/>
+            <a:ext cx="321427" cy="605235"/>
+          </a:xfrm>
+          <a:prstGeom prst="rightArrow">
+            <a:avLst/>
+          </a:prstGeom>
+          <a:solidFill>
+            <a:sysClr val="windowText" lastClr="000000"/>
+          </a:solidFill>
+          <a:ln w="12700" cap="flat" cmpd="sng" algn="ctr">
+            <a:solidFill>
+              <a:sysClr val="windowText" lastClr="000000">
+                <a:shade val="50000"/>
+              </a:sysClr>
+            </a:solidFill>
+            <a:prstDash val="solid"/>
+            <a:miter lim="800000"/>
+          </a:ln>
+          <a:effectLst/>
+        </p:spPr>
+        <p:txBody>
+          <a:bodyPr rtlCol="0" anchor="ctr"/>
+          <a:lstStyle/>
+          <a:p>
+            <a:pPr marL="0" marR="0" lvl="0" indent="0" algn="ctr" defTabSz="914400" eaLnBrk="1" fontAlgn="auto" latinLnBrk="0" hangingPunct="1">
+              <a:lnSpc>
+                <a:spcPct val="100000"/>
+              </a:lnSpc>
+              <a:spcBef>
+                <a:spcPts val="0"/>
+              </a:spcBef>
+              <a:spcAft>
+                <a:spcPts val="0"/>
+              </a:spcAft>
+              <a:buClrTx/>
+              <a:buSzTx/>
+              <a:buFontTx/>
+              <a:buNone/>
+              <a:tabLst/>
+              <a:defRPr/>
+            </a:pPr>
+            <a:endParaRPr kumimoji="0" lang="zh-TW" altLang="en-US" sz="1800" b="0" i="0" u="none" strike="noStrike" kern="0" cap="none" spc="0" normalizeH="0" baseline="0" noProof="0" dirty="0" smtClean="0">
+              <a:ln>
+                <a:noFill/>
+              </a:ln>
+              <a:solidFill>
+                <a:prstClr val="white"/>
+              </a:solidFill>
+              <a:effectLst/>
+              <a:uLnTx/>
+              <a:uFillTx/>
+              <a:latin typeface="Calibri" panose="020F0502020204030204"/>
+              <a:ea typeface="新細明體" panose="02020500000000000000" pitchFamily="18" charset="-120"/>
+              <a:cs typeface="+mn-cs"/>
+            </a:endParaRPr>
+          </a:p>
+        </p:txBody>
+      </p:sp>
+      <p:sp>
+        <p:nvSpPr>
+          <p:cNvPr id="59" name="向右箭號 9"/>
+          <p:cNvSpPr/>
+          <p:nvPr/>
+        </p:nvSpPr>
+        <p:spPr>
+          <a:xfrm>
+            <a:off x="6789585" y="3148376"/>
+            <a:ext cx="321427" cy="605235"/>
+          </a:xfrm>
+          <a:prstGeom prst="rightArrow">
+            <a:avLst/>
+          </a:prstGeom>
+          <a:solidFill>
+            <a:sysClr val="windowText" lastClr="000000"/>
+          </a:solidFill>
+          <a:ln w="12700" cap="flat" cmpd="sng" algn="ctr">
+            <a:solidFill>
+              <a:sysClr val="windowText" lastClr="000000">
+                <a:shade val="50000"/>
+              </a:sysClr>
+            </a:solidFill>
+            <a:prstDash val="solid"/>
+            <a:miter lim="800000"/>
+          </a:ln>
+          <a:effectLst/>
+        </p:spPr>
+        <p:txBody>
+          <a:bodyPr rtlCol="0" anchor="ctr"/>
+          <a:lstStyle/>
+          <a:p>
+            <a:pPr marL="0" marR="0" lvl="0" indent="0" algn="ctr" defTabSz="914400" eaLnBrk="1" fontAlgn="auto" latinLnBrk="0" hangingPunct="1">
+              <a:lnSpc>
+                <a:spcPct val="100000"/>
+              </a:lnSpc>
+              <a:spcBef>
+                <a:spcPts val="0"/>
+              </a:spcBef>
+              <a:spcAft>
+                <a:spcPts val="0"/>
+              </a:spcAft>
+              <a:buClrTx/>
+              <a:buSzTx/>
+              <a:buFontTx/>
+              <a:buNone/>
+              <a:tabLst/>
+              <a:defRPr/>
+            </a:pPr>
+            <a:endParaRPr kumimoji="0" lang="zh-TW" altLang="en-US" sz="1800" b="0" i="0" u="none" strike="noStrike" kern="0" cap="none" spc="0" normalizeH="0" baseline="0" noProof="0" dirty="0" smtClean="0">
+              <a:ln>
+                <a:noFill/>
+              </a:ln>
+              <a:solidFill>
+                <a:prstClr val="white"/>
+              </a:solidFill>
+              <a:effectLst/>
+              <a:uLnTx/>
+              <a:uFillTx/>
+              <a:latin typeface="Calibri" panose="020F0502020204030204"/>
+              <a:ea typeface="新細明體" panose="02020500000000000000" pitchFamily="18" charset="-120"/>
+              <a:cs typeface="+mn-cs"/>
+            </a:endParaRPr>
+          </a:p>
+        </p:txBody>
+      </p:sp>
+      <p:sp>
+        <p:nvSpPr>
+          <p:cNvPr id="60" name="文字方塊 59"/>
+          <p:cNvSpPr txBox="1"/>
+          <p:nvPr/>
+        </p:nvSpPr>
+        <p:spPr>
+          <a:xfrm rot="5400000">
+            <a:off x="4086294" y="3189469"/>
+            <a:ext cx="1103613" cy="461665"/>
+          </a:xfrm>
+          <a:prstGeom prst="rect">
+            <a:avLst/>
+          </a:prstGeom>
+          <a:noFill/>
+        </p:spPr>
+        <p:txBody>
+          <a:bodyPr wrap="square" rtlCol="0">
+            <a:spAutoFit/>
+          </a:bodyPr>
+          <a:lstStyle/>
+          <a:p>
+            <a:pPr algn="ctr"/>
+            <a:r>
+              <a:rPr lang="en-US" altLang="zh-TW" sz="2400" dirty="0">
+                <a:solidFill>
+                  <a:prstClr val="black"/>
+                </a:solidFill>
+                <a:latin typeface="Calibri" panose="020F0502020204030204"/>
+                <a:ea typeface="新細明體" panose="02020500000000000000" pitchFamily="18" charset="-120"/>
+              </a:rPr>
+              <a:t>code</a:t>
+            </a:r>
+            <a:endParaRPr lang="zh-TW" altLang="en-US" sz="2400" dirty="0">
+              <a:solidFill>
+                <a:prstClr val="black"/>
+              </a:solidFill>
+              <a:latin typeface="Calibri" panose="020F0502020204030204"/>
+              <a:ea typeface="新細明體" panose="02020500000000000000" pitchFamily="18" charset="-120"/>
+            </a:endParaRPr>
+          </a:p>
+        </p:txBody>
+      </p:sp>
+      <p:sp>
+        <p:nvSpPr>
+          <p:cNvPr id="61" name="矩形 60"/>
+          <p:cNvSpPr/>
+          <p:nvPr/>
+        </p:nvSpPr>
+        <p:spPr>
+          <a:xfrm rot="5400000">
+            <a:off x="3590719" y="5240409"/>
+            <a:ext cx="1209244" cy="468000"/>
+          </a:xfrm>
+          <a:prstGeom prst="rect">
+            <a:avLst/>
+          </a:prstGeom>
+          <a:gradFill rotWithShape="1">
+            <a:gsLst>
+              <a:gs pos="0">
+                <a:srgbClr val="ED7D31">
+                  <a:lumMod val="110000"/>
+                  <a:satMod val="105000"/>
+                  <a:tint val="67000"/>
+                </a:srgbClr>
+              </a:gs>
+              <a:gs pos="50000">
+                <a:srgbClr val="ED7D31">
+                  <a:lumMod val="105000"/>
+                  <a:satMod val="103000"/>
+                  <a:tint val="73000"/>
+                </a:srgbClr>
+              </a:gs>
+              <a:gs pos="100000">
+                <a:srgbClr val="ED7D31">
+                  <a:lumMod val="105000"/>
+                  <a:satMod val="109000"/>
+                  <a:tint val="81000"/>
+                </a:srgbClr>
+              </a:gs>
+            </a:gsLst>
+            <a:lin ang="5400000" scaled="0"/>
+          </a:gradFill>
+          <a:ln w="6350" cap="flat" cmpd="sng" algn="ctr">
+            <a:solidFill>
+              <a:srgbClr val="ED7D31"/>
+            </a:solidFill>
+            <a:prstDash val="solid"/>
+            <a:miter lim="800000"/>
+          </a:ln>
+          <a:effectLst/>
+        </p:spPr>
+        <p:txBody>
+          <a:bodyPr rtlCol="0" anchor="ctr"/>
+          <a:lstStyle/>
+          <a:p>
+            <a:pPr marL="0" marR="0" lvl="0" indent="0" algn="ctr" defTabSz="914400" eaLnBrk="1" fontAlgn="auto" latinLnBrk="0" hangingPunct="1">
+              <a:lnSpc>
+                <a:spcPct val="100000"/>
+              </a:lnSpc>
+              <a:spcBef>
+                <a:spcPts val="0"/>
+              </a:spcBef>
+              <a:spcAft>
+                <a:spcPts val="0"/>
+              </a:spcAft>
+              <a:buClrTx/>
+              <a:buSzTx/>
+              <a:buFontTx/>
+              <a:buNone/>
+              <a:tabLst/>
+              <a:defRPr/>
+            </a:pPr>
+            <a:endParaRPr kumimoji="0" lang="zh-TW" altLang="en-US" sz="2400" b="0" i="0" u="none" strike="noStrike" kern="0" cap="none" spc="0" normalizeH="0" baseline="0" noProof="0" dirty="0" smtClean="0">
+              <a:ln>
+                <a:noFill/>
+              </a:ln>
+              <a:solidFill>
+                <a:prstClr val="black"/>
+              </a:solidFill>
+              <a:effectLst/>
+              <a:uLnTx/>
+              <a:uFillTx/>
+              <a:latin typeface="Calibri" panose="020F0502020204030204"/>
+              <a:ea typeface="新細明體" panose="02020500000000000000" pitchFamily="18" charset="-120"/>
+              <a:cs typeface="+mn-cs"/>
+            </a:endParaRPr>
+          </a:p>
+        </p:txBody>
+      </p:sp>
+      <p:sp>
+        <p:nvSpPr>
+          <p:cNvPr id="62" name="矩形 61"/>
+          <p:cNvSpPr/>
+          <p:nvPr/>
+        </p:nvSpPr>
+        <p:spPr>
+          <a:xfrm>
+            <a:off x="4936507" y="5022311"/>
+            <a:ext cx="1308100" cy="981335"/>
+          </a:xfrm>
+          <a:prstGeom prst="rect">
+            <a:avLst/>
+          </a:prstGeom>
+          <a:gradFill rotWithShape="1">
+            <a:gsLst>
+              <a:gs pos="0">
+                <a:srgbClr val="70AD47">
+                  <a:lumMod val="110000"/>
+                  <a:satMod val="105000"/>
+                  <a:tint val="67000"/>
+                </a:srgbClr>
+              </a:gs>
+              <a:gs pos="50000">
+                <a:srgbClr val="70AD47">
+                  <a:lumMod val="105000"/>
+                  <a:satMod val="103000"/>
+                  <a:tint val="73000"/>
+                </a:srgbClr>
+              </a:gs>
+              <a:gs pos="100000">
+                <a:srgbClr val="70AD47">
+                  <a:lumMod val="105000"/>
+                  <a:satMod val="109000"/>
+                  <a:tint val="81000"/>
+                </a:srgbClr>
+              </a:gs>
+            </a:gsLst>
+            <a:lin ang="5400000" scaled="0"/>
+          </a:gradFill>
+          <a:ln w="6350" cap="flat" cmpd="sng" algn="ctr">
+            <a:solidFill>
+              <a:srgbClr val="70AD47"/>
+            </a:solidFill>
+            <a:prstDash val="solid"/>
+            <a:miter lim="800000"/>
+          </a:ln>
+          <a:effectLst/>
+        </p:spPr>
+        <p:txBody>
+          <a:bodyPr rtlCol="0" anchor="ctr"/>
+          <a:lstStyle/>
+          <a:p>
+            <a:pPr marL="0" marR="0" lvl="0" indent="0" algn="ctr" defTabSz="914400" eaLnBrk="1" fontAlgn="auto" latinLnBrk="0" hangingPunct="1">
+              <a:lnSpc>
+                <a:spcPct val="100000"/>
+              </a:lnSpc>
+              <a:spcBef>
+                <a:spcPts val="0"/>
+              </a:spcBef>
+              <a:spcAft>
+                <a:spcPts val="0"/>
+              </a:spcAft>
+              <a:buClrTx/>
+              <a:buSzTx/>
+              <a:buFontTx/>
+              <a:buNone/>
+              <a:tabLst/>
+              <a:defRPr/>
+            </a:pPr>
+            <a:r>
+              <a:rPr kumimoji="0" lang="en-US" altLang="zh-TW" sz="2400" b="0" i="0" u="none" strike="noStrike" kern="0" cap="none" spc="0" normalizeH="0" baseline="0" noProof="0" dirty="0" smtClean="0">
+                <a:ln>
+                  <a:noFill/>
+                </a:ln>
+                <a:solidFill>
+                  <a:prstClr val="black"/>
+                </a:solidFill>
+                <a:effectLst/>
+                <a:uLnTx/>
+                <a:uFillTx/>
+                <a:latin typeface="Calibri" panose="020F0502020204030204"/>
+                <a:ea typeface="新細明體" panose="02020500000000000000" pitchFamily="18" charset="-120"/>
+                <a:cs typeface="+mn-cs"/>
+              </a:rPr>
+              <a:t>NN</a:t>
+            </a:r>
+          </a:p>
+          <a:p>
+            <a:pPr marL="0" marR="0" lvl="0" indent="0" algn="ctr" defTabSz="914400" eaLnBrk="1" fontAlgn="auto" latinLnBrk="0" hangingPunct="1">
+              <a:lnSpc>
+                <a:spcPct val="100000"/>
+              </a:lnSpc>
+              <a:spcBef>
+                <a:spcPts val="0"/>
+              </a:spcBef>
+              <a:spcAft>
+                <a:spcPts val="0"/>
+              </a:spcAft>
+              <a:buClrTx/>
+              <a:buSzTx/>
+              <a:buFontTx/>
+              <a:buNone/>
+              <a:tabLst/>
+              <a:defRPr/>
+            </a:pPr>
+            <a:r>
+              <a:rPr kumimoji="0" lang="en-US" altLang="zh-TW" sz="2400" b="0" i="0" u="none" strike="noStrike" kern="0" cap="none" spc="0" normalizeH="0" baseline="0" noProof="0" dirty="0" smtClean="0">
+                <a:ln>
+                  <a:noFill/>
+                </a:ln>
+                <a:solidFill>
+                  <a:prstClr val="black"/>
+                </a:solidFill>
+                <a:effectLst/>
+                <a:uLnTx/>
+                <a:uFillTx/>
+                <a:latin typeface="Calibri" panose="020F0502020204030204"/>
+                <a:ea typeface="新細明體" panose="02020500000000000000" pitchFamily="18" charset="-120"/>
+                <a:cs typeface="+mn-cs"/>
+              </a:rPr>
+              <a:t>Decoder</a:t>
+            </a:r>
+            <a:endParaRPr kumimoji="0" lang="zh-TW" altLang="en-US" sz="2400" b="0" i="0" u="none" strike="noStrike" kern="0" cap="none" spc="0" normalizeH="0" baseline="0" noProof="0" dirty="0" smtClean="0">
+              <a:ln>
+                <a:noFill/>
+              </a:ln>
+              <a:solidFill>
+                <a:prstClr val="black"/>
+              </a:solidFill>
+              <a:effectLst/>
+              <a:uLnTx/>
+              <a:uFillTx/>
+              <a:latin typeface="Calibri" panose="020F0502020204030204"/>
+              <a:ea typeface="新細明體" panose="02020500000000000000" pitchFamily="18" charset="-120"/>
+              <a:cs typeface="+mn-cs"/>
+            </a:endParaRPr>
+          </a:p>
+        </p:txBody>
+      </p:sp>
+      <p:sp>
+        <p:nvSpPr>
+          <p:cNvPr id="63" name="向右箭號 9"/>
+          <p:cNvSpPr/>
+          <p:nvPr/>
+        </p:nvSpPr>
+        <p:spPr>
+          <a:xfrm>
+            <a:off x="4519665" y="5202483"/>
+            <a:ext cx="321427" cy="605235"/>
+          </a:xfrm>
+          <a:prstGeom prst="rightArrow">
+            <a:avLst/>
+          </a:prstGeom>
+          <a:solidFill>
+            <a:sysClr val="windowText" lastClr="000000"/>
+          </a:solidFill>
+          <a:ln w="12700" cap="flat" cmpd="sng" algn="ctr">
+            <a:solidFill>
+              <a:sysClr val="windowText" lastClr="000000">
+                <a:shade val="50000"/>
+              </a:sysClr>
+            </a:solidFill>
+            <a:prstDash val="solid"/>
+            <a:miter lim="800000"/>
+          </a:ln>
+          <a:effectLst/>
+        </p:spPr>
+        <p:txBody>
+          <a:bodyPr rtlCol="0" anchor="ctr"/>
+          <a:lstStyle/>
+          <a:p>
+            <a:pPr marL="0" marR="0" lvl="0" indent="0" algn="ctr" defTabSz="914400" eaLnBrk="1" fontAlgn="auto" latinLnBrk="0" hangingPunct="1">
+              <a:lnSpc>
+                <a:spcPct val="100000"/>
+              </a:lnSpc>
+              <a:spcBef>
+                <a:spcPts val="0"/>
+              </a:spcBef>
+              <a:spcAft>
+                <a:spcPts val="0"/>
+              </a:spcAft>
+              <a:buClrTx/>
+              <a:buSzTx/>
+              <a:buFontTx/>
+              <a:buNone/>
+              <a:tabLst/>
+              <a:defRPr/>
+            </a:pPr>
+            <a:endParaRPr kumimoji="0" lang="zh-TW" altLang="en-US" sz="1800" b="0" i="0" u="none" strike="noStrike" kern="0" cap="none" spc="0" normalizeH="0" baseline="0" noProof="0" dirty="0" smtClean="0">
+              <a:ln>
+                <a:noFill/>
+              </a:ln>
+              <a:solidFill>
+                <a:prstClr val="white"/>
+              </a:solidFill>
+              <a:effectLst/>
+              <a:uLnTx/>
+              <a:uFillTx/>
+              <a:latin typeface="Calibri" panose="020F0502020204030204"/>
+              <a:ea typeface="新細明體" panose="02020500000000000000" pitchFamily="18" charset="-120"/>
+              <a:cs typeface="+mn-cs"/>
+            </a:endParaRPr>
+          </a:p>
+        </p:txBody>
+      </p:sp>
+      <p:sp>
+        <p:nvSpPr>
+          <p:cNvPr id="64" name="向右箭號 9"/>
+          <p:cNvSpPr/>
+          <p:nvPr/>
+        </p:nvSpPr>
+        <p:spPr>
+          <a:xfrm>
+            <a:off x="6372743" y="5202483"/>
+            <a:ext cx="321427" cy="605235"/>
+          </a:xfrm>
+          <a:prstGeom prst="rightArrow">
+            <a:avLst/>
+          </a:prstGeom>
+          <a:solidFill>
+            <a:sysClr val="windowText" lastClr="000000"/>
+          </a:solidFill>
+          <a:ln w="12700" cap="flat" cmpd="sng" algn="ctr">
+            <a:solidFill>
+              <a:sysClr val="windowText" lastClr="000000">
+                <a:shade val="50000"/>
+              </a:sysClr>
+            </a:solidFill>
+            <a:prstDash val="solid"/>
+            <a:miter lim="800000"/>
+          </a:ln>
+          <a:effectLst/>
+        </p:spPr>
+        <p:txBody>
+          <a:bodyPr rtlCol="0" anchor="ctr"/>
+          <a:lstStyle/>
+          <a:p>
+            <a:pPr marL="0" marR="0" lvl="0" indent="0" algn="ctr" defTabSz="914400" eaLnBrk="1" fontAlgn="auto" latinLnBrk="0" hangingPunct="1">
+              <a:lnSpc>
+                <a:spcPct val="100000"/>
+              </a:lnSpc>
+              <a:spcBef>
+                <a:spcPts val="0"/>
+              </a:spcBef>
+              <a:spcAft>
+                <a:spcPts val="0"/>
+              </a:spcAft>
+              <a:buClrTx/>
+              <a:buSzTx/>
+              <a:buFontTx/>
+              <a:buNone/>
+              <a:tabLst/>
+              <a:defRPr/>
+            </a:pPr>
+            <a:endParaRPr kumimoji="0" lang="zh-TW" altLang="en-US" sz="1800" b="0" i="0" u="none" strike="noStrike" kern="0" cap="none" spc="0" normalizeH="0" baseline="0" noProof="0" dirty="0" smtClean="0">
+              <a:ln>
+                <a:noFill/>
+              </a:ln>
+              <a:solidFill>
+                <a:prstClr val="white"/>
+              </a:solidFill>
+              <a:effectLst/>
+              <a:uLnTx/>
+              <a:uFillTx/>
+              <a:latin typeface="Calibri" panose="020F0502020204030204"/>
+              <a:ea typeface="新細明體" panose="02020500000000000000" pitchFamily="18" charset="-120"/>
+              <a:cs typeface="+mn-cs"/>
+            </a:endParaRPr>
+          </a:p>
+        </p:txBody>
+      </p:sp>
+      <p:sp>
+        <p:nvSpPr>
+          <p:cNvPr id="65" name="文字方塊 64"/>
+          <p:cNvSpPr txBox="1"/>
+          <p:nvPr/>
+        </p:nvSpPr>
+        <p:spPr>
+          <a:xfrm rot="5400000">
+            <a:off x="3669452" y="5243576"/>
+            <a:ext cx="1103613" cy="461665"/>
+          </a:xfrm>
+          <a:prstGeom prst="rect">
+            <a:avLst/>
+          </a:prstGeom>
+          <a:noFill/>
+        </p:spPr>
+        <p:txBody>
+          <a:bodyPr wrap="square" rtlCol="0">
+            <a:spAutoFit/>
+          </a:bodyPr>
+          <a:lstStyle/>
+          <a:p>
+            <a:pPr algn="ctr"/>
+            <a:r>
+              <a:rPr lang="en-US" altLang="zh-TW" sz="2400" dirty="0">
+                <a:solidFill>
+                  <a:prstClr val="black"/>
+                </a:solidFill>
+                <a:latin typeface="Calibri" panose="020F0502020204030204"/>
+                <a:ea typeface="新細明體" panose="02020500000000000000" pitchFamily="18" charset="-120"/>
+              </a:rPr>
+              <a:t>code</a:t>
+            </a:r>
+            <a:endParaRPr lang="zh-TW" altLang="en-US" sz="2400" dirty="0">
+              <a:solidFill>
+                <a:prstClr val="black"/>
+              </a:solidFill>
+              <a:latin typeface="Calibri" panose="020F0502020204030204"/>
+              <a:ea typeface="新細明體" panose="02020500000000000000" pitchFamily="18" charset="-120"/>
+            </a:endParaRPr>
+          </a:p>
+        </p:txBody>
+      </p:sp>
+      <p:sp>
+        <p:nvSpPr>
+          <p:cNvPr id="66" name="文字方塊 65"/>
+          <p:cNvSpPr txBox="1"/>
+          <p:nvPr/>
+        </p:nvSpPr>
+        <p:spPr>
+          <a:xfrm>
+            <a:off x="1170853" y="5071955"/>
+            <a:ext cx="2755506" cy="830997"/>
+          </a:xfrm>
+          <a:prstGeom prst="rect">
+            <a:avLst/>
+          </a:prstGeom>
+          <a:noFill/>
+        </p:spPr>
+        <p:txBody>
+          <a:bodyPr wrap="square" rtlCol="0">
+            <a:spAutoFit/>
+          </a:bodyPr>
+          <a:lstStyle/>
+          <a:p>
+            <a:r>
+              <a:rPr lang="en-US" altLang="zh-TW" sz="2400" dirty="0">
+                <a:solidFill>
+                  <a:prstClr val="black"/>
+                </a:solidFill>
+                <a:latin typeface="Calibri" panose="020F0502020204030204"/>
+                <a:ea typeface="新細明體" panose="02020500000000000000" pitchFamily="18" charset="-120"/>
+              </a:rPr>
+              <a:t>Randomly generate a vector as code</a:t>
+            </a:r>
+            <a:endParaRPr lang="zh-TW" altLang="en-US" sz="2400" dirty="0">
+              <a:solidFill>
+                <a:prstClr val="black"/>
+              </a:solidFill>
+              <a:latin typeface="Calibri" panose="020F0502020204030204"/>
+              <a:ea typeface="新細明體" panose="02020500000000000000" pitchFamily="18" charset="-120"/>
+            </a:endParaRPr>
+          </a:p>
+        </p:txBody>
+      </p:sp>
+      <p:sp>
+        <p:nvSpPr>
+          <p:cNvPr id="68" name="文字方塊 67"/>
+          <p:cNvSpPr txBox="1"/>
+          <p:nvPr/>
+        </p:nvSpPr>
+        <p:spPr>
+          <a:xfrm>
+            <a:off x="685800" y="6182981"/>
+            <a:ext cx="7772400" cy="646331"/>
+          </a:xfrm>
+          <a:prstGeom prst="rect">
+            <a:avLst/>
+          </a:prstGeom>
+          <a:noFill/>
+        </p:spPr>
+        <p:txBody>
+          <a:bodyPr wrap="square" rtlCol="0">
+            <a:spAutoFit/>
+          </a:bodyPr>
+          <a:lstStyle/>
+          <a:p>
+            <a:r>
+              <a:rPr lang="en-US" altLang="zh-TW" sz="1200" dirty="0"/>
+              <a:t>From Hung-</a:t>
+            </a:r>
+            <a:r>
+              <a:rPr lang="en-US" altLang="zh-TW" sz="1200" dirty="0" err="1"/>
+              <a:t>yi</a:t>
+            </a:r>
+            <a:r>
+              <a:rPr lang="en-US" altLang="zh-TW" sz="1200" dirty="0"/>
+              <a:t> </a:t>
+            </a:r>
+            <a:r>
+              <a:rPr lang="en-US" altLang="zh-TW" sz="1200" dirty="0" smtClean="0"/>
+              <a:t>Lee</a:t>
+            </a:r>
+            <a:r>
+              <a:rPr lang="en-US" altLang="zh-TW" sz="1200" dirty="0"/>
+              <a:t>, </a:t>
+            </a:r>
+            <a:r>
+              <a:rPr lang="en-US" altLang="zh-TW" sz="1200" dirty="0" smtClean="0"/>
+              <a:t>“</a:t>
+            </a:r>
+            <a:r>
+              <a:rPr lang="en-US" altLang="zh-TW" sz="1200" dirty="0"/>
+              <a:t>Generative Adversarial Network/Basic Idea/Machine Learning and having it deep and structured (2017,Spring)”</a:t>
+            </a:r>
+          </a:p>
+          <a:p>
+            <a:r>
+              <a:rPr lang="en-US" altLang="zh-TW" sz="1200" dirty="0"/>
+              <a:t>http://speech.ee.ntu.edu.tw/~tlkagk/courses_MLDS17.html</a:t>
+            </a:r>
+            <a:endParaRPr lang="zh-TW" altLang="en-US" sz="1200" dirty="0"/>
+          </a:p>
+        </p:txBody>
+      </p:sp>
     </p:spTree>
     <p:extLst>
       <p:ext uri="{BB962C8B-B14F-4D97-AF65-F5344CB8AC3E}">
-        <p14:creationId xmlns:p14="http://schemas.microsoft.com/office/powerpoint/2010/main" val="1037424160"/>
+        <p14:creationId xmlns:p14="http://schemas.microsoft.com/office/powerpoint/2010/main" val="3534578781"/>
       </p:ext>
     </p:extLst>
   </p:cSld>
   <p:clrMapOvr>
     <a:masterClrMapping/>
   </p:clrMapOvr>
+  <p:timing>
+    <p:tnLst>
+      <p:par>
+        <p:cTn id="1" dur="indefinite" restart="never" nodeType="tmRoot">
+          <p:childTnLst>
+            <p:seq concurrent="1" nextAc="seek">
+              <p:cTn id="2" dur="indefinite" nodeType="mainSeq">
+                <p:childTnLst>
+                  <p:par>
+                    <p:cTn id="3" fill="hold">
+                      <p:stCondLst>
+                        <p:cond delay="indefinite"/>
+                      </p:stCondLst>
+                      <p:childTnLst>
+                        <p:par>
+                          <p:cTn id="4" fill="hold">
+                            <p:stCondLst>
+                              <p:cond delay="0"/>
+                            </p:stCondLst>
+                            <p:childTnLst>
+                              <p:par>
+                                <p:cTn id="5" presetID="1" presetClass="entr" presetSubtype="0" fill="hold" grpId="0" nodeType="clickEffect">
+                                  <p:stCondLst>
+                                    <p:cond delay="0"/>
+                                  </p:stCondLst>
+                                  <p:childTnLst>
+                                    <p:set>
+                                      <p:cBhvr>
+                                        <p:cTn id="6" dur="1" fill="hold">
+                                          <p:stCondLst>
+                                            <p:cond delay="0"/>
+                                          </p:stCondLst>
+                                        </p:cTn>
+                                        <p:tgtEl>
+                                          <p:spTgt spid="62"/>
+                                        </p:tgtEl>
+                                        <p:attrNameLst>
+                                          <p:attrName>style.visibility</p:attrName>
+                                        </p:attrNameLst>
+                                      </p:cBhvr>
+                                      <p:to>
+                                        <p:strVal val="visible"/>
+                                      </p:to>
+                                    </p:set>
+                                  </p:childTnLst>
+                                </p:cTn>
+                              </p:par>
+                            </p:childTnLst>
+                          </p:cTn>
+                        </p:par>
+                      </p:childTnLst>
+                    </p:cTn>
+                  </p:par>
+                  <p:par>
+                    <p:cTn id="7" fill="hold">
+                      <p:stCondLst>
+                        <p:cond delay="indefinite"/>
+                      </p:stCondLst>
+                      <p:childTnLst>
+                        <p:par>
+                          <p:cTn id="8" fill="hold">
+                            <p:stCondLst>
+                              <p:cond delay="0"/>
+                            </p:stCondLst>
+                            <p:childTnLst>
+                              <p:par>
+                                <p:cTn id="9" presetID="1" presetClass="entr" presetSubtype="0" fill="hold" grpId="0" nodeType="clickEffect">
+                                  <p:stCondLst>
+                                    <p:cond delay="0"/>
+                                  </p:stCondLst>
+                                  <p:childTnLst>
+                                    <p:set>
+                                      <p:cBhvr>
+                                        <p:cTn id="10" dur="1" fill="hold">
+                                          <p:stCondLst>
+                                            <p:cond delay="0"/>
+                                          </p:stCondLst>
+                                        </p:cTn>
+                                        <p:tgtEl>
+                                          <p:spTgt spid="61"/>
+                                        </p:tgtEl>
+                                        <p:attrNameLst>
+                                          <p:attrName>style.visibility</p:attrName>
+                                        </p:attrNameLst>
+                                      </p:cBhvr>
+                                      <p:to>
+                                        <p:strVal val="visible"/>
+                                      </p:to>
+                                    </p:set>
+                                  </p:childTnLst>
+                                </p:cTn>
+                              </p:par>
+                              <p:par>
+                                <p:cTn id="11" presetID="1" presetClass="entr" presetSubtype="0" fill="hold" grpId="0" nodeType="withEffect">
+                                  <p:stCondLst>
+                                    <p:cond delay="0"/>
+                                  </p:stCondLst>
+                                  <p:childTnLst>
+                                    <p:set>
+                                      <p:cBhvr>
+                                        <p:cTn id="12" dur="1" fill="hold">
+                                          <p:stCondLst>
+                                            <p:cond delay="0"/>
+                                          </p:stCondLst>
+                                        </p:cTn>
+                                        <p:tgtEl>
+                                          <p:spTgt spid="63"/>
+                                        </p:tgtEl>
+                                        <p:attrNameLst>
+                                          <p:attrName>style.visibility</p:attrName>
+                                        </p:attrNameLst>
+                                      </p:cBhvr>
+                                      <p:to>
+                                        <p:strVal val="visible"/>
+                                      </p:to>
+                                    </p:set>
+                                  </p:childTnLst>
+                                </p:cTn>
+                              </p:par>
+                              <p:par>
+                                <p:cTn id="13" presetID="1" presetClass="entr" presetSubtype="0" fill="hold" grpId="0" nodeType="withEffect">
+                                  <p:stCondLst>
+                                    <p:cond delay="0"/>
+                                  </p:stCondLst>
+                                  <p:childTnLst>
+                                    <p:set>
+                                      <p:cBhvr>
+                                        <p:cTn id="14" dur="1" fill="hold">
+                                          <p:stCondLst>
+                                            <p:cond delay="0"/>
+                                          </p:stCondLst>
+                                        </p:cTn>
+                                        <p:tgtEl>
+                                          <p:spTgt spid="65"/>
+                                        </p:tgtEl>
+                                        <p:attrNameLst>
+                                          <p:attrName>style.visibility</p:attrName>
+                                        </p:attrNameLst>
+                                      </p:cBhvr>
+                                      <p:to>
+                                        <p:strVal val="visible"/>
+                                      </p:to>
+                                    </p:set>
+                                  </p:childTnLst>
+                                </p:cTn>
+                              </p:par>
+                              <p:par>
+                                <p:cTn id="15" presetID="1" presetClass="entr" presetSubtype="0" fill="hold" grpId="0" nodeType="withEffect">
+                                  <p:stCondLst>
+                                    <p:cond delay="0"/>
+                                  </p:stCondLst>
+                                  <p:childTnLst>
+                                    <p:set>
+                                      <p:cBhvr>
+                                        <p:cTn id="16" dur="1" fill="hold">
+                                          <p:stCondLst>
+                                            <p:cond delay="0"/>
+                                          </p:stCondLst>
+                                        </p:cTn>
+                                        <p:tgtEl>
+                                          <p:spTgt spid="66"/>
+                                        </p:tgtEl>
+                                        <p:attrNameLst>
+                                          <p:attrName>style.visibility</p:attrName>
+                                        </p:attrNameLst>
+                                      </p:cBhvr>
+                                      <p:to>
+                                        <p:strVal val="visible"/>
+                                      </p:to>
+                                    </p:set>
+                                  </p:childTnLst>
+                                </p:cTn>
+                              </p:par>
+                            </p:childTnLst>
+                          </p:cTn>
+                        </p:par>
+                      </p:childTnLst>
+                    </p:cTn>
+                  </p:par>
+                  <p:par>
+                    <p:cTn id="17" fill="hold">
+                      <p:stCondLst>
+                        <p:cond delay="indefinite"/>
+                      </p:stCondLst>
+                      <p:childTnLst>
+                        <p:par>
+                          <p:cTn id="18" fill="hold">
+                            <p:stCondLst>
+                              <p:cond delay="0"/>
+                            </p:stCondLst>
+                            <p:childTnLst>
+                              <p:par>
+                                <p:cTn id="19" presetID="1" presetClass="entr" presetSubtype="0" fill="hold" grpId="0" nodeType="clickEffect">
+                                  <p:stCondLst>
+                                    <p:cond delay="0"/>
+                                  </p:stCondLst>
+                                  <p:childTnLst>
+                                    <p:set>
+                                      <p:cBhvr>
+                                        <p:cTn id="20" dur="1" fill="hold">
+                                          <p:stCondLst>
+                                            <p:cond delay="0"/>
+                                          </p:stCondLst>
+                                        </p:cTn>
+                                        <p:tgtEl>
+                                          <p:spTgt spid="64"/>
+                                        </p:tgtEl>
+                                        <p:attrNameLst>
+                                          <p:attrName>style.visibility</p:attrName>
+                                        </p:attrNameLst>
+                                      </p:cBhvr>
+                                      <p:to>
+                                        <p:strVal val="visible"/>
+                                      </p:to>
+                                    </p:set>
+                                  </p:childTnLst>
+                                </p:cTn>
+                              </p:par>
+                            </p:childTnLst>
+                          </p:cTn>
+                        </p:par>
+                      </p:childTnLst>
+                    </p:cTn>
+                  </p:par>
+                </p:childTnLst>
+              </p:cTn>
+              <p:prevCondLst>
+                <p:cond evt="onPrev" delay="0">
+                  <p:tgtEl>
+                    <p:sldTgt/>
+                  </p:tgtEl>
+                </p:cond>
+              </p:prevCondLst>
+              <p:nextCondLst>
+                <p:cond evt="onNext" delay="0">
+                  <p:tgtEl>
+                    <p:sldTgt/>
+                  </p:tgtEl>
+                </p:cond>
+              </p:nextCondLst>
+            </p:seq>
+          </p:childTnLst>
+        </p:cTn>
+      </p:par>
+    </p:tnLst>
+    <p:bldLst>
+      <p:bldP spid="61" grpId="0" animBg="1"/>
+      <p:bldP spid="62" grpId="0" animBg="1"/>
+      <p:bldP spid="63" grpId="0" animBg="1"/>
+      <p:bldP spid="64" grpId="0" animBg="1"/>
+      <p:bldP spid="65" grpId="0"/>
+      <p:bldP spid="66" grpId="0"/>
+    </p:bldLst>
+  </p:timing>
 </p:sld>
 </file>
 
@@ -6632,26 +9631,11 @@
           <a:bodyPr/>
           <a:lstStyle/>
           <a:p>
-            <a:endParaRPr lang="zh-TW" altLang="en-US"/>
-          </a:p>
-        </p:txBody>
-      </p:sp>
-      <p:sp>
-        <p:nvSpPr>
-          <p:cNvPr id="6" name="內容版面配置區 5"/>
-          <p:cNvSpPr>
-            <a:spLocks noGrp="1"/>
-          </p:cNvSpPr>
-          <p:nvPr>
-            <p:ph idx="1"/>
-          </p:nvPr>
-        </p:nvSpPr>
-        <p:spPr/>
-        <p:txBody>
-          <a:bodyPr/>
-          <a:lstStyle/>
-          <a:p>
-            <a:endParaRPr lang="zh-TW" altLang="en-US"/>
+            <a:r>
+              <a:rPr lang="en-US" altLang="zh-TW" dirty="0"/>
+              <a:t>Auto-Encoder</a:t>
+            </a:r>
+            <a:endParaRPr lang="zh-TW" altLang="en-US" dirty="0"/>
           </a:p>
         </p:txBody>
       </p:sp>
@@ -6679,16 +9663,2316 @@
           </a:p>
         </p:txBody>
       </p:sp>
+      <p:grpSp>
+        <p:nvGrpSpPr>
+          <p:cNvPr id="69" name="群組 68"/>
+          <p:cNvGrpSpPr/>
+          <p:nvPr/>
+        </p:nvGrpSpPr>
+        <p:grpSpPr>
+          <a:xfrm>
+            <a:off x="4092643" y="1690689"/>
+            <a:ext cx="4763961" cy="1039140"/>
+            <a:chOff x="3939218" y="2495962"/>
+            <a:chExt cx="4763961" cy="1039140"/>
+          </a:xfrm>
+        </p:grpSpPr>
+        <p:sp>
+          <p:nvSpPr>
+            <p:cNvPr id="70" name="矩形 69"/>
+            <p:cNvSpPr/>
+            <p:nvPr/>
+          </p:nvSpPr>
+          <p:spPr>
+            <a:xfrm>
+              <a:off x="5691195" y="2553767"/>
+              <a:ext cx="1308100" cy="981335"/>
+            </a:xfrm>
+            <a:prstGeom prst="rect">
+              <a:avLst/>
+            </a:prstGeom>
+            <a:gradFill rotWithShape="1">
+              <a:gsLst>
+                <a:gs pos="0">
+                  <a:srgbClr val="70AD47">
+                    <a:lumMod val="110000"/>
+                    <a:satMod val="105000"/>
+                    <a:tint val="67000"/>
+                  </a:srgbClr>
+                </a:gs>
+                <a:gs pos="50000">
+                  <a:srgbClr val="70AD47">
+                    <a:lumMod val="105000"/>
+                    <a:satMod val="103000"/>
+                    <a:tint val="73000"/>
+                  </a:srgbClr>
+                </a:gs>
+                <a:gs pos="100000">
+                  <a:srgbClr val="70AD47">
+                    <a:lumMod val="105000"/>
+                    <a:satMod val="109000"/>
+                    <a:tint val="81000"/>
+                  </a:srgbClr>
+                </a:gs>
+              </a:gsLst>
+              <a:lin ang="5400000" scaled="0"/>
+            </a:gradFill>
+            <a:ln w="6350" cap="flat" cmpd="sng" algn="ctr">
+              <a:solidFill>
+                <a:srgbClr val="70AD47"/>
+              </a:solidFill>
+              <a:prstDash val="solid"/>
+              <a:miter lim="800000"/>
+            </a:ln>
+            <a:effectLst/>
+          </p:spPr>
+          <p:txBody>
+            <a:bodyPr rtlCol="0" anchor="ctr"/>
+            <a:lstStyle/>
+            <a:p>
+              <a:pPr marL="0" marR="0" lvl="0" indent="0" algn="ctr" defTabSz="914400" eaLnBrk="1" fontAlgn="auto" latinLnBrk="0" hangingPunct="1">
+                <a:lnSpc>
+                  <a:spcPct val="100000"/>
+                </a:lnSpc>
+                <a:spcBef>
+                  <a:spcPts val="0"/>
+                </a:spcBef>
+                <a:spcAft>
+                  <a:spcPts val="0"/>
+                </a:spcAft>
+                <a:buClrTx/>
+                <a:buSzTx/>
+                <a:buFontTx/>
+                <a:buNone/>
+                <a:tabLst/>
+                <a:defRPr/>
+              </a:pPr>
+              <a:r>
+                <a:rPr kumimoji="0" lang="en-US" altLang="zh-TW" sz="2400" b="0" i="0" u="none" strike="noStrike" kern="0" cap="none" spc="0" normalizeH="0" baseline="0" noProof="0" dirty="0" smtClean="0">
+                  <a:ln>
+                    <a:noFill/>
+                  </a:ln>
+                  <a:solidFill>
+                    <a:prstClr val="black"/>
+                  </a:solidFill>
+                  <a:effectLst/>
+                  <a:uLnTx/>
+                  <a:uFillTx/>
+                  <a:latin typeface="Calibri" panose="020F0502020204030204"/>
+                  <a:ea typeface="新細明體" panose="02020500000000000000" pitchFamily="18" charset="-120"/>
+                  <a:cs typeface="+mn-cs"/>
+                </a:rPr>
+                <a:t>NN</a:t>
+              </a:r>
+            </a:p>
+            <a:p>
+              <a:pPr marL="0" marR="0" lvl="0" indent="0" algn="ctr" defTabSz="914400" eaLnBrk="1" fontAlgn="auto" latinLnBrk="0" hangingPunct="1">
+                <a:lnSpc>
+                  <a:spcPct val="100000"/>
+                </a:lnSpc>
+                <a:spcBef>
+                  <a:spcPts val="0"/>
+                </a:spcBef>
+                <a:spcAft>
+                  <a:spcPts val="0"/>
+                </a:spcAft>
+                <a:buClrTx/>
+                <a:buSzTx/>
+                <a:buFontTx/>
+                <a:buNone/>
+                <a:tabLst/>
+                <a:defRPr/>
+              </a:pPr>
+              <a:r>
+                <a:rPr kumimoji="0" lang="en-US" altLang="zh-TW" sz="2400" b="0" i="0" u="none" strike="noStrike" kern="0" cap="none" spc="0" normalizeH="0" baseline="0" noProof="0" dirty="0" smtClean="0">
+                  <a:ln>
+                    <a:noFill/>
+                  </a:ln>
+                  <a:solidFill>
+                    <a:prstClr val="black"/>
+                  </a:solidFill>
+                  <a:effectLst/>
+                  <a:uLnTx/>
+                  <a:uFillTx/>
+                  <a:latin typeface="Calibri" panose="020F0502020204030204"/>
+                  <a:ea typeface="新細明體" panose="02020500000000000000" pitchFamily="18" charset="-120"/>
+                  <a:cs typeface="+mn-cs"/>
+                </a:rPr>
+                <a:t>Decoder</a:t>
+              </a:r>
+              <a:endParaRPr kumimoji="0" lang="zh-TW" altLang="en-US" sz="2400" b="0" i="0" u="none" strike="noStrike" kern="0" cap="none" spc="0" normalizeH="0" baseline="0" noProof="0" dirty="0" smtClean="0">
+                <a:ln>
+                  <a:noFill/>
+                </a:ln>
+                <a:solidFill>
+                  <a:prstClr val="black"/>
+                </a:solidFill>
+                <a:effectLst/>
+                <a:uLnTx/>
+                <a:uFillTx/>
+                <a:latin typeface="Calibri" panose="020F0502020204030204"/>
+                <a:ea typeface="新細明體" panose="02020500000000000000" pitchFamily="18" charset="-120"/>
+                <a:cs typeface="+mn-cs"/>
+              </a:endParaRPr>
+            </a:p>
+          </p:txBody>
+        </p:sp>
+        <p:sp>
+          <p:nvSpPr>
+            <p:cNvPr id="71" name="矩形 70"/>
+            <p:cNvSpPr/>
+            <p:nvPr/>
+          </p:nvSpPr>
+          <p:spPr>
+            <a:xfrm rot="5400000">
+              <a:off x="4546456" y="2849562"/>
+              <a:ext cx="766087" cy="320081"/>
+            </a:xfrm>
+            <a:prstGeom prst="rect">
+              <a:avLst/>
+            </a:prstGeom>
+            <a:gradFill rotWithShape="1">
+              <a:gsLst>
+                <a:gs pos="0">
+                  <a:srgbClr val="ED7D31">
+                    <a:lumMod val="110000"/>
+                    <a:satMod val="105000"/>
+                    <a:tint val="67000"/>
+                  </a:srgbClr>
+                </a:gs>
+                <a:gs pos="50000">
+                  <a:srgbClr val="ED7D31">
+                    <a:lumMod val="105000"/>
+                    <a:satMod val="103000"/>
+                    <a:tint val="73000"/>
+                  </a:srgbClr>
+                </a:gs>
+                <a:gs pos="100000">
+                  <a:srgbClr val="ED7D31">
+                    <a:lumMod val="105000"/>
+                    <a:satMod val="109000"/>
+                    <a:tint val="81000"/>
+                  </a:srgbClr>
+                </a:gs>
+              </a:gsLst>
+              <a:lin ang="5400000" scaled="0"/>
+            </a:gradFill>
+            <a:ln w="6350" cap="flat" cmpd="sng" algn="ctr">
+              <a:solidFill>
+                <a:srgbClr val="ED7D31"/>
+              </a:solidFill>
+              <a:prstDash val="solid"/>
+              <a:miter lim="800000"/>
+            </a:ln>
+            <a:effectLst/>
+          </p:spPr>
+          <p:txBody>
+            <a:bodyPr rtlCol="0" anchor="ctr"/>
+            <a:lstStyle/>
+            <a:p>
+              <a:pPr marL="0" marR="0" lvl="0" indent="0" algn="ctr" defTabSz="914400" eaLnBrk="1" fontAlgn="auto" latinLnBrk="0" hangingPunct="1">
+                <a:lnSpc>
+                  <a:spcPct val="100000"/>
+                </a:lnSpc>
+                <a:spcBef>
+                  <a:spcPts val="0"/>
+                </a:spcBef>
+                <a:spcAft>
+                  <a:spcPts val="0"/>
+                </a:spcAft>
+                <a:buClrTx/>
+                <a:buSzTx/>
+                <a:buFontTx/>
+                <a:buNone/>
+                <a:tabLst/>
+                <a:defRPr/>
+              </a:pPr>
+              <a:endParaRPr kumimoji="0" lang="zh-TW" altLang="en-US" sz="2400" b="0" i="0" u="none" strike="noStrike" kern="0" cap="none" spc="0" normalizeH="0" baseline="0" noProof="0" dirty="0" smtClean="0">
+                <a:ln>
+                  <a:noFill/>
+                </a:ln>
+                <a:solidFill>
+                  <a:prstClr val="black"/>
+                </a:solidFill>
+                <a:effectLst/>
+                <a:uLnTx/>
+                <a:uFillTx/>
+                <a:latin typeface="Calibri" panose="020F0502020204030204"/>
+                <a:ea typeface="新細明體" panose="02020500000000000000" pitchFamily="18" charset="-120"/>
+                <a:cs typeface="+mn-cs"/>
+              </a:endParaRPr>
+            </a:p>
+          </p:txBody>
+        </p:sp>
+        <p:sp>
+          <p:nvSpPr>
+            <p:cNvPr id="72" name="矩形 71"/>
+            <p:cNvSpPr/>
+            <p:nvPr/>
+          </p:nvSpPr>
+          <p:spPr>
+            <a:xfrm>
+              <a:off x="3939218" y="2774494"/>
+              <a:ext cx="789640" cy="461665"/>
+            </a:xfrm>
+            <a:prstGeom prst="rect">
+              <a:avLst/>
+            </a:prstGeom>
+          </p:spPr>
+          <p:txBody>
+            <a:bodyPr wrap="none">
+              <a:spAutoFit/>
+            </a:bodyPr>
+            <a:lstStyle/>
+            <a:p>
+              <a:pPr marL="0" marR="0" lvl="0" indent="0" algn="ctr" defTabSz="914400" eaLnBrk="1" fontAlgn="auto" latinLnBrk="0" hangingPunct="1">
+                <a:lnSpc>
+                  <a:spcPct val="100000"/>
+                </a:lnSpc>
+                <a:spcBef>
+                  <a:spcPts val="0"/>
+                </a:spcBef>
+                <a:spcAft>
+                  <a:spcPts val="0"/>
+                </a:spcAft>
+                <a:buClrTx/>
+                <a:buSzTx/>
+                <a:buFontTx/>
+                <a:buNone/>
+                <a:tabLst/>
+                <a:defRPr/>
+              </a:pPr>
+              <a:r>
+                <a:rPr kumimoji="0" lang="en-US" altLang="zh-TW" sz="2400" b="1" i="1" u="sng" strike="noStrike" kern="0" cap="none" spc="0" normalizeH="0" baseline="0" noProof="0" dirty="0" smtClean="0">
+                  <a:ln>
+                    <a:noFill/>
+                  </a:ln>
+                  <a:solidFill>
+                    <a:prstClr val="black"/>
+                  </a:solidFill>
+                  <a:effectLst/>
+                  <a:uLnTx/>
+                  <a:uFillTx/>
+                  <a:latin typeface="Calibri" panose="020F0502020204030204"/>
+                  <a:ea typeface="新細明體" panose="02020500000000000000" pitchFamily="18" charset="-120"/>
+                </a:rPr>
+                <a:t>code</a:t>
+              </a:r>
+              <a:endParaRPr kumimoji="0" lang="zh-TW" altLang="en-US" sz="2400" b="1" i="1" u="sng" strike="noStrike" kern="0" cap="none" spc="0" normalizeH="0" baseline="0" noProof="0" dirty="0" smtClean="0">
+                <a:ln>
+                  <a:noFill/>
+                </a:ln>
+                <a:solidFill>
+                  <a:prstClr val="black"/>
+                </a:solidFill>
+                <a:effectLst/>
+                <a:uLnTx/>
+                <a:uFillTx/>
+                <a:latin typeface="Calibri" panose="020F0502020204030204"/>
+                <a:ea typeface="新細明體" panose="02020500000000000000" pitchFamily="18" charset="-120"/>
+              </a:endParaRPr>
+            </a:p>
+          </p:txBody>
+        </p:sp>
+        <p:sp>
+          <p:nvSpPr>
+            <p:cNvPr id="73" name="向右箭號 72"/>
+            <p:cNvSpPr/>
+            <p:nvPr/>
+          </p:nvSpPr>
+          <p:spPr>
+            <a:xfrm>
+              <a:off x="5170743" y="2774494"/>
+              <a:ext cx="473165" cy="461665"/>
+            </a:xfrm>
+            <a:prstGeom prst="rightArrow">
+              <a:avLst/>
+            </a:prstGeom>
+            <a:solidFill>
+              <a:sysClr val="windowText" lastClr="000000"/>
+            </a:solidFill>
+            <a:ln w="12700" cap="flat" cmpd="sng" algn="ctr">
+              <a:solidFill>
+                <a:sysClr val="windowText" lastClr="000000">
+                  <a:shade val="50000"/>
+                </a:sysClr>
+              </a:solidFill>
+              <a:prstDash val="solid"/>
+              <a:miter lim="800000"/>
+            </a:ln>
+            <a:effectLst/>
+          </p:spPr>
+          <p:txBody>
+            <a:bodyPr rtlCol="0" anchor="ctr"/>
+            <a:lstStyle/>
+            <a:p>
+              <a:pPr marL="0" marR="0" lvl="0" indent="0" algn="ctr" defTabSz="914400" eaLnBrk="1" fontAlgn="auto" latinLnBrk="0" hangingPunct="1">
+                <a:lnSpc>
+                  <a:spcPct val="100000"/>
+                </a:lnSpc>
+                <a:spcBef>
+                  <a:spcPts val="0"/>
+                </a:spcBef>
+                <a:spcAft>
+                  <a:spcPts val="0"/>
+                </a:spcAft>
+                <a:buClrTx/>
+                <a:buSzTx/>
+                <a:buFontTx/>
+                <a:buNone/>
+                <a:tabLst/>
+                <a:defRPr/>
+              </a:pPr>
+              <a:endParaRPr kumimoji="0" lang="zh-TW" altLang="en-US" sz="1800" b="0" i="0" u="none" strike="noStrike" kern="0" cap="none" spc="0" normalizeH="0" baseline="0" noProof="0" smtClean="0">
+                <a:ln>
+                  <a:noFill/>
+                </a:ln>
+                <a:solidFill>
+                  <a:prstClr val="white"/>
+                </a:solidFill>
+                <a:effectLst/>
+                <a:uLnTx/>
+                <a:uFillTx/>
+                <a:latin typeface="Calibri" panose="020F0502020204030204"/>
+                <a:ea typeface="新細明體" panose="02020500000000000000" pitchFamily="18" charset="-120"/>
+                <a:cs typeface="+mn-cs"/>
+              </a:endParaRPr>
+            </a:p>
+          </p:txBody>
+        </p:sp>
+        <p:sp>
+          <p:nvSpPr>
+            <p:cNvPr id="74" name="向右箭號 73"/>
+            <p:cNvSpPr/>
+            <p:nvPr/>
+          </p:nvSpPr>
+          <p:spPr>
+            <a:xfrm>
+              <a:off x="7080498" y="2787194"/>
+              <a:ext cx="473165" cy="461665"/>
+            </a:xfrm>
+            <a:prstGeom prst="rightArrow">
+              <a:avLst/>
+            </a:prstGeom>
+            <a:solidFill>
+              <a:sysClr val="windowText" lastClr="000000"/>
+            </a:solidFill>
+            <a:ln w="12700" cap="flat" cmpd="sng" algn="ctr">
+              <a:solidFill>
+                <a:sysClr val="windowText" lastClr="000000">
+                  <a:shade val="50000"/>
+                </a:sysClr>
+              </a:solidFill>
+              <a:prstDash val="solid"/>
+              <a:miter lim="800000"/>
+            </a:ln>
+            <a:effectLst/>
+          </p:spPr>
+          <p:txBody>
+            <a:bodyPr rtlCol="0" anchor="ctr"/>
+            <a:lstStyle/>
+            <a:p>
+              <a:pPr marL="0" marR="0" lvl="0" indent="0" algn="ctr" defTabSz="914400" eaLnBrk="1" fontAlgn="auto" latinLnBrk="0" hangingPunct="1">
+                <a:lnSpc>
+                  <a:spcPct val="100000"/>
+                </a:lnSpc>
+                <a:spcBef>
+                  <a:spcPts val="0"/>
+                </a:spcBef>
+                <a:spcAft>
+                  <a:spcPts val="0"/>
+                </a:spcAft>
+                <a:buClrTx/>
+                <a:buSzTx/>
+                <a:buFontTx/>
+                <a:buNone/>
+                <a:tabLst/>
+                <a:defRPr/>
+              </a:pPr>
+              <a:endParaRPr kumimoji="0" lang="zh-TW" altLang="en-US" sz="1800" b="0" i="0" u="none" strike="noStrike" kern="0" cap="none" spc="0" normalizeH="0" baseline="0" noProof="0" smtClean="0">
+                <a:ln>
+                  <a:noFill/>
+                </a:ln>
+                <a:solidFill>
+                  <a:prstClr val="white"/>
+                </a:solidFill>
+                <a:effectLst/>
+                <a:uLnTx/>
+                <a:uFillTx/>
+                <a:latin typeface="Calibri" panose="020F0502020204030204"/>
+                <a:ea typeface="新細明體" panose="02020500000000000000" pitchFamily="18" charset="-120"/>
+                <a:cs typeface="+mn-cs"/>
+              </a:endParaRPr>
+            </a:p>
+          </p:txBody>
+        </p:sp>
+        <p:pic>
+          <p:nvPicPr>
+            <p:cNvPr id="75" name="圖片 74"/>
+            <p:cNvPicPr>
+              <a:picLocks noChangeAspect="1"/>
+            </p:cNvPicPr>
+            <p:nvPr/>
+          </p:nvPicPr>
+          <p:blipFill>
+            <a:blip r:embed="rId2"/>
+            <a:stretch>
+              <a:fillRect/>
+            </a:stretch>
+          </p:blipFill>
+          <p:spPr>
+            <a:xfrm>
+              <a:off x="7600950" y="2495962"/>
+              <a:ext cx="1102229" cy="1018727"/>
+            </a:xfrm>
+            <a:prstGeom prst="rect">
+              <a:avLst/>
+            </a:prstGeom>
+          </p:spPr>
+        </p:pic>
+      </p:grpSp>
+      <p:sp>
+        <p:nvSpPr>
+          <p:cNvPr id="76" name="矩形 75"/>
+          <p:cNvSpPr/>
+          <p:nvPr/>
+        </p:nvSpPr>
+        <p:spPr>
+          <a:xfrm>
+            <a:off x="4815863" y="1412542"/>
+            <a:ext cx="534122" cy="461665"/>
+          </a:xfrm>
+          <a:prstGeom prst="rect">
+            <a:avLst/>
+          </a:prstGeom>
+        </p:spPr>
+        <p:txBody>
+          <a:bodyPr wrap="none">
+            <a:spAutoFit/>
+          </a:bodyPr>
+          <a:lstStyle/>
+          <a:p>
+            <a:pPr algn="ctr"/>
+            <a:r>
+              <a:rPr lang="en-US" altLang="zh-TW" sz="2400" b="1" i="1" dirty="0">
+                <a:solidFill>
+                  <a:prstClr val="black"/>
+                </a:solidFill>
+                <a:latin typeface="Calibri" panose="020F0502020204030204"/>
+                <a:ea typeface="新細明體" panose="02020500000000000000" pitchFamily="18" charset="-120"/>
+              </a:rPr>
+              <a:t>2D</a:t>
+            </a:r>
+            <a:endParaRPr lang="zh-TW" altLang="en-US" sz="2400" b="1" i="1" dirty="0">
+              <a:solidFill>
+                <a:prstClr val="black"/>
+              </a:solidFill>
+              <a:latin typeface="Calibri" panose="020F0502020204030204"/>
+              <a:ea typeface="新細明體" panose="02020500000000000000" pitchFamily="18" charset="-120"/>
+            </a:endParaRPr>
+          </a:p>
+        </p:txBody>
+      </p:sp>
+      <p:cxnSp>
+        <p:nvCxnSpPr>
+          <p:cNvPr id="77" name="直線單箭頭接點 76"/>
+          <p:cNvCxnSpPr>
+            <a:cxnSpLocks/>
+          </p:cNvCxnSpPr>
+          <p:nvPr/>
+        </p:nvCxnSpPr>
+        <p:spPr>
+          <a:xfrm>
+            <a:off x="1016767" y="4110237"/>
+            <a:ext cx="4887811" cy="0"/>
+          </a:xfrm>
+          <a:prstGeom prst="straightConnector1">
+            <a:avLst/>
+          </a:prstGeom>
+          <a:noFill/>
+          <a:ln w="28575" cap="flat" cmpd="sng" algn="ctr">
+            <a:solidFill>
+              <a:srgbClr val="0000FF"/>
+            </a:solidFill>
+            <a:prstDash val="solid"/>
+            <a:miter lim="800000"/>
+            <a:tailEnd type="triangle"/>
+          </a:ln>
+          <a:effectLst/>
+        </p:spPr>
+      </p:cxnSp>
+      <p:cxnSp>
+        <p:nvCxnSpPr>
+          <p:cNvPr id="78" name="直線單箭頭接點 77"/>
+          <p:cNvCxnSpPr>
+            <a:cxnSpLocks/>
+          </p:cNvCxnSpPr>
+          <p:nvPr/>
+        </p:nvCxnSpPr>
+        <p:spPr>
+          <a:xfrm flipV="1">
+            <a:off x="3453463" y="1562754"/>
+            <a:ext cx="0" cy="4320000"/>
+          </a:xfrm>
+          <a:prstGeom prst="straightConnector1">
+            <a:avLst/>
+          </a:prstGeom>
+          <a:noFill/>
+          <a:ln w="28575" cap="flat" cmpd="sng" algn="ctr">
+            <a:solidFill>
+              <a:srgbClr val="0000FF"/>
+            </a:solidFill>
+            <a:prstDash val="solid"/>
+            <a:miter lim="800000"/>
+            <a:tailEnd type="triangle"/>
+          </a:ln>
+          <a:effectLst/>
+        </p:spPr>
+      </p:cxnSp>
+      <p:sp>
+        <p:nvSpPr>
+          <p:cNvPr id="79" name="文字方塊 78"/>
+          <p:cNvSpPr txBox="1"/>
+          <p:nvPr/>
+        </p:nvSpPr>
+        <p:spPr>
+          <a:xfrm>
+            <a:off x="276539" y="3857926"/>
+            <a:ext cx="740228" cy="461665"/>
+          </a:xfrm>
+          <a:prstGeom prst="rect">
+            <a:avLst/>
+          </a:prstGeom>
+          <a:noFill/>
+        </p:spPr>
+        <p:txBody>
+          <a:bodyPr wrap="square" rtlCol="0">
+            <a:spAutoFit/>
+          </a:bodyPr>
+          <a:lstStyle/>
+          <a:p>
+            <a:pPr algn="ctr"/>
+            <a:r>
+              <a:rPr lang="en-US" altLang="zh-TW" sz="2400" dirty="0">
+                <a:solidFill>
+                  <a:srgbClr val="0000FF"/>
+                </a:solidFill>
+                <a:latin typeface="Calibri" panose="020F0502020204030204"/>
+                <a:ea typeface="新細明體" panose="02020500000000000000" pitchFamily="18" charset="-120"/>
+              </a:rPr>
+              <a:t>-1.5</a:t>
+            </a:r>
+            <a:endParaRPr lang="zh-TW" altLang="en-US" sz="2400" dirty="0">
+              <a:solidFill>
+                <a:srgbClr val="0000FF"/>
+              </a:solidFill>
+              <a:latin typeface="Calibri" panose="020F0502020204030204"/>
+              <a:ea typeface="新細明體" panose="02020500000000000000" pitchFamily="18" charset="-120"/>
+            </a:endParaRPr>
+          </a:p>
+        </p:txBody>
+      </p:sp>
+      <p:sp>
+        <p:nvSpPr>
+          <p:cNvPr id="80" name="文字方塊 79"/>
+          <p:cNvSpPr txBox="1"/>
+          <p:nvPr/>
+        </p:nvSpPr>
+        <p:spPr>
+          <a:xfrm>
+            <a:off x="5823375" y="3879404"/>
+            <a:ext cx="740228" cy="461665"/>
+          </a:xfrm>
+          <a:prstGeom prst="rect">
+            <a:avLst/>
+          </a:prstGeom>
+          <a:noFill/>
+        </p:spPr>
+        <p:txBody>
+          <a:bodyPr wrap="square" rtlCol="0">
+            <a:spAutoFit/>
+          </a:bodyPr>
+          <a:lstStyle/>
+          <a:p>
+            <a:pPr algn="ctr"/>
+            <a:r>
+              <a:rPr lang="en-US" altLang="zh-TW" sz="2400" dirty="0">
+                <a:solidFill>
+                  <a:srgbClr val="0000FF"/>
+                </a:solidFill>
+                <a:latin typeface="Calibri" panose="020F0502020204030204"/>
+                <a:ea typeface="新細明體" panose="02020500000000000000" pitchFamily="18" charset="-120"/>
+              </a:rPr>
+              <a:t>1.5</a:t>
+            </a:r>
+            <a:endParaRPr lang="zh-TW" altLang="en-US" sz="2400" dirty="0">
+              <a:solidFill>
+                <a:srgbClr val="0000FF"/>
+              </a:solidFill>
+              <a:latin typeface="Calibri" panose="020F0502020204030204"/>
+              <a:ea typeface="新細明體" panose="02020500000000000000" pitchFamily="18" charset="-120"/>
+            </a:endParaRPr>
+          </a:p>
+        </p:txBody>
+      </p:sp>
+      <p:sp>
+        <p:nvSpPr>
+          <p:cNvPr id="81" name="橢圓 80"/>
+          <p:cNvSpPr/>
+          <p:nvPr/>
+        </p:nvSpPr>
+        <p:spPr>
+          <a:xfrm>
+            <a:off x="1059443" y="3993146"/>
+            <a:ext cx="191224" cy="191224"/>
+          </a:xfrm>
+          <a:prstGeom prst="ellipse">
+            <a:avLst/>
+          </a:prstGeom>
+          <a:solidFill>
+            <a:srgbClr val="4472C4"/>
+          </a:solidFill>
+          <a:ln w="12700" cap="flat" cmpd="sng" algn="ctr">
+            <a:solidFill>
+              <a:srgbClr val="4472C4">
+                <a:shade val="50000"/>
+              </a:srgbClr>
+            </a:solidFill>
+            <a:prstDash val="solid"/>
+            <a:miter lim="800000"/>
+          </a:ln>
+          <a:effectLst/>
+        </p:spPr>
+        <p:txBody>
+          <a:bodyPr rtlCol="0" anchor="ctr"/>
+          <a:lstStyle/>
+          <a:p>
+            <a:pPr marL="0" marR="0" lvl="0" indent="0" algn="ctr" defTabSz="914400" eaLnBrk="1" fontAlgn="auto" latinLnBrk="0" hangingPunct="1">
+              <a:lnSpc>
+                <a:spcPct val="100000"/>
+              </a:lnSpc>
+              <a:spcBef>
+                <a:spcPts val="0"/>
+              </a:spcBef>
+              <a:spcAft>
+                <a:spcPts val="0"/>
+              </a:spcAft>
+              <a:buClrTx/>
+              <a:buSzTx/>
+              <a:buFontTx/>
+              <a:buNone/>
+              <a:tabLst/>
+              <a:defRPr/>
+            </a:pPr>
+            <a:endParaRPr kumimoji="0" lang="zh-TW" altLang="en-US" sz="1800" b="0" i="0" u="none" strike="noStrike" kern="0" cap="none" spc="0" normalizeH="0" baseline="0" noProof="0" smtClean="0">
+              <a:ln>
+                <a:noFill/>
+              </a:ln>
+              <a:solidFill>
+                <a:prstClr val="white"/>
+              </a:solidFill>
+              <a:effectLst/>
+              <a:uLnTx/>
+              <a:uFillTx/>
+              <a:latin typeface="Calibri" panose="020F0502020204030204"/>
+              <a:ea typeface="新細明體" panose="02020500000000000000" pitchFamily="18" charset="-120"/>
+              <a:cs typeface="+mn-cs"/>
+            </a:endParaRPr>
+          </a:p>
+        </p:txBody>
+      </p:sp>
+      <mc:AlternateContent xmlns:mc="http://schemas.openxmlformats.org/markup-compatibility/2006" xmlns:a14="http://schemas.microsoft.com/office/drawing/2010/main">
+        <mc:Choice Requires="a14">
+          <p:sp>
+            <p:nvSpPr>
+              <p:cNvPr id="82" name="文字方塊 81"/>
+              <p:cNvSpPr txBox="1"/>
+              <p:nvPr/>
+            </p:nvSpPr>
+            <p:spPr>
+              <a:xfrm>
+                <a:off x="646653" y="4301461"/>
+                <a:ext cx="925318" cy="623312"/>
+              </a:xfrm>
+              <a:prstGeom prst="rect">
+                <a:avLst/>
+              </a:prstGeom>
+              <a:noFill/>
+            </p:spPr>
+            <p:txBody>
+              <a:bodyPr wrap="none" lIns="0" tIns="0" rIns="0" bIns="0" rtlCol="0">
+                <a:spAutoFit/>
+              </a:bodyPr>
+              <a:lstStyle/>
+              <a:p>
+                <a:pPr/>
+                <a14:m>
+                  <m:oMathPara xmlns:m="http://schemas.openxmlformats.org/officeDocument/2006/math">
+                    <m:oMathParaPr>
+                      <m:jc m:val="centerGroup"/>
+                    </m:oMathParaPr>
+                    <m:oMath xmlns:m="http://schemas.openxmlformats.org/officeDocument/2006/math">
+                      <m:d>
+                        <m:dPr>
+                          <m:begChr m:val="["/>
+                          <m:endChr m:val="]"/>
+                          <m:ctrlPr>
+                            <a:rPr lang="en-US" altLang="zh-TW" sz="2400" i="1" smtClean="0">
+                              <a:solidFill>
+                                <a:prstClr val="black"/>
+                              </a:solidFill>
+                              <a:latin typeface="Cambria Math" panose="02040503050406030204" pitchFamily="18" charset="0"/>
+                            </a:rPr>
+                          </m:ctrlPr>
+                        </m:dPr>
+                        <m:e>
+                          <m:eqArr>
+                            <m:eqArrPr>
+                              <m:ctrlPr>
+                                <a:rPr lang="en-US" altLang="zh-TW" sz="2400" i="1" smtClean="0">
+                                  <a:solidFill>
+                                    <a:prstClr val="black"/>
+                                  </a:solidFill>
+                                  <a:latin typeface="Cambria Math" panose="02040503050406030204" pitchFamily="18" charset="0"/>
+                                </a:rPr>
+                              </m:ctrlPr>
+                            </m:eqArrPr>
+                            <m:e>
+                              <m:r>
+                                <a:rPr lang="en-US" altLang="zh-TW" sz="2400" i="1" smtClean="0">
+                                  <a:solidFill>
+                                    <a:prstClr val="black"/>
+                                  </a:solidFill>
+                                  <a:latin typeface="Cambria Math" panose="02040503050406030204" pitchFamily="18" charset="0"/>
+                                </a:rPr>
+                                <m:t>−1.5</m:t>
+                              </m:r>
+                            </m:e>
+                            <m:e>
+                              <m:r>
+                                <a:rPr lang="en-US" altLang="zh-TW" sz="2400" i="1" smtClean="0">
+                                  <a:solidFill>
+                                    <a:prstClr val="black"/>
+                                  </a:solidFill>
+                                  <a:latin typeface="Cambria Math" panose="02040503050406030204" pitchFamily="18" charset="0"/>
+                                </a:rPr>
+                                <m:t>0</m:t>
+                              </m:r>
+                            </m:e>
+                          </m:eqArr>
+                        </m:e>
+                      </m:d>
+                    </m:oMath>
+                  </m:oMathPara>
+                </a14:m>
+                <a:endParaRPr lang="zh-TW" altLang="en-US" sz="2400" dirty="0">
+                  <a:solidFill>
+                    <a:prstClr val="black"/>
+                  </a:solidFill>
+                  <a:latin typeface="Calibri" panose="020F0502020204030204"/>
+                  <a:ea typeface="新細明體" panose="02020500000000000000" pitchFamily="18" charset="-120"/>
+                </a:endParaRPr>
+              </a:p>
+            </p:txBody>
+          </p:sp>
+        </mc:Choice>
+        <mc:Fallback xmlns="">
+          <p:sp>
+            <p:nvSpPr>
+              <p:cNvPr id="82" name="文字方塊 81"/>
+              <p:cNvSpPr txBox="1">
+                <a:spLocks noRot="1" noChangeAspect="1" noMove="1" noResize="1" noEditPoints="1" noAdjustHandles="1" noChangeArrowheads="1" noChangeShapeType="1" noTextEdit="1"/>
+              </p:cNvSpPr>
+              <p:nvPr/>
+            </p:nvSpPr>
+            <p:spPr>
+              <a:xfrm>
+                <a:off x="646653" y="4301461"/>
+                <a:ext cx="925318" cy="623312"/>
+              </a:xfrm>
+              <a:prstGeom prst="rect">
+                <a:avLst/>
+              </a:prstGeom>
+              <a:blipFill>
+                <a:blip r:embed="rId3"/>
+                <a:stretch>
+                  <a:fillRect/>
+                </a:stretch>
+              </a:blipFill>
+            </p:spPr>
+            <p:txBody>
+              <a:bodyPr/>
+              <a:lstStyle/>
+              <a:p>
+                <a:r>
+                  <a:rPr lang="zh-TW" altLang="en-US">
+                    <a:noFill/>
+                  </a:rPr>
+                  <a:t> </a:t>
+                </a:r>
+              </a:p>
+            </p:txBody>
+          </p:sp>
+        </mc:Fallback>
+      </mc:AlternateContent>
+      <p:sp>
+        <p:nvSpPr>
+          <p:cNvPr id="83" name="矩形 82"/>
+          <p:cNvSpPr/>
+          <p:nvPr/>
+        </p:nvSpPr>
+        <p:spPr>
+          <a:xfrm>
+            <a:off x="1204617" y="2488944"/>
+            <a:ext cx="1267134" cy="787321"/>
+          </a:xfrm>
+          <a:prstGeom prst="rect">
+            <a:avLst/>
+          </a:prstGeom>
+          <a:gradFill rotWithShape="1">
+            <a:gsLst>
+              <a:gs pos="0">
+                <a:srgbClr val="70AD47">
+                  <a:lumMod val="110000"/>
+                  <a:satMod val="105000"/>
+                  <a:tint val="67000"/>
+                </a:srgbClr>
+              </a:gs>
+              <a:gs pos="50000">
+                <a:srgbClr val="70AD47">
+                  <a:lumMod val="105000"/>
+                  <a:satMod val="103000"/>
+                  <a:tint val="73000"/>
+                </a:srgbClr>
+              </a:gs>
+              <a:gs pos="100000">
+                <a:srgbClr val="70AD47">
+                  <a:lumMod val="105000"/>
+                  <a:satMod val="109000"/>
+                  <a:tint val="81000"/>
+                </a:srgbClr>
+              </a:gs>
+            </a:gsLst>
+            <a:lin ang="5400000" scaled="0"/>
+          </a:gradFill>
+          <a:ln w="6350" cap="flat" cmpd="sng" algn="ctr">
+            <a:solidFill>
+              <a:srgbClr val="70AD47"/>
+            </a:solidFill>
+            <a:prstDash val="solid"/>
+            <a:miter lim="800000"/>
+          </a:ln>
+          <a:effectLst/>
+        </p:spPr>
+        <p:txBody>
+          <a:bodyPr rtlCol="0" anchor="ctr"/>
+          <a:lstStyle/>
+          <a:p>
+            <a:pPr marL="0" marR="0" lvl="0" indent="0" algn="ctr" defTabSz="914400" eaLnBrk="1" fontAlgn="auto" latinLnBrk="0" hangingPunct="1">
+              <a:lnSpc>
+                <a:spcPct val="100000"/>
+              </a:lnSpc>
+              <a:spcBef>
+                <a:spcPts val="0"/>
+              </a:spcBef>
+              <a:spcAft>
+                <a:spcPts val="0"/>
+              </a:spcAft>
+              <a:buClrTx/>
+              <a:buSzTx/>
+              <a:buFontTx/>
+              <a:buNone/>
+              <a:tabLst/>
+              <a:defRPr/>
+            </a:pPr>
+            <a:r>
+              <a:rPr kumimoji="0" lang="en-US" altLang="zh-TW" sz="2400" b="0" i="0" u="none" strike="noStrike" kern="0" cap="none" spc="0" normalizeH="0" baseline="0" noProof="0" dirty="0" smtClean="0">
+                <a:ln>
+                  <a:noFill/>
+                </a:ln>
+                <a:solidFill>
+                  <a:prstClr val="black"/>
+                </a:solidFill>
+                <a:effectLst/>
+                <a:uLnTx/>
+                <a:uFillTx/>
+                <a:latin typeface="Calibri" panose="020F0502020204030204"/>
+                <a:ea typeface="新細明體" panose="02020500000000000000" pitchFamily="18" charset="-120"/>
+                <a:cs typeface="+mn-cs"/>
+              </a:rPr>
+              <a:t>NN</a:t>
+            </a:r>
+          </a:p>
+          <a:p>
+            <a:pPr marL="0" marR="0" lvl="0" indent="0" algn="ctr" defTabSz="914400" eaLnBrk="1" fontAlgn="auto" latinLnBrk="0" hangingPunct="1">
+              <a:lnSpc>
+                <a:spcPct val="100000"/>
+              </a:lnSpc>
+              <a:spcBef>
+                <a:spcPts val="0"/>
+              </a:spcBef>
+              <a:spcAft>
+                <a:spcPts val="0"/>
+              </a:spcAft>
+              <a:buClrTx/>
+              <a:buSzTx/>
+              <a:buFontTx/>
+              <a:buNone/>
+              <a:tabLst/>
+              <a:defRPr/>
+            </a:pPr>
+            <a:r>
+              <a:rPr kumimoji="0" lang="en-US" altLang="zh-TW" sz="2400" b="0" i="0" u="none" strike="noStrike" kern="0" cap="none" spc="0" normalizeH="0" baseline="0" noProof="0" dirty="0" smtClean="0">
+                <a:ln>
+                  <a:noFill/>
+                </a:ln>
+                <a:solidFill>
+                  <a:prstClr val="black"/>
+                </a:solidFill>
+                <a:effectLst/>
+                <a:uLnTx/>
+                <a:uFillTx/>
+                <a:latin typeface="Calibri" panose="020F0502020204030204"/>
+                <a:ea typeface="新細明體" panose="02020500000000000000" pitchFamily="18" charset="-120"/>
+                <a:cs typeface="+mn-cs"/>
+              </a:rPr>
+              <a:t>Decoder</a:t>
+            </a:r>
+            <a:endParaRPr kumimoji="0" lang="zh-TW" altLang="en-US" sz="2400" b="0" i="0" u="none" strike="noStrike" kern="0" cap="none" spc="0" normalizeH="0" baseline="0" noProof="0" dirty="0" smtClean="0">
+              <a:ln>
+                <a:noFill/>
+              </a:ln>
+              <a:solidFill>
+                <a:prstClr val="black"/>
+              </a:solidFill>
+              <a:effectLst/>
+              <a:uLnTx/>
+              <a:uFillTx/>
+              <a:latin typeface="Calibri" panose="020F0502020204030204"/>
+              <a:ea typeface="新細明體" panose="02020500000000000000" pitchFamily="18" charset="-120"/>
+              <a:cs typeface="+mn-cs"/>
+            </a:endParaRPr>
+          </a:p>
+        </p:txBody>
+      </p:sp>
+      <p:pic>
+        <p:nvPicPr>
+          <p:cNvPr id="84" name="圖片 83"/>
+          <p:cNvPicPr>
+            <a:picLocks noChangeAspect="1"/>
+          </p:cNvPicPr>
+          <p:nvPr/>
+        </p:nvPicPr>
+        <p:blipFill>
+          <a:blip r:embed="rId4"/>
+          <a:stretch>
+            <a:fillRect/>
+          </a:stretch>
+        </p:blipFill>
+        <p:spPr>
+          <a:xfrm>
+            <a:off x="2813005" y="2639580"/>
+            <a:ext cx="486048" cy="486048"/>
+          </a:xfrm>
+          <a:prstGeom prst="rect">
+            <a:avLst/>
+          </a:prstGeom>
+        </p:spPr>
+      </p:pic>
+      <p:sp>
+        <p:nvSpPr>
+          <p:cNvPr id="85" name="橢圓 84"/>
+          <p:cNvSpPr/>
+          <p:nvPr/>
+        </p:nvSpPr>
+        <p:spPr>
+          <a:xfrm>
+            <a:off x="5596167" y="4011276"/>
+            <a:ext cx="191224" cy="191224"/>
+          </a:xfrm>
+          <a:prstGeom prst="ellipse">
+            <a:avLst/>
+          </a:prstGeom>
+          <a:solidFill>
+            <a:srgbClr val="4472C4"/>
+          </a:solidFill>
+          <a:ln w="12700" cap="flat" cmpd="sng" algn="ctr">
+            <a:solidFill>
+              <a:srgbClr val="4472C4">
+                <a:shade val="50000"/>
+              </a:srgbClr>
+            </a:solidFill>
+            <a:prstDash val="solid"/>
+            <a:miter lim="800000"/>
+          </a:ln>
+          <a:effectLst/>
+        </p:spPr>
+        <p:txBody>
+          <a:bodyPr rtlCol="0" anchor="ctr"/>
+          <a:lstStyle/>
+          <a:p>
+            <a:pPr marL="0" marR="0" lvl="0" indent="0" algn="ctr" defTabSz="914400" eaLnBrk="1" fontAlgn="auto" latinLnBrk="0" hangingPunct="1">
+              <a:lnSpc>
+                <a:spcPct val="100000"/>
+              </a:lnSpc>
+              <a:spcBef>
+                <a:spcPts val="0"/>
+              </a:spcBef>
+              <a:spcAft>
+                <a:spcPts val="0"/>
+              </a:spcAft>
+              <a:buClrTx/>
+              <a:buSzTx/>
+              <a:buFontTx/>
+              <a:buNone/>
+              <a:tabLst/>
+              <a:defRPr/>
+            </a:pPr>
+            <a:endParaRPr kumimoji="0" lang="zh-TW" altLang="en-US" sz="1800" b="0" i="0" u="none" strike="noStrike" kern="0" cap="none" spc="0" normalizeH="0" baseline="0" noProof="0" smtClean="0">
+              <a:ln>
+                <a:noFill/>
+              </a:ln>
+              <a:solidFill>
+                <a:prstClr val="white"/>
+              </a:solidFill>
+              <a:effectLst/>
+              <a:uLnTx/>
+              <a:uFillTx/>
+              <a:latin typeface="Calibri" panose="020F0502020204030204"/>
+              <a:ea typeface="新細明體" panose="02020500000000000000" pitchFamily="18" charset="-120"/>
+              <a:cs typeface="+mn-cs"/>
+            </a:endParaRPr>
+          </a:p>
+        </p:txBody>
+      </p:sp>
+      <mc:AlternateContent xmlns:mc="http://schemas.openxmlformats.org/markup-compatibility/2006" xmlns:a14="http://schemas.microsoft.com/office/drawing/2010/main">
+        <mc:Choice Requires="a14">
+          <p:sp>
+            <p:nvSpPr>
+              <p:cNvPr id="86" name="文字方塊 85"/>
+              <p:cNvSpPr txBox="1"/>
+              <p:nvPr/>
+            </p:nvSpPr>
+            <p:spPr>
+              <a:xfrm>
+                <a:off x="5343735" y="3228060"/>
+                <a:ext cx="696088" cy="623312"/>
+              </a:xfrm>
+              <a:prstGeom prst="rect">
+                <a:avLst/>
+              </a:prstGeom>
+              <a:noFill/>
+            </p:spPr>
+            <p:txBody>
+              <a:bodyPr wrap="none" lIns="0" tIns="0" rIns="0" bIns="0" rtlCol="0">
+                <a:spAutoFit/>
+              </a:bodyPr>
+              <a:lstStyle/>
+              <a:p>
+                <a:pPr/>
+                <a14:m>
+                  <m:oMathPara xmlns:m="http://schemas.openxmlformats.org/officeDocument/2006/math">
+                    <m:oMathParaPr>
+                      <m:jc m:val="centerGroup"/>
+                    </m:oMathParaPr>
+                    <m:oMath xmlns:m="http://schemas.openxmlformats.org/officeDocument/2006/math">
+                      <m:d>
+                        <m:dPr>
+                          <m:begChr m:val="["/>
+                          <m:endChr m:val="]"/>
+                          <m:ctrlPr>
+                            <a:rPr lang="en-US" altLang="zh-TW" sz="2400" i="1" smtClean="0">
+                              <a:solidFill>
+                                <a:prstClr val="black"/>
+                              </a:solidFill>
+                              <a:latin typeface="Cambria Math" panose="02040503050406030204" pitchFamily="18" charset="0"/>
+                            </a:rPr>
+                          </m:ctrlPr>
+                        </m:dPr>
+                        <m:e>
+                          <m:eqArr>
+                            <m:eqArrPr>
+                              <m:ctrlPr>
+                                <a:rPr lang="en-US" altLang="zh-TW" sz="2400" i="1" smtClean="0">
+                                  <a:solidFill>
+                                    <a:prstClr val="black"/>
+                                  </a:solidFill>
+                                  <a:latin typeface="Cambria Math" panose="02040503050406030204" pitchFamily="18" charset="0"/>
+                                </a:rPr>
+                              </m:ctrlPr>
+                            </m:eqArrPr>
+                            <m:e>
+                              <m:r>
+                                <a:rPr lang="en-US" altLang="zh-TW" sz="2400" i="1" smtClean="0">
+                                  <a:solidFill>
+                                    <a:prstClr val="black"/>
+                                  </a:solidFill>
+                                  <a:latin typeface="Cambria Math" panose="02040503050406030204" pitchFamily="18" charset="0"/>
+                                </a:rPr>
+                                <m:t>1.5</m:t>
+                              </m:r>
+                            </m:e>
+                            <m:e>
+                              <m:r>
+                                <a:rPr lang="en-US" altLang="zh-TW" sz="2400" i="1" smtClean="0">
+                                  <a:solidFill>
+                                    <a:prstClr val="black"/>
+                                  </a:solidFill>
+                                  <a:latin typeface="Cambria Math" panose="02040503050406030204" pitchFamily="18" charset="0"/>
+                                </a:rPr>
+                                <m:t>0</m:t>
+                              </m:r>
+                            </m:e>
+                          </m:eqArr>
+                        </m:e>
+                      </m:d>
+                    </m:oMath>
+                  </m:oMathPara>
+                </a14:m>
+                <a:endParaRPr lang="zh-TW" altLang="en-US" sz="2400" dirty="0">
+                  <a:solidFill>
+                    <a:prstClr val="black"/>
+                  </a:solidFill>
+                  <a:latin typeface="Calibri" panose="020F0502020204030204"/>
+                  <a:ea typeface="新細明體" panose="02020500000000000000" pitchFamily="18" charset="-120"/>
+                </a:endParaRPr>
+              </a:p>
+            </p:txBody>
+          </p:sp>
+        </mc:Choice>
+        <mc:Fallback xmlns="">
+          <p:sp>
+            <p:nvSpPr>
+              <p:cNvPr id="86" name="文字方塊 85"/>
+              <p:cNvSpPr txBox="1">
+                <a:spLocks noRot="1" noChangeAspect="1" noMove="1" noResize="1" noEditPoints="1" noAdjustHandles="1" noChangeArrowheads="1" noChangeShapeType="1" noTextEdit="1"/>
+              </p:cNvSpPr>
+              <p:nvPr/>
+            </p:nvSpPr>
+            <p:spPr>
+              <a:xfrm>
+                <a:off x="5343735" y="3228060"/>
+                <a:ext cx="696088" cy="623312"/>
+              </a:xfrm>
+              <a:prstGeom prst="rect">
+                <a:avLst/>
+              </a:prstGeom>
+              <a:blipFill>
+                <a:blip r:embed="rId5"/>
+                <a:stretch>
+                  <a:fillRect/>
+                </a:stretch>
+              </a:blipFill>
+            </p:spPr>
+            <p:txBody>
+              <a:bodyPr/>
+              <a:lstStyle/>
+              <a:p>
+                <a:r>
+                  <a:rPr lang="zh-TW" altLang="en-US">
+                    <a:noFill/>
+                  </a:rPr>
+                  <a:t> </a:t>
+                </a:r>
+              </a:p>
+            </p:txBody>
+          </p:sp>
+        </mc:Fallback>
+      </mc:AlternateContent>
+      <p:sp>
+        <p:nvSpPr>
+          <p:cNvPr id="87" name="矩形 86"/>
+          <p:cNvSpPr/>
+          <p:nvPr/>
+        </p:nvSpPr>
+        <p:spPr>
+          <a:xfrm>
+            <a:off x="4515275" y="4701186"/>
+            <a:ext cx="1267134" cy="787321"/>
+          </a:xfrm>
+          <a:prstGeom prst="rect">
+            <a:avLst/>
+          </a:prstGeom>
+          <a:gradFill rotWithShape="1">
+            <a:gsLst>
+              <a:gs pos="0">
+                <a:srgbClr val="70AD47">
+                  <a:lumMod val="110000"/>
+                  <a:satMod val="105000"/>
+                  <a:tint val="67000"/>
+                </a:srgbClr>
+              </a:gs>
+              <a:gs pos="50000">
+                <a:srgbClr val="70AD47">
+                  <a:lumMod val="105000"/>
+                  <a:satMod val="103000"/>
+                  <a:tint val="73000"/>
+                </a:srgbClr>
+              </a:gs>
+              <a:gs pos="100000">
+                <a:srgbClr val="70AD47">
+                  <a:lumMod val="105000"/>
+                  <a:satMod val="109000"/>
+                  <a:tint val="81000"/>
+                </a:srgbClr>
+              </a:gs>
+            </a:gsLst>
+            <a:lin ang="5400000" scaled="0"/>
+          </a:gradFill>
+          <a:ln w="6350" cap="flat" cmpd="sng" algn="ctr">
+            <a:solidFill>
+              <a:srgbClr val="70AD47"/>
+            </a:solidFill>
+            <a:prstDash val="solid"/>
+            <a:miter lim="800000"/>
+          </a:ln>
+          <a:effectLst/>
+        </p:spPr>
+        <p:txBody>
+          <a:bodyPr rtlCol="0" anchor="ctr"/>
+          <a:lstStyle/>
+          <a:p>
+            <a:pPr marL="0" marR="0" lvl="0" indent="0" algn="ctr" defTabSz="914400" eaLnBrk="1" fontAlgn="auto" latinLnBrk="0" hangingPunct="1">
+              <a:lnSpc>
+                <a:spcPct val="100000"/>
+              </a:lnSpc>
+              <a:spcBef>
+                <a:spcPts val="0"/>
+              </a:spcBef>
+              <a:spcAft>
+                <a:spcPts val="0"/>
+              </a:spcAft>
+              <a:buClrTx/>
+              <a:buSzTx/>
+              <a:buFontTx/>
+              <a:buNone/>
+              <a:tabLst/>
+              <a:defRPr/>
+            </a:pPr>
+            <a:r>
+              <a:rPr kumimoji="0" lang="en-US" altLang="zh-TW" sz="2400" b="0" i="0" u="none" strike="noStrike" kern="0" cap="none" spc="0" normalizeH="0" baseline="0" noProof="0" dirty="0" smtClean="0">
+                <a:ln>
+                  <a:noFill/>
+                </a:ln>
+                <a:solidFill>
+                  <a:prstClr val="black"/>
+                </a:solidFill>
+                <a:effectLst/>
+                <a:uLnTx/>
+                <a:uFillTx/>
+                <a:latin typeface="Calibri" panose="020F0502020204030204"/>
+                <a:ea typeface="新細明體" panose="02020500000000000000" pitchFamily="18" charset="-120"/>
+                <a:cs typeface="+mn-cs"/>
+              </a:rPr>
+              <a:t>NN</a:t>
+            </a:r>
+          </a:p>
+          <a:p>
+            <a:pPr marL="0" marR="0" lvl="0" indent="0" algn="ctr" defTabSz="914400" eaLnBrk="1" fontAlgn="auto" latinLnBrk="0" hangingPunct="1">
+              <a:lnSpc>
+                <a:spcPct val="100000"/>
+              </a:lnSpc>
+              <a:spcBef>
+                <a:spcPts val="0"/>
+              </a:spcBef>
+              <a:spcAft>
+                <a:spcPts val="0"/>
+              </a:spcAft>
+              <a:buClrTx/>
+              <a:buSzTx/>
+              <a:buFontTx/>
+              <a:buNone/>
+              <a:tabLst/>
+              <a:defRPr/>
+            </a:pPr>
+            <a:r>
+              <a:rPr kumimoji="0" lang="en-US" altLang="zh-TW" sz="2400" b="0" i="0" u="none" strike="noStrike" kern="0" cap="none" spc="0" normalizeH="0" baseline="0" noProof="0" dirty="0" smtClean="0">
+                <a:ln>
+                  <a:noFill/>
+                </a:ln>
+                <a:solidFill>
+                  <a:prstClr val="black"/>
+                </a:solidFill>
+                <a:effectLst/>
+                <a:uLnTx/>
+                <a:uFillTx/>
+                <a:latin typeface="Calibri" panose="020F0502020204030204"/>
+                <a:ea typeface="新細明體" panose="02020500000000000000" pitchFamily="18" charset="-120"/>
+                <a:cs typeface="+mn-cs"/>
+              </a:rPr>
+              <a:t>Decoder</a:t>
+            </a:r>
+            <a:endParaRPr kumimoji="0" lang="zh-TW" altLang="en-US" sz="2400" b="0" i="0" u="none" strike="noStrike" kern="0" cap="none" spc="0" normalizeH="0" baseline="0" noProof="0" dirty="0" smtClean="0">
+              <a:ln>
+                <a:noFill/>
+              </a:ln>
+              <a:solidFill>
+                <a:prstClr val="black"/>
+              </a:solidFill>
+              <a:effectLst/>
+              <a:uLnTx/>
+              <a:uFillTx/>
+              <a:latin typeface="Calibri" panose="020F0502020204030204"/>
+              <a:ea typeface="新細明體" panose="02020500000000000000" pitchFamily="18" charset="-120"/>
+              <a:cs typeface="+mn-cs"/>
+            </a:endParaRPr>
+          </a:p>
+        </p:txBody>
+      </p:sp>
+      <p:pic>
+        <p:nvPicPr>
+          <p:cNvPr id="88" name="圖片 87"/>
+          <p:cNvPicPr>
+            <a:picLocks noChangeAspect="1"/>
+          </p:cNvPicPr>
+          <p:nvPr/>
+        </p:nvPicPr>
+        <p:blipFill>
+          <a:blip r:embed="rId6"/>
+          <a:stretch>
+            <a:fillRect/>
+          </a:stretch>
+        </p:blipFill>
+        <p:spPr>
+          <a:xfrm>
+            <a:off x="3657581" y="4701186"/>
+            <a:ext cx="621393" cy="586871"/>
+          </a:xfrm>
+          <a:prstGeom prst="rect">
+            <a:avLst/>
+          </a:prstGeom>
+        </p:spPr>
+      </p:pic>
+      <p:sp>
+        <p:nvSpPr>
+          <p:cNvPr id="89" name="手繪多邊形: 圖案 33"/>
+          <p:cNvSpPr/>
+          <p:nvPr/>
+        </p:nvSpPr>
+        <p:spPr>
+          <a:xfrm>
+            <a:off x="651953" y="2891036"/>
+            <a:ext cx="522584" cy="1161143"/>
+          </a:xfrm>
+          <a:custGeom>
+            <a:avLst/>
+            <a:gdLst>
+              <a:gd name="connsiteX0" fmla="*/ 493555 w 522584"/>
+              <a:gd name="connsiteY0" fmla="*/ 1161143 h 1161143"/>
+              <a:gd name="connsiteX1" fmla="*/ 69 w 522584"/>
+              <a:gd name="connsiteY1" fmla="*/ 493486 h 1161143"/>
+              <a:gd name="connsiteX2" fmla="*/ 522584 w 522584"/>
+              <a:gd name="connsiteY2" fmla="*/ 0 h 1161143"/>
+            </a:gdLst>
+            <a:ahLst/>
+            <a:cxnLst>
+              <a:cxn ang="0">
+                <a:pos x="connsiteX0" y="connsiteY0"/>
+              </a:cxn>
+              <a:cxn ang="0">
+                <a:pos x="connsiteX1" y="connsiteY1"/>
+              </a:cxn>
+              <a:cxn ang="0">
+                <a:pos x="connsiteX2" y="connsiteY2"/>
+              </a:cxn>
+            </a:cxnLst>
+            <a:rect l="l" t="t" r="r" b="b"/>
+            <a:pathLst>
+              <a:path w="522584" h="1161143">
+                <a:moveTo>
+                  <a:pt x="493555" y="1161143"/>
+                </a:moveTo>
+                <a:cubicBezTo>
+                  <a:pt x="244393" y="924076"/>
+                  <a:pt x="-4769" y="687010"/>
+                  <a:pt x="69" y="493486"/>
+                </a:cubicBezTo>
+                <a:cubicBezTo>
+                  <a:pt x="4907" y="299962"/>
+                  <a:pt x="263745" y="149981"/>
+                  <a:pt x="522584" y="0"/>
+                </a:cubicBezTo>
+              </a:path>
+            </a:pathLst>
+          </a:custGeom>
+          <a:noFill/>
+          <a:ln w="38100" cap="flat" cmpd="sng" algn="ctr">
+            <a:solidFill>
+              <a:sysClr val="windowText" lastClr="000000"/>
+            </a:solidFill>
+            <a:prstDash val="solid"/>
+            <a:miter lim="800000"/>
+            <a:headEnd type="none" w="med" len="med"/>
+            <a:tailEnd type="triangle" w="med" len="med"/>
+          </a:ln>
+          <a:effectLst/>
+        </p:spPr>
+        <p:txBody>
+          <a:bodyPr rtlCol="0" anchor="ctr"/>
+          <a:lstStyle/>
+          <a:p>
+            <a:pPr marL="0" marR="0" lvl="0" indent="0" algn="ctr" defTabSz="914400" eaLnBrk="1" fontAlgn="auto" latinLnBrk="0" hangingPunct="1">
+              <a:lnSpc>
+                <a:spcPct val="100000"/>
+              </a:lnSpc>
+              <a:spcBef>
+                <a:spcPts val="0"/>
+              </a:spcBef>
+              <a:spcAft>
+                <a:spcPts val="0"/>
+              </a:spcAft>
+              <a:buClrTx/>
+              <a:buSzTx/>
+              <a:buFontTx/>
+              <a:buNone/>
+              <a:tabLst/>
+              <a:defRPr/>
+            </a:pPr>
+            <a:endParaRPr kumimoji="0" lang="zh-TW" altLang="en-US" sz="1800" b="0" i="0" u="none" strike="noStrike" kern="0" cap="none" spc="0" normalizeH="0" baseline="0" noProof="0" dirty="0" smtClean="0">
+              <a:ln>
+                <a:noFill/>
+              </a:ln>
+              <a:solidFill>
+                <a:prstClr val="white"/>
+              </a:solidFill>
+              <a:effectLst/>
+              <a:uLnTx/>
+              <a:uFillTx/>
+              <a:latin typeface="Calibri" panose="020F0502020204030204"/>
+              <a:ea typeface="新細明體" panose="02020500000000000000" pitchFamily="18" charset="-120"/>
+              <a:cs typeface="+mn-cs"/>
+            </a:endParaRPr>
+          </a:p>
+        </p:txBody>
+      </p:sp>
+      <p:sp>
+        <p:nvSpPr>
+          <p:cNvPr id="90" name="手繪多邊形: 圖案 34"/>
+          <p:cNvSpPr/>
+          <p:nvPr/>
+        </p:nvSpPr>
+        <p:spPr>
+          <a:xfrm rot="10959087">
+            <a:off x="5788322" y="4177777"/>
+            <a:ext cx="435533" cy="1108124"/>
+          </a:xfrm>
+          <a:custGeom>
+            <a:avLst/>
+            <a:gdLst>
+              <a:gd name="connsiteX0" fmla="*/ 493555 w 522584"/>
+              <a:gd name="connsiteY0" fmla="*/ 1161143 h 1161143"/>
+              <a:gd name="connsiteX1" fmla="*/ 69 w 522584"/>
+              <a:gd name="connsiteY1" fmla="*/ 493486 h 1161143"/>
+              <a:gd name="connsiteX2" fmla="*/ 522584 w 522584"/>
+              <a:gd name="connsiteY2" fmla="*/ 0 h 1161143"/>
+            </a:gdLst>
+            <a:ahLst/>
+            <a:cxnLst>
+              <a:cxn ang="0">
+                <a:pos x="connsiteX0" y="connsiteY0"/>
+              </a:cxn>
+              <a:cxn ang="0">
+                <a:pos x="connsiteX1" y="connsiteY1"/>
+              </a:cxn>
+              <a:cxn ang="0">
+                <a:pos x="connsiteX2" y="connsiteY2"/>
+              </a:cxn>
+            </a:cxnLst>
+            <a:rect l="l" t="t" r="r" b="b"/>
+            <a:pathLst>
+              <a:path w="522584" h="1161143">
+                <a:moveTo>
+                  <a:pt x="493555" y="1161143"/>
+                </a:moveTo>
+                <a:cubicBezTo>
+                  <a:pt x="244393" y="924076"/>
+                  <a:pt x="-4769" y="687010"/>
+                  <a:pt x="69" y="493486"/>
+                </a:cubicBezTo>
+                <a:cubicBezTo>
+                  <a:pt x="4907" y="299962"/>
+                  <a:pt x="263745" y="149981"/>
+                  <a:pt x="522584" y="0"/>
+                </a:cubicBezTo>
+              </a:path>
+            </a:pathLst>
+          </a:custGeom>
+          <a:noFill/>
+          <a:ln w="38100" cap="flat" cmpd="sng" algn="ctr">
+            <a:solidFill>
+              <a:sysClr val="windowText" lastClr="000000"/>
+            </a:solidFill>
+            <a:prstDash val="solid"/>
+            <a:miter lim="800000"/>
+            <a:headEnd type="none" w="med" len="med"/>
+            <a:tailEnd type="triangle" w="med" len="med"/>
+          </a:ln>
+          <a:effectLst/>
+        </p:spPr>
+        <p:txBody>
+          <a:bodyPr rtlCol="0" anchor="ctr"/>
+          <a:lstStyle/>
+          <a:p>
+            <a:pPr marL="0" marR="0" lvl="0" indent="0" algn="ctr" defTabSz="914400" eaLnBrk="1" fontAlgn="auto" latinLnBrk="0" hangingPunct="1">
+              <a:lnSpc>
+                <a:spcPct val="100000"/>
+              </a:lnSpc>
+              <a:spcBef>
+                <a:spcPts val="0"/>
+              </a:spcBef>
+              <a:spcAft>
+                <a:spcPts val="0"/>
+              </a:spcAft>
+              <a:buClrTx/>
+              <a:buSzTx/>
+              <a:buFontTx/>
+              <a:buNone/>
+              <a:tabLst/>
+              <a:defRPr/>
+            </a:pPr>
+            <a:endParaRPr kumimoji="0" lang="zh-TW" altLang="en-US" sz="1800" b="0" i="0" u="none" strike="noStrike" kern="0" cap="none" spc="0" normalizeH="0" baseline="0" noProof="0" smtClean="0">
+              <a:ln>
+                <a:noFill/>
+              </a:ln>
+              <a:solidFill>
+                <a:prstClr val="white"/>
+              </a:solidFill>
+              <a:effectLst/>
+              <a:uLnTx/>
+              <a:uFillTx/>
+              <a:latin typeface="Calibri" panose="020F0502020204030204"/>
+              <a:ea typeface="新細明體" panose="02020500000000000000" pitchFamily="18" charset="-120"/>
+              <a:cs typeface="+mn-cs"/>
+            </a:endParaRPr>
+          </a:p>
+        </p:txBody>
+      </p:sp>
+      <p:cxnSp>
+        <p:nvCxnSpPr>
+          <p:cNvPr id="91" name="直線單箭頭接點 90"/>
+          <p:cNvCxnSpPr>
+            <a:cxnSpLocks/>
+          </p:cNvCxnSpPr>
+          <p:nvPr/>
+        </p:nvCxnSpPr>
+        <p:spPr>
+          <a:xfrm>
+            <a:off x="2471751" y="2862961"/>
+            <a:ext cx="314352" cy="0"/>
+          </a:xfrm>
+          <a:prstGeom prst="straightConnector1">
+            <a:avLst/>
+          </a:prstGeom>
+          <a:noFill/>
+          <a:ln w="38100" cap="flat" cmpd="sng" algn="ctr">
+            <a:solidFill>
+              <a:sysClr val="windowText" lastClr="000000"/>
+            </a:solidFill>
+            <a:prstDash val="solid"/>
+            <a:miter lim="800000"/>
+            <a:tailEnd type="triangle"/>
+          </a:ln>
+          <a:effectLst/>
+        </p:spPr>
+      </p:cxnSp>
+      <p:cxnSp>
+        <p:nvCxnSpPr>
+          <p:cNvPr id="92" name="直線單箭頭接點 91"/>
+          <p:cNvCxnSpPr>
+            <a:cxnSpLocks/>
+          </p:cNvCxnSpPr>
+          <p:nvPr/>
+        </p:nvCxnSpPr>
+        <p:spPr>
+          <a:xfrm flipH="1">
+            <a:off x="4200923" y="5064831"/>
+            <a:ext cx="314352" cy="0"/>
+          </a:xfrm>
+          <a:prstGeom prst="straightConnector1">
+            <a:avLst/>
+          </a:prstGeom>
+          <a:noFill/>
+          <a:ln w="38100" cap="flat" cmpd="sng" algn="ctr">
+            <a:solidFill>
+              <a:sysClr val="windowText" lastClr="000000"/>
+            </a:solidFill>
+            <a:prstDash val="solid"/>
+            <a:miter lim="800000"/>
+            <a:tailEnd type="triangle"/>
+          </a:ln>
+          <a:effectLst/>
+        </p:spPr>
+      </p:cxnSp>
+      <p:sp>
+        <p:nvSpPr>
+          <p:cNvPr id="95" name="文字方塊 94"/>
+          <p:cNvSpPr txBox="1"/>
+          <p:nvPr/>
+        </p:nvSpPr>
+        <p:spPr>
+          <a:xfrm>
+            <a:off x="685800" y="6182981"/>
+            <a:ext cx="7772400" cy="646331"/>
+          </a:xfrm>
+          <a:prstGeom prst="rect">
+            <a:avLst/>
+          </a:prstGeom>
+          <a:noFill/>
+        </p:spPr>
+        <p:txBody>
+          <a:bodyPr wrap="square" rtlCol="0">
+            <a:spAutoFit/>
+          </a:bodyPr>
+          <a:lstStyle/>
+          <a:p>
+            <a:r>
+              <a:rPr lang="en-US" altLang="zh-TW" sz="1200" dirty="0"/>
+              <a:t>From Hung-</a:t>
+            </a:r>
+            <a:r>
+              <a:rPr lang="en-US" altLang="zh-TW" sz="1200" dirty="0" err="1"/>
+              <a:t>yi</a:t>
+            </a:r>
+            <a:r>
+              <a:rPr lang="en-US" altLang="zh-TW" sz="1200" dirty="0"/>
+              <a:t> </a:t>
+            </a:r>
+            <a:r>
+              <a:rPr lang="en-US" altLang="zh-TW" sz="1200" dirty="0" smtClean="0"/>
+              <a:t>Lee</a:t>
+            </a:r>
+            <a:r>
+              <a:rPr lang="en-US" altLang="zh-TW" sz="1200" dirty="0"/>
+              <a:t>, </a:t>
+            </a:r>
+            <a:r>
+              <a:rPr lang="en-US" altLang="zh-TW" sz="1200" dirty="0" smtClean="0"/>
+              <a:t>“</a:t>
+            </a:r>
+            <a:r>
+              <a:rPr lang="en-US" altLang="zh-TW" sz="1200" dirty="0"/>
+              <a:t>Generative Adversarial Network/Basic Idea/Machine Learning and having it deep and structured (2017,Spring)”</a:t>
+            </a:r>
+          </a:p>
+          <a:p>
+            <a:r>
+              <a:rPr lang="en-US" altLang="zh-TW" sz="1200" dirty="0"/>
+              <a:t>http://speech.ee.ntu.edu.tw/~tlkagk/courses_MLDS17.html</a:t>
+            </a:r>
+            <a:endParaRPr lang="zh-TW" altLang="en-US" sz="1200" dirty="0"/>
+          </a:p>
+        </p:txBody>
+      </p:sp>
     </p:spTree>
     <p:extLst>
       <p:ext uri="{BB962C8B-B14F-4D97-AF65-F5344CB8AC3E}">
-        <p14:creationId xmlns:p14="http://schemas.microsoft.com/office/powerpoint/2010/main" val="61756149"/>
+        <p14:creationId xmlns:p14="http://schemas.microsoft.com/office/powerpoint/2010/main" val="228393493"/>
       </p:ext>
     </p:extLst>
   </p:cSld>
   <p:clrMapOvr>
     <a:masterClrMapping/>
   </p:clrMapOvr>
+  <p:timing>
+    <p:tnLst>
+      <p:par>
+        <p:cTn id="1" dur="indefinite" restart="never" nodeType="tmRoot">
+          <p:childTnLst>
+            <p:seq concurrent="1" nextAc="seek">
+              <p:cTn id="2" dur="indefinite" nodeType="mainSeq">
+                <p:childTnLst>
+                  <p:par>
+                    <p:cTn id="3" fill="hold">
+                      <p:stCondLst>
+                        <p:cond delay="indefinite"/>
+                      </p:stCondLst>
+                      <p:childTnLst>
+                        <p:par>
+                          <p:cTn id="4" fill="hold">
+                            <p:stCondLst>
+                              <p:cond delay="0"/>
+                            </p:stCondLst>
+                            <p:childTnLst>
+                              <p:par>
+                                <p:cTn id="5" presetID="1" presetClass="entr" presetSubtype="0" fill="hold" nodeType="clickEffect">
+                                  <p:stCondLst>
+                                    <p:cond delay="0"/>
+                                  </p:stCondLst>
+                                  <p:childTnLst>
+                                    <p:set>
+                                      <p:cBhvr>
+                                        <p:cTn id="6" dur="1" fill="hold">
+                                          <p:stCondLst>
+                                            <p:cond delay="0"/>
+                                          </p:stCondLst>
+                                        </p:cTn>
+                                        <p:tgtEl>
+                                          <p:spTgt spid="77"/>
+                                        </p:tgtEl>
+                                        <p:attrNameLst>
+                                          <p:attrName>style.visibility</p:attrName>
+                                        </p:attrNameLst>
+                                      </p:cBhvr>
+                                      <p:to>
+                                        <p:strVal val="visible"/>
+                                      </p:to>
+                                    </p:set>
+                                  </p:childTnLst>
+                                </p:cTn>
+                              </p:par>
+                              <p:par>
+                                <p:cTn id="7" presetID="1" presetClass="entr" presetSubtype="0" fill="hold" grpId="0" nodeType="withEffect">
+                                  <p:stCondLst>
+                                    <p:cond delay="0"/>
+                                  </p:stCondLst>
+                                  <p:childTnLst>
+                                    <p:set>
+                                      <p:cBhvr>
+                                        <p:cTn id="8" dur="1" fill="hold">
+                                          <p:stCondLst>
+                                            <p:cond delay="0"/>
+                                          </p:stCondLst>
+                                        </p:cTn>
+                                        <p:tgtEl>
+                                          <p:spTgt spid="79"/>
+                                        </p:tgtEl>
+                                        <p:attrNameLst>
+                                          <p:attrName>style.visibility</p:attrName>
+                                        </p:attrNameLst>
+                                      </p:cBhvr>
+                                      <p:to>
+                                        <p:strVal val="visible"/>
+                                      </p:to>
+                                    </p:set>
+                                  </p:childTnLst>
+                                </p:cTn>
+                              </p:par>
+                              <p:par>
+                                <p:cTn id="9" presetID="1" presetClass="entr" presetSubtype="0" fill="hold" nodeType="withEffect">
+                                  <p:stCondLst>
+                                    <p:cond delay="0"/>
+                                  </p:stCondLst>
+                                  <p:childTnLst>
+                                    <p:set>
+                                      <p:cBhvr>
+                                        <p:cTn id="10" dur="1" fill="hold">
+                                          <p:stCondLst>
+                                            <p:cond delay="0"/>
+                                          </p:stCondLst>
+                                        </p:cTn>
+                                        <p:tgtEl>
+                                          <p:spTgt spid="78"/>
+                                        </p:tgtEl>
+                                        <p:attrNameLst>
+                                          <p:attrName>style.visibility</p:attrName>
+                                        </p:attrNameLst>
+                                      </p:cBhvr>
+                                      <p:to>
+                                        <p:strVal val="visible"/>
+                                      </p:to>
+                                    </p:set>
+                                  </p:childTnLst>
+                                </p:cTn>
+                              </p:par>
+                              <p:par>
+                                <p:cTn id="11" presetID="1" presetClass="entr" presetSubtype="0" fill="hold" grpId="0" nodeType="withEffect">
+                                  <p:stCondLst>
+                                    <p:cond delay="0"/>
+                                  </p:stCondLst>
+                                  <p:childTnLst>
+                                    <p:set>
+                                      <p:cBhvr>
+                                        <p:cTn id="12" dur="1" fill="hold">
+                                          <p:stCondLst>
+                                            <p:cond delay="0"/>
+                                          </p:stCondLst>
+                                        </p:cTn>
+                                        <p:tgtEl>
+                                          <p:spTgt spid="80"/>
+                                        </p:tgtEl>
+                                        <p:attrNameLst>
+                                          <p:attrName>style.visibility</p:attrName>
+                                        </p:attrNameLst>
+                                      </p:cBhvr>
+                                      <p:to>
+                                        <p:strVal val="visible"/>
+                                      </p:to>
+                                    </p:set>
+                                  </p:childTnLst>
+                                </p:cTn>
+                              </p:par>
+                            </p:childTnLst>
+                          </p:cTn>
+                        </p:par>
+                      </p:childTnLst>
+                    </p:cTn>
+                  </p:par>
+                  <p:par>
+                    <p:cTn id="13" fill="hold">
+                      <p:stCondLst>
+                        <p:cond delay="indefinite"/>
+                      </p:stCondLst>
+                      <p:childTnLst>
+                        <p:par>
+                          <p:cTn id="14" fill="hold">
+                            <p:stCondLst>
+                              <p:cond delay="0"/>
+                            </p:stCondLst>
+                            <p:childTnLst>
+                              <p:par>
+                                <p:cTn id="15" presetID="1" presetClass="entr" presetSubtype="0" fill="hold" grpId="0" nodeType="clickEffect">
+                                  <p:stCondLst>
+                                    <p:cond delay="0"/>
+                                  </p:stCondLst>
+                                  <p:childTnLst>
+                                    <p:set>
+                                      <p:cBhvr>
+                                        <p:cTn id="16" dur="1" fill="hold">
+                                          <p:stCondLst>
+                                            <p:cond delay="0"/>
+                                          </p:stCondLst>
+                                        </p:cTn>
+                                        <p:tgtEl>
+                                          <p:spTgt spid="81"/>
+                                        </p:tgtEl>
+                                        <p:attrNameLst>
+                                          <p:attrName>style.visibility</p:attrName>
+                                        </p:attrNameLst>
+                                      </p:cBhvr>
+                                      <p:to>
+                                        <p:strVal val="visible"/>
+                                      </p:to>
+                                    </p:set>
+                                  </p:childTnLst>
+                                </p:cTn>
+                              </p:par>
+                              <p:par>
+                                <p:cTn id="17" presetID="1" presetClass="entr" presetSubtype="0" fill="hold" grpId="0" nodeType="withEffect">
+                                  <p:stCondLst>
+                                    <p:cond delay="0"/>
+                                  </p:stCondLst>
+                                  <p:childTnLst>
+                                    <p:set>
+                                      <p:cBhvr>
+                                        <p:cTn id="18" dur="1" fill="hold">
+                                          <p:stCondLst>
+                                            <p:cond delay="0"/>
+                                          </p:stCondLst>
+                                        </p:cTn>
+                                        <p:tgtEl>
+                                          <p:spTgt spid="82"/>
+                                        </p:tgtEl>
+                                        <p:attrNameLst>
+                                          <p:attrName>style.visibility</p:attrName>
+                                        </p:attrNameLst>
+                                      </p:cBhvr>
+                                      <p:to>
+                                        <p:strVal val="visible"/>
+                                      </p:to>
+                                    </p:set>
+                                  </p:childTnLst>
+                                </p:cTn>
+                              </p:par>
+                            </p:childTnLst>
+                          </p:cTn>
+                        </p:par>
+                      </p:childTnLst>
+                    </p:cTn>
+                  </p:par>
+                  <p:par>
+                    <p:cTn id="19" fill="hold">
+                      <p:stCondLst>
+                        <p:cond delay="indefinite"/>
+                      </p:stCondLst>
+                      <p:childTnLst>
+                        <p:par>
+                          <p:cTn id="20" fill="hold">
+                            <p:stCondLst>
+                              <p:cond delay="0"/>
+                            </p:stCondLst>
+                            <p:childTnLst>
+                              <p:par>
+                                <p:cTn id="21" presetID="1" presetClass="entr" presetSubtype="0" fill="hold" grpId="0" nodeType="clickEffect">
+                                  <p:stCondLst>
+                                    <p:cond delay="0"/>
+                                  </p:stCondLst>
+                                  <p:childTnLst>
+                                    <p:set>
+                                      <p:cBhvr>
+                                        <p:cTn id="22" dur="1" fill="hold">
+                                          <p:stCondLst>
+                                            <p:cond delay="0"/>
+                                          </p:stCondLst>
+                                        </p:cTn>
+                                        <p:tgtEl>
+                                          <p:spTgt spid="89"/>
+                                        </p:tgtEl>
+                                        <p:attrNameLst>
+                                          <p:attrName>style.visibility</p:attrName>
+                                        </p:attrNameLst>
+                                      </p:cBhvr>
+                                      <p:to>
+                                        <p:strVal val="visible"/>
+                                      </p:to>
+                                    </p:set>
+                                  </p:childTnLst>
+                                </p:cTn>
+                              </p:par>
+                              <p:par>
+                                <p:cTn id="23" presetID="1" presetClass="entr" presetSubtype="0" fill="hold" grpId="0" nodeType="withEffect">
+                                  <p:stCondLst>
+                                    <p:cond delay="0"/>
+                                  </p:stCondLst>
+                                  <p:childTnLst>
+                                    <p:set>
+                                      <p:cBhvr>
+                                        <p:cTn id="24" dur="1" fill="hold">
+                                          <p:stCondLst>
+                                            <p:cond delay="0"/>
+                                          </p:stCondLst>
+                                        </p:cTn>
+                                        <p:tgtEl>
+                                          <p:spTgt spid="83"/>
+                                        </p:tgtEl>
+                                        <p:attrNameLst>
+                                          <p:attrName>style.visibility</p:attrName>
+                                        </p:attrNameLst>
+                                      </p:cBhvr>
+                                      <p:to>
+                                        <p:strVal val="visible"/>
+                                      </p:to>
+                                    </p:set>
+                                  </p:childTnLst>
+                                </p:cTn>
+                              </p:par>
+                            </p:childTnLst>
+                          </p:cTn>
+                        </p:par>
+                      </p:childTnLst>
+                    </p:cTn>
+                  </p:par>
+                  <p:par>
+                    <p:cTn id="25" fill="hold">
+                      <p:stCondLst>
+                        <p:cond delay="indefinite"/>
+                      </p:stCondLst>
+                      <p:childTnLst>
+                        <p:par>
+                          <p:cTn id="26" fill="hold">
+                            <p:stCondLst>
+                              <p:cond delay="0"/>
+                            </p:stCondLst>
+                            <p:childTnLst>
+                              <p:par>
+                                <p:cTn id="27" presetID="1" presetClass="entr" presetSubtype="0" fill="hold" nodeType="clickEffect">
+                                  <p:stCondLst>
+                                    <p:cond delay="0"/>
+                                  </p:stCondLst>
+                                  <p:childTnLst>
+                                    <p:set>
+                                      <p:cBhvr>
+                                        <p:cTn id="28" dur="1" fill="hold">
+                                          <p:stCondLst>
+                                            <p:cond delay="0"/>
+                                          </p:stCondLst>
+                                        </p:cTn>
+                                        <p:tgtEl>
+                                          <p:spTgt spid="91"/>
+                                        </p:tgtEl>
+                                        <p:attrNameLst>
+                                          <p:attrName>style.visibility</p:attrName>
+                                        </p:attrNameLst>
+                                      </p:cBhvr>
+                                      <p:to>
+                                        <p:strVal val="visible"/>
+                                      </p:to>
+                                    </p:set>
+                                  </p:childTnLst>
+                                </p:cTn>
+                              </p:par>
+                              <p:par>
+                                <p:cTn id="29" presetID="1" presetClass="entr" presetSubtype="0" fill="hold" nodeType="withEffect">
+                                  <p:stCondLst>
+                                    <p:cond delay="0"/>
+                                  </p:stCondLst>
+                                  <p:childTnLst>
+                                    <p:set>
+                                      <p:cBhvr>
+                                        <p:cTn id="30" dur="1" fill="hold">
+                                          <p:stCondLst>
+                                            <p:cond delay="0"/>
+                                          </p:stCondLst>
+                                        </p:cTn>
+                                        <p:tgtEl>
+                                          <p:spTgt spid="84"/>
+                                        </p:tgtEl>
+                                        <p:attrNameLst>
+                                          <p:attrName>style.visibility</p:attrName>
+                                        </p:attrNameLst>
+                                      </p:cBhvr>
+                                      <p:to>
+                                        <p:strVal val="visible"/>
+                                      </p:to>
+                                    </p:set>
+                                  </p:childTnLst>
+                                </p:cTn>
+                              </p:par>
+                            </p:childTnLst>
+                          </p:cTn>
+                        </p:par>
+                      </p:childTnLst>
+                    </p:cTn>
+                  </p:par>
+                  <p:par>
+                    <p:cTn id="31" fill="hold">
+                      <p:stCondLst>
+                        <p:cond delay="indefinite"/>
+                      </p:stCondLst>
+                      <p:childTnLst>
+                        <p:par>
+                          <p:cTn id="32" fill="hold">
+                            <p:stCondLst>
+                              <p:cond delay="0"/>
+                            </p:stCondLst>
+                            <p:childTnLst>
+                              <p:par>
+                                <p:cTn id="33" presetID="1" presetClass="entr" presetSubtype="0" fill="hold" grpId="0" nodeType="clickEffect">
+                                  <p:stCondLst>
+                                    <p:cond delay="0"/>
+                                  </p:stCondLst>
+                                  <p:childTnLst>
+                                    <p:set>
+                                      <p:cBhvr>
+                                        <p:cTn id="34" dur="1" fill="hold">
+                                          <p:stCondLst>
+                                            <p:cond delay="0"/>
+                                          </p:stCondLst>
+                                        </p:cTn>
+                                        <p:tgtEl>
+                                          <p:spTgt spid="85"/>
+                                        </p:tgtEl>
+                                        <p:attrNameLst>
+                                          <p:attrName>style.visibility</p:attrName>
+                                        </p:attrNameLst>
+                                      </p:cBhvr>
+                                      <p:to>
+                                        <p:strVal val="visible"/>
+                                      </p:to>
+                                    </p:set>
+                                  </p:childTnLst>
+                                </p:cTn>
+                              </p:par>
+                              <p:par>
+                                <p:cTn id="35" presetID="1" presetClass="entr" presetSubtype="0" fill="hold" grpId="0" nodeType="withEffect">
+                                  <p:stCondLst>
+                                    <p:cond delay="0"/>
+                                  </p:stCondLst>
+                                  <p:childTnLst>
+                                    <p:set>
+                                      <p:cBhvr>
+                                        <p:cTn id="36" dur="1" fill="hold">
+                                          <p:stCondLst>
+                                            <p:cond delay="0"/>
+                                          </p:stCondLst>
+                                        </p:cTn>
+                                        <p:tgtEl>
+                                          <p:spTgt spid="86"/>
+                                        </p:tgtEl>
+                                        <p:attrNameLst>
+                                          <p:attrName>style.visibility</p:attrName>
+                                        </p:attrNameLst>
+                                      </p:cBhvr>
+                                      <p:to>
+                                        <p:strVal val="visible"/>
+                                      </p:to>
+                                    </p:set>
+                                  </p:childTnLst>
+                                </p:cTn>
+                              </p:par>
+                            </p:childTnLst>
+                          </p:cTn>
+                        </p:par>
+                      </p:childTnLst>
+                    </p:cTn>
+                  </p:par>
+                  <p:par>
+                    <p:cTn id="37" fill="hold">
+                      <p:stCondLst>
+                        <p:cond delay="indefinite"/>
+                      </p:stCondLst>
+                      <p:childTnLst>
+                        <p:par>
+                          <p:cTn id="38" fill="hold">
+                            <p:stCondLst>
+                              <p:cond delay="0"/>
+                            </p:stCondLst>
+                            <p:childTnLst>
+                              <p:par>
+                                <p:cTn id="39" presetID="1" presetClass="entr" presetSubtype="0" fill="hold" grpId="0" nodeType="clickEffect">
+                                  <p:stCondLst>
+                                    <p:cond delay="0"/>
+                                  </p:stCondLst>
+                                  <p:childTnLst>
+                                    <p:set>
+                                      <p:cBhvr>
+                                        <p:cTn id="40" dur="1" fill="hold">
+                                          <p:stCondLst>
+                                            <p:cond delay="0"/>
+                                          </p:stCondLst>
+                                        </p:cTn>
+                                        <p:tgtEl>
+                                          <p:spTgt spid="90"/>
+                                        </p:tgtEl>
+                                        <p:attrNameLst>
+                                          <p:attrName>style.visibility</p:attrName>
+                                        </p:attrNameLst>
+                                      </p:cBhvr>
+                                      <p:to>
+                                        <p:strVal val="visible"/>
+                                      </p:to>
+                                    </p:set>
+                                  </p:childTnLst>
+                                </p:cTn>
+                              </p:par>
+                              <p:par>
+                                <p:cTn id="41" presetID="1" presetClass="entr" presetSubtype="0" fill="hold" grpId="0" nodeType="withEffect">
+                                  <p:stCondLst>
+                                    <p:cond delay="0"/>
+                                  </p:stCondLst>
+                                  <p:childTnLst>
+                                    <p:set>
+                                      <p:cBhvr>
+                                        <p:cTn id="42" dur="1" fill="hold">
+                                          <p:stCondLst>
+                                            <p:cond delay="0"/>
+                                          </p:stCondLst>
+                                        </p:cTn>
+                                        <p:tgtEl>
+                                          <p:spTgt spid="87"/>
+                                        </p:tgtEl>
+                                        <p:attrNameLst>
+                                          <p:attrName>style.visibility</p:attrName>
+                                        </p:attrNameLst>
+                                      </p:cBhvr>
+                                      <p:to>
+                                        <p:strVal val="visible"/>
+                                      </p:to>
+                                    </p:set>
+                                  </p:childTnLst>
+                                </p:cTn>
+                              </p:par>
+                            </p:childTnLst>
+                          </p:cTn>
+                        </p:par>
+                      </p:childTnLst>
+                    </p:cTn>
+                  </p:par>
+                  <p:par>
+                    <p:cTn id="43" fill="hold">
+                      <p:stCondLst>
+                        <p:cond delay="indefinite"/>
+                      </p:stCondLst>
+                      <p:childTnLst>
+                        <p:par>
+                          <p:cTn id="44" fill="hold">
+                            <p:stCondLst>
+                              <p:cond delay="0"/>
+                            </p:stCondLst>
+                            <p:childTnLst>
+                              <p:par>
+                                <p:cTn id="45" presetID="1" presetClass="entr" presetSubtype="0" fill="hold" nodeType="clickEffect">
+                                  <p:stCondLst>
+                                    <p:cond delay="0"/>
+                                  </p:stCondLst>
+                                  <p:childTnLst>
+                                    <p:set>
+                                      <p:cBhvr>
+                                        <p:cTn id="46" dur="1" fill="hold">
+                                          <p:stCondLst>
+                                            <p:cond delay="0"/>
+                                          </p:stCondLst>
+                                        </p:cTn>
+                                        <p:tgtEl>
+                                          <p:spTgt spid="88"/>
+                                        </p:tgtEl>
+                                        <p:attrNameLst>
+                                          <p:attrName>style.visibility</p:attrName>
+                                        </p:attrNameLst>
+                                      </p:cBhvr>
+                                      <p:to>
+                                        <p:strVal val="visible"/>
+                                      </p:to>
+                                    </p:set>
+                                  </p:childTnLst>
+                                </p:cTn>
+                              </p:par>
+                              <p:par>
+                                <p:cTn id="47" presetID="1" presetClass="entr" presetSubtype="0" fill="hold" nodeType="withEffect">
+                                  <p:stCondLst>
+                                    <p:cond delay="0"/>
+                                  </p:stCondLst>
+                                  <p:childTnLst>
+                                    <p:set>
+                                      <p:cBhvr>
+                                        <p:cTn id="48" dur="1" fill="hold">
+                                          <p:stCondLst>
+                                            <p:cond delay="0"/>
+                                          </p:stCondLst>
+                                        </p:cTn>
+                                        <p:tgtEl>
+                                          <p:spTgt spid="92"/>
+                                        </p:tgtEl>
+                                        <p:attrNameLst>
+                                          <p:attrName>style.visibility</p:attrName>
+                                        </p:attrNameLst>
+                                      </p:cBhvr>
+                                      <p:to>
+                                        <p:strVal val="visible"/>
+                                      </p:to>
+                                    </p:set>
+                                  </p:childTnLst>
+                                </p:cTn>
+                              </p:par>
+                            </p:childTnLst>
+                          </p:cTn>
+                        </p:par>
+                      </p:childTnLst>
+                    </p:cTn>
+                  </p:par>
+                </p:childTnLst>
+              </p:cTn>
+              <p:prevCondLst>
+                <p:cond evt="onPrev" delay="0">
+                  <p:tgtEl>
+                    <p:sldTgt/>
+                  </p:tgtEl>
+                </p:cond>
+              </p:prevCondLst>
+              <p:nextCondLst>
+                <p:cond evt="onNext" delay="0">
+                  <p:tgtEl>
+                    <p:sldTgt/>
+                  </p:tgtEl>
+                </p:cond>
+              </p:nextCondLst>
+            </p:seq>
+          </p:childTnLst>
+        </p:cTn>
+      </p:par>
+    </p:tnLst>
+    <p:bldLst>
+      <p:bldP spid="79" grpId="0"/>
+      <p:bldP spid="80" grpId="0"/>
+      <p:bldP spid="81" grpId="0" animBg="1"/>
+      <p:bldP spid="82" grpId="0"/>
+      <p:bldP spid="83" grpId="0" animBg="1"/>
+      <p:bldP spid="85" grpId="0" animBg="1"/>
+      <p:bldP spid="86" grpId="0"/>
+      <p:bldP spid="87" grpId="0" animBg="1"/>
+      <p:bldP spid="89" grpId="0" animBg="1"/>
+      <p:bldP spid="90" grpId="0" animBg="1"/>
+    </p:bldLst>
+  </p:timing>
 </p:sld>
 </file>
 
@@ -6711,7 +11995,7 @@
       </p:grpSpPr>
       <p:sp>
         <p:nvSpPr>
-          <p:cNvPr id="7" name="標題 6"/>
+          <p:cNvPr id="5" name="標題 4"/>
           <p:cNvSpPr>
             <a:spLocks noGrp="1"/>
           </p:cNvSpPr>
@@ -6725,69 +12009,133 @@
           <a:lstStyle/>
           <a:p>
             <a:r>
-              <a:rPr lang="en-US" altLang="zh-TW" sz="6600" cap="none" dirty="0"/>
+              <a:rPr lang="en-US" altLang="zh-TW" dirty="0"/>
               <a:t>Auto-Encoder</a:t>
             </a:r>
-          </a:p>
-        </p:txBody>
-      </p:sp>
-      <p:sp>
-        <p:nvSpPr>
-          <p:cNvPr id="8" name="文字版面配置區 7"/>
+            <a:endParaRPr lang="zh-TW" altLang="en-US" dirty="0"/>
+          </a:p>
+        </p:txBody>
+      </p:sp>
+      <p:sp>
+        <p:nvSpPr>
+          <p:cNvPr id="6" name="內容版面配置區 5"/>
           <p:cNvSpPr>
             <a:spLocks noGrp="1"/>
           </p:cNvSpPr>
           <p:nvPr>
-            <p:ph type="body" idx="1"/>
+            <p:ph idx="1"/>
           </p:nvPr>
         </p:nvSpPr>
         <p:spPr/>
         <p:txBody>
-          <a:bodyPr>
-            <a:normAutofit/>
+          <a:bodyPr/>
+          <a:lstStyle/>
+          <a:p>
+            <a:endParaRPr lang="zh-TW" altLang="en-US"/>
+          </a:p>
+        </p:txBody>
+      </p:sp>
+      <p:pic>
+        <p:nvPicPr>
+          <p:cNvPr id="25" name="圖片 24"/>
+          <p:cNvPicPr>
+            <a:picLocks noChangeAspect="1"/>
+          </p:cNvPicPr>
+          <p:nvPr/>
+        </p:nvPicPr>
+        <p:blipFill>
+          <a:blip r:embed="rId2"/>
+          <a:stretch>
+            <a:fillRect/>
+          </a:stretch>
+        </p:blipFill>
+        <p:spPr>
+          <a:xfrm>
+            <a:off x="2691639" y="1741368"/>
+            <a:ext cx="4351828" cy="4430832"/>
+          </a:xfrm>
+          <a:prstGeom prst="rect">
+            <a:avLst/>
+          </a:prstGeom>
+        </p:spPr>
+      </p:pic>
+      <p:sp>
+        <p:nvSpPr>
+          <p:cNvPr id="26" name="文字方塊 25"/>
+          <p:cNvSpPr txBox="1"/>
+          <p:nvPr/>
+        </p:nvSpPr>
+        <p:spPr>
+          <a:xfrm>
+            <a:off x="685800" y="6182981"/>
+            <a:ext cx="7772400" cy="646331"/>
+          </a:xfrm>
+          <a:prstGeom prst="rect">
+            <a:avLst/>
+          </a:prstGeom>
+          <a:noFill/>
+        </p:spPr>
+        <p:txBody>
+          <a:bodyPr wrap="square" rtlCol="0">
+            <a:spAutoFit/>
           </a:bodyPr>
           <a:lstStyle/>
           <a:p>
             <a:r>
-              <a:rPr lang="en-US" altLang="zh-TW" sz="3200" dirty="0" smtClean="0"/>
-              <a:t>Deep Learning</a:t>
-            </a:r>
-          </a:p>
-        </p:txBody>
-      </p:sp>
-      <p:sp>
-        <p:nvSpPr>
-          <p:cNvPr id="4" name="投影片編號版面配置區 3"/>
-          <p:cNvSpPr>
-            <a:spLocks noGrp="1"/>
-          </p:cNvSpPr>
-          <p:nvPr>
-            <p:ph type="sldNum" sz="quarter" idx="12"/>
-          </p:nvPr>
-        </p:nvSpPr>
-        <p:spPr/>
-        <p:txBody>
-          <a:bodyPr/>
-          <a:lstStyle/>
-          <a:p>
-            <a:fld id="{4FAB73BC-B049-4115-A692-8D63A059BFB8}" type="slidenum">
-              <a:rPr lang="en-US" smtClean="0"/>
-              <a:t>9</a:t>
-            </a:fld>
-            <a:endParaRPr lang="en-US" dirty="0"/>
+              <a:rPr lang="en-US" altLang="zh-TW" sz="1200" dirty="0"/>
+              <a:t>From Hung-</a:t>
+            </a:r>
+            <a:r>
+              <a:rPr lang="en-US" altLang="zh-TW" sz="1200" dirty="0" err="1"/>
+              <a:t>yi</a:t>
+            </a:r>
+            <a:r>
+              <a:rPr lang="en-US" altLang="zh-TW" sz="1200" dirty="0"/>
+              <a:t> </a:t>
+            </a:r>
+            <a:r>
+              <a:rPr lang="en-US" altLang="zh-TW" sz="1200" dirty="0" smtClean="0"/>
+              <a:t>Lee</a:t>
+            </a:r>
+            <a:r>
+              <a:rPr lang="en-US" altLang="zh-TW" sz="1200" dirty="0"/>
+              <a:t>, </a:t>
+            </a:r>
+            <a:r>
+              <a:rPr lang="en-US" altLang="zh-TW" sz="1200" dirty="0" smtClean="0"/>
+              <a:t>“</a:t>
+            </a:r>
+            <a:r>
+              <a:rPr lang="en-US" altLang="zh-TW" sz="1200" dirty="0"/>
+              <a:t>Generative Adversarial Network/Basic Idea/Machine Learning and having it deep and structured (2017,Spring)”</a:t>
+            </a:r>
+          </a:p>
+          <a:p>
+            <a:r>
+              <a:rPr lang="en-US" altLang="zh-TW" sz="1200" dirty="0"/>
+              <a:t>http://speech.ee.ntu.edu.tw/~tlkagk/courses_MLDS17.html</a:t>
+            </a:r>
+            <a:endParaRPr lang="zh-TW" altLang="en-US" sz="1200" dirty="0"/>
           </a:p>
         </p:txBody>
       </p:sp>
     </p:spTree>
     <p:extLst>
       <p:ext uri="{BB962C8B-B14F-4D97-AF65-F5344CB8AC3E}">
-        <p14:creationId xmlns:p14="http://schemas.microsoft.com/office/powerpoint/2010/main" val="3277746343"/>
+        <p14:creationId xmlns:p14="http://schemas.microsoft.com/office/powerpoint/2010/main" val="2718027596"/>
       </p:ext>
     </p:extLst>
   </p:cSld>
   <p:clrMapOvr>
     <a:masterClrMapping/>
   </p:clrMapOvr>
+  <p:timing>
+    <p:tnLst>
+      <p:par>
+        <p:cTn id="1" dur="indefinite" restart="never" nodeType="tmRoot"/>
+      </p:par>
+    </p:tnLst>
+  </p:timing>
 </p:sld>
 </file>
 
